--- a/posters/Romansky_Physica_2018.pptx
+++ b/posters/Romansky_Physica_2018.pptx
@@ -288,7 +288,7 @@
           <a:p>
             <a:fld id="{F515D3A2-22C3-4007-B598-9B555F861680}" type="datetimeFigureOut">
               <a:rPr lang="ru-RU" smtClean="0"/>
-              <a:t>20.10.2018</a:t>
+              <a:t>22.10.2018</a:t>
             </a:fld>
             <a:endParaRPr lang="ru-RU"/>
           </a:p>
@@ -458,7 +458,7 @@
           <a:p>
             <a:fld id="{F515D3A2-22C3-4007-B598-9B555F861680}" type="datetimeFigureOut">
               <a:rPr lang="ru-RU" smtClean="0"/>
-              <a:t>20.10.2018</a:t>
+              <a:t>22.10.2018</a:t>
             </a:fld>
             <a:endParaRPr lang="ru-RU"/>
           </a:p>
@@ -638,7 +638,7 @@
           <a:p>
             <a:fld id="{F515D3A2-22C3-4007-B598-9B555F861680}" type="datetimeFigureOut">
               <a:rPr lang="ru-RU" smtClean="0"/>
-              <a:t>20.10.2018</a:t>
+              <a:t>22.10.2018</a:t>
             </a:fld>
             <a:endParaRPr lang="ru-RU"/>
           </a:p>
@@ -808,7 +808,7 @@
           <a:p>
             <a:fld id="{F515D3A2-22C3-4007-B598-9B555F861680}" type="datetimeFigureOut">
               <a:rPr lang="ru-RU" smtClean="0"/>
-              <a:t>20.10.2018</a:t>
+              <a:t>22.10.2018</a:t>
             </a:fld>
             <a:endParaRPr lang="ru-RU"/>
           </a:p>
@@ -1054,7 +1054,7 @@
           <a:p>
             <a:fld id="{F515D3A2-22C3-4007-B598-9B555F861680}" type="datetimeFigureOut">
               <a:rPr lang="ru-RU" smtClean="0"/>
-              <a:t>20.10.2018</a:t>
+              <a:t>22.10.2018</a:t>
             </a:fld>
             <a:endParaRPr lang="ru-RU"/>
           </a:p>
@@ -1342,7 +1342,7 @@
           <a:p>
             <a:fld id="{F515D3A2-22C3-4007-B598-9B555F861680}" type="datetimeFigureOut">
               <a:rPr lang="ru-RU" smtClean="0"/>
-              <a:t>20.10.2018</a:t>
+              <a:t>22.10.2018</a:t>
             </a:fld>
             <a:endParaRPr lang="ru-RU"/>
           </a:p>
@@ -1764,7 +1764,7 @@
           <a:p>
             <a:fld id="{F515D3A2-22C3-4007-B598-9B555F861680}" type="datetimeFigureOut">
               <a:rPr lang="ru-RU" smtClean="0"/>
-              <a:t>20.10.2018</a:t>
+              <a:t>22.10.2018</a:t>
             </a:fld>
             <a:endParaRPr lang="ru-RU"/>
           </a:p>
@@ -1882,7 +1882,7 @@
           <a:p>
             <a:fld id="{F515D3A2-22C3-4007-B598-9B555F861680}" type="datetimeFigureOut">
               <a:rPr lang="ru-RU" smtClean="0"/>
-              <a:t>20.10.2018</a:t>
+              <a:t>22.10.2018</a:t>
             </a:fld>
             <a:endParaRPr lang="ru-RU"/>
           </a:p>
@@ -1977,7 +1977,7 @@
           <a:p>
             <a:fld id="{F515D3A2-22C3-4007-B598-9B555F861680}" type="datetimeFigureOut">
               <a:rPr lang="ru-RU" smtClean="0"/>
-              <a:t>20.10.2018</a:t>
+              <a:t>22.10.2018</a:t>
             </a:fld>
             <a:endParaRPr lang="ru-RU"/>
           </a:p>
@@ -2254,7 +2254,7 @@
           <a:p>
             <a:fld id="{F515D3A2-22C3-4007-B598-9B555F861680}" type="datetimeFigureOut">
               <a:rPr lang="ru-RU" smtClean="0"/>
-              <a:t>20.10.2018</a:t>
+              <a:t>22.10.2018</a:t>
             </a:fld>
             <a:endParaRPr lang="ru-RU"/>
           </a:p>
@@ -2507,7 +2507,7 @@
           <a:p>
             <a:fld id="{F515D3A2-22C3-4007-B598-9B555F861680}" type="datetimeFigureOut">
               <a:rPr lang="ru-RU" smtClean="0"/>
-              <a:t>20.10.2018</a:t>
+              <a:t>22.10.2018</a:t>
             </a:fld>
             <a:endParaRPr lang="ru-RU"/>
           </a:p>
@@ -2720,7 +2720,7 @@
           <a:p>
             <a:fld id="{F515D3A2-22C3-4007-B598-9B555F861680}" type="datetimeFigureOut">
               <a:rPr lang="ru-RU" smtClean="0"/>
-              <a:t>20.10.2018</a:t>
+              <a:t>22.10.2018</a:t>
             </a:fld>
             <a:endParaRPr lang="ru-RU"/>
           </a:p>
@@ -3676,27 +3676,7 @@
                   </a:schemeClr>
                 </a:solidFill>
               </a:rPr>
-              <a:t>Моделирование </a:t>
-            </a:r>
-            <a:r>
-              <a:rPr lang="ru-RU" sz="4400" i="1" dirty="0" smtClean="0">
-                <a:solidFill>
-                  <a:schemeClr val="accent1">
-                    <a:lumMod val="75000"/>
-                  </a:schemeClr>
-                </a:solidFill>
-              </a:rPr>
-              <a:t>релятивистской плазмы </a:t>
-            </a:r>
-            <a:r>
-              <a:rPr lang="ru-RU" sz="4400" i="1" dirty="0" smtClean="0">
-                <a:solidFill>
-                  <a:schemeClr val="accent1">
-                    <a:lumMod val="75000"/>
-                  </a:schemeClr>
-                </a:solidFill>
-              </a:rPr>
-              <a:t>методом </a:t>
+              <a:t>Моделирование релятивистской плазмы методом </a:t>
             </a:r>
             <a:r>
               <a:rPr lang="ru-RU" sz="4400" i="1" dirty="0" err="1" smtClean="0">
@@ -6787,8 +6767,8 @@
           </a:extLst>
         </p:spPr>
       </p:pic>
-      <mc:AlternateContent xmlns:mc="http://schemas.openxmlformats.org/markup-compatibility/2006">
-        <mc:Choice xmlns:a14="http://schemas.microsoft.com/office/drawing/2010/main" Requires="a14">
+      <mc:AlternateContent xmlns:mc="http://schemas.openxmlformats.org/markup-compatibility/2006" xmlns:a14="http://schemas.microsoft.com/office/drawing/2010/main">
+        <mc:Choice Requires="a14">
           <p:sp>
             <p:nvSpPr>
               <p:cNvPr id="18" name="TextBox 17"/>
@@ -6858,17 +6838,7 @@
                     <a:latin typeface="Times New Roman" pitchFamily="16" charset="0"/>
                     <a:cs typeface="DejaVu Sans" charset="0"/>
                   </a:rPr>
-                  <a:t>Особенности</a:t>
-                </a:r>
-                <a:r>
-                  <a:rPr lang="en-US" altLang="ru-RU" sz="2400" b="1" dirty="0" smtClean="0">
-                    <a:solidFill>
-                      <a:srgbClr val="000000"/>
-                    </a:solidFill>
-                    <a:latin typeface="Times New Roman" pitchFamily="16" charset="0"/>
-                    <a:cs typeface="DejaVu Sans" charset="0"/>
-                  </a:rPr>
-                  <a:t> </a:t>
+                  <a:t>Особенности </a:t>
                 </a:r>
                 <a:r>
                   <a:rPr lang="ru-RU" altLang="ru-RU" sz="2400" b="1" dirty="0" smtClean="0">
@@ -7442,17 +7412,7 @@
                     <a:latin typeface="Times New Roman" pitchFamily="16" charset="0"/>
                     <a:cs typeface="DejaVu Sans" charset="0"/>
                   </a:rPr>
-                  <a:t> - максимальная скорость частиц, и таким образом при расчете релятивистской плазмы неявная схема теряет свое преимущество. </a:t>
-                </a:r>
-                <a:r>
-                  <a:rPr lang="ru-RU" altLang="ru-RU" sz="2400" dirty="0" smtClean="0">
-                    <a:solidFill>
-                      <a:srgbClr val="000000"/>
-                    </a:solidFill>
-                    <a:latin typeface="Times New Roman" pitchFamily="16" charset="0"/>
-                    <a:cs typeface="DejaVu Sans" charset="0"/>
-                  </a:rPr>
-                  <a:t>Приведенные далее результаты получены с помощью кода </a:t>
+                  <a:t> - максимальная скорость частиц, и таким образом при расчете релятивистской плазмы неявная схема теряет свое преимущество. Приведенные далее результаты получены с помощью кода </a:t>
                 </a:r>
                 <a:r>
                   <a:rPr lang="en-US" altLang="ru-RU" sz="2400" dirty="0" smtClean="0">
@@ -7485,7 +7445,7 @@
             </p:txBody>
           </p:sp>
         </mc:Choice>
-        <mc:Fallback>
+        <mc:Fallback xmlns="">
           <p:sp>
             <p:nvSpPr>
               <p:cNvPr id="18" name="TextBox 17"/>
@@ -7532,7 +7492,7 @@
         </p:nvSpPr>
         <p:spPr>
           <a:xfrm>
-            <a:off x="7448136" y="18070461"/>
+            <a:off x="7292303" y="9270656"/>
             <a:ext cx="6651161" cy="4154984"/>
           </a:xfrm>
           <a:prstGeom prst="rect">
@@ -7599,421 +7559,8 @@
           </a:p>
         </p:txBody>
       </p:sp>
-      <p:cxnSp>
-        <p:nvCxnSpPr>
-          <p:cNvPr id="9" name="Прямая соединительная линия 8"/>
-          <p:cNvCxnSpPr/>
-          <p:nvPr/>
-        </p:nvCxnSpPr>
-        <p:spPr>
-          <a:xfrm>
-            <a:off x="8677176" y="22385251"/>
-            <a:ext cx="0" cy="1251680"/>
-          </a:xfrm>
-          <a:prstGeom prst="line">
-            <a:avLst/>
-          </a:prstGeom>
-          <a:ln w="63500"/>
-        </p:spPr>
-        <p:style>
-          <a:lnRef idx="1">
-            <a:schemeClr val="accent1"/>
-          </a:lnRef>
-          <a:fillRef idx="0">
-            <a:schemeClr val="accent1"/>
-          </a:fillRef>
-          <a:effectRef idx="0">
-            <a:schemeClr val="accent1"/>
-          </a:effectRef>
-          <a:fontRef idx="minor">
-            <a:schemeClr val="tx1"/>
-          </a:fontRef>
-        </p:style>
-      </p:cxnSp>
-      <p:cxnSp>
-        <p:nvCxnSpPr>
-          <p:cNvPr id="26" name="Прямая со стрелкой 25"/>
-          <p:cNvCxnSpPr/>
-          <p:nvPr/>
-        </p:nvCxnSpPr>
-        <p:spPr>
-          <a:xfrm flipH="1">
-            <a:off x="9037216" y="23011091"/>
-            <a:ext cx="2232248" cy="0"/>
-          </a:xfrm>
-          <a:prstGeom prst="straightConnector1">
-            <a:avLst/>
-          </a:prstGeom>
-          <a:ln w="63500">
-            <a:tailEnd type="arrow"/>
-          </a:ln>
-        </p:spPr>
-        <p:style>
-          <a:lnRef idx="1">
-            <a:schemeClr val="accent1"/>
-          </a:lnRef>
-          <a:fillRef idx="0">
-            <a:schemeClr val="accent1"/>
-          </a:fillRef>
-          <a:effectRef idx="0">
-            <a:schemeClr val="accent1"/>
-          </a:effectRef>
-          <a:fontRef idx="minor">
-            <a:schemeClr val="tx1"/>
-          </a:fontRef>
-        </p:style>
-      </p:cxnSp>
-      <mc:AlternateContent xmlns:mc="http://schemas.openxmlformats.org/markup-compatibility/2006" xmlns:a14="http://schemas.microsoft.com/office/drawing/2010/main">
-        <mc:Choice Requires="a14">
-          <p:sp>
-            <p:nvSpPr>
-              <p:cNvPr id="28" name="TextBox 27"/>
-              <p:cNvSpPr txBox="1"/>
-              <p:nvPr/>
-            </p:nvSpPr>
-            <p:spPr>
-              <a:xfrm>
-                <a:off x="8993062" y="23049191"/>
-                <a:ext cx="429348" cy="461665"/>
-              </a:xfrm>
-              <a:prstGeom prst="rect">
-                <a:avLst/>
-              </a:prstGeom>
-              <a:noFill/>
-            </p:spPr>
-            <p:txBody>
-              <a:bodyPr wrap="none" rtlCol="0">
-                <a:spAutoFit/>
-              </a:bodyPr>
-              <a:lstStyle/>
-              <a:p>
-                <a:pPr/>
-                <a14:m>
-                  <m:oMathPara xmlns:m="http://schemas.openxmlformats.org/officeDocument/2006/math">
-                    <m:oMathParaPr>
-                      <m:jc m:val="centerGroup"/>
-                    </m:oMathParaPr>
-                    <m:oMath xmlns:m="http://schemas.openxmlformats.org/officeDocument/2006/math">
-                      <m:acc>
-                        <m:accPr>
-                          <m:chr m:val="⃗"/>
-                          <m:ctrlPr>
-                            <a:rPr lang="ru-RU" sz="2400" i="1" smtClean="0">
-                              <a:latin typeface="Cambria Math"/>
-                            </a:rPr>
-                          </m:ctrlPr>
-                        </m:accPr>
-                        <m:e>
-                          <m:r>
-                            <a:rPr lang="en-US" sz="2400" b="0" i="1" smtClean="0">
-                              <a:latin typeface="Cambria Math"/>
-                            </a:rPr>
-                            <m:t>𝑣</m:t>
-                          </m:r>
-                        </m:e>
-                      </m:acc>
-                    </m:oMath>
-                  </m:oMathPara>
-                </a14:m>
-                <a:endParaRPr lang="ru-RU" sz="2400" dirty="0"/>
-              </a:p>
-            </p:txBody>
-          </p:sp>
-        </mc:Choice>
-        <mc:Fallback xmlns="">
-          <p:sp>
-            <p:nvSpPr>
-              <p:cNvPr id="28" name="TextBox 27"/>
-              <p:cNvSpPr txBox="1">
-                <a:spLocks noRot="1" noChangeAspect="1" noMove="1" noResize="1" noEditPoints="1" noAdjustHandles="1" noChangeArrowheads="1" noChangeShapeType="1" noTextEdit="1"/>
-              </p:cNvSpPr>
-              <p:nvPr/>
-            </p:nvSpPr>
-            <p:spPr>
-              <a:xfrm>
-                <a:off x="8993062" y="23049191"/>
-                <a:ext cx="429348" cy="461665"/>
-              </a:xfrm>
-              <a:prstGeom prst="rect">
-                <a:avLst/>
-              </a:prstGeom>
-              <a:blipFill rotWithShape="1">
-                <a:blip r:embed="rId14"/>
-                <a:stretch>
-                  <a:fillRect t="-19737" r="-33803"/>
-                </a:stretch>
-              </a:blipFill>
-            </p:spPr>
-            <p:txBody>
-              <a:bodyPr/>
-              <a:lstStyle/>
-              <a:p>
-                <a:r>
-                  <a:rPr lang="ru-RU">
-                    <a:noFill/>
-                  </a:rPr>
-                  <a:t> </a:t>
-                </a:r>
-              </a:p>
-            </p:txBody>
-          </p:sp>
-        </mc:Fallback>
-      </mc:AlternateContent>
-      <p:cxnSp>
-        <p:nvCxnSpPr>
-          <p:cNvPr id="30" name="Прямая со стрелкой 29"/>
-          <p:cNvCxnSpPr/>
-          <p:nvPr/>
-        </p:nvCxnSpPr>
-        <p:spPr>
-          <a:xfrm flipV="1">
-            <a:off x="9685288" y="22215575"/>
-            <a:ext cx="1276387" cy="785646"/>
-          </a:xfrm>
-          <a:prstGeom prst="straightConnector1">
-            <a:avLst/>
-          </a:prstGeom>
-          <a:ln w="63500">
-            <a:tailEnd type="arrow"/>
-          </a:ln>
-        </p:spPr>
-        <p:style>
-          <a:lnRef idx="1">
-            <a:schemeClr val="accent1"/>
-          </a:lnRef>
-          <a:fillRef idx="0">
-            <a:schemeClr val="accent1"/>
-          </a:fillRef>
-          <a:effectRef idx="0">
-            <a:schemeClr val="accent1"/>
-          </a:effectRef>
-          <a:fontRef idx="minor">
-            <a:schemeClr val="tx1"/>
-          </a:fontRef>
-        </p:style>
-      </p:cxnSp>
-      <mc:AlternateContent xmlns:mc="http://schemas.openxmlformats.org/markup-compatibility/2006" xmlns:a14="http://schemas.microsoft.com/office/drawing/2010/main">
-        <mc:Choice Requires="a14">
-          <p:sp>
-            <p:nvSpPr>
-              <p:cNvPr id="31" name="TextBox 30"/>
-              <p:cNvSpPr txBox="1"/>
-              <p:nvPr/>
-            </p:nvSpPr>
-            <p:spPr>
-              <a:xfrm>
-                <a:off x="10937111" y="21905216"/>
-                <a:ext cx="463845" cy="506421"/>
-              </a:xfrm>
-              <a:prstGeom prst="rect">
-                <a:avLst/>
-              </a:prstGeom>
-              <a:noFill/>
-            </p:spPr>
-            <p:txBody>
-              <a:bodyPr wrap="none" rtlCol="0">
-                <a:spAutoFit/>
-              </a:bodyPr>
-              <a:lstStyle/>
-              <a:p>
-                <a:pPr/>
-                <a14:m>
-                  <m:oMathPara xmlns:m="http://schemas.openxmlformats.org/officeDocument/2006/math">
-                    <m:oMathParaPr>
-                      <m:jc m:val="centerGroup"/>
-                    </m:oMathParaPr>
-                    <m:oMath xmlns:m="http://schemas.openxmlformats.org/officeDocument/2006/math">
-                      <m:acc>
-                        <m:accPr>
-                          <m:chr m:val="⃗"/>
-                          <m:ctrlPr>
-                            <a:rPr lang="ru-RU" sz="2400" i="1" smtClean="0">
-                              <a:latin typeface="Cambria Math"/>
-                            </a:rPr>
-                          </m:ctrlPr>
-                        </m:accPr>
-                        <m:e>
-                          <m:r>
-                            <a:rPr lang="en-US" sz="2400" b="0" i="1" smtClean="0">
-                              <a:latin typeface="Cambria Math"/>
-                            </a:rPr>
-                            <m:t>𝐵</m:t>
-                          </m:r>
-                        </m:e>
-                      </m:acc>
-                    </m:oMath>
-                  </m:oMathPara>
-                </a14:m>
-                <a:endParaRPr lang="ru-RU" sz="2400" dirty="0"/>
-              </a:p>
-            </p:txBody>
-          </p:sp>
-        </mc:Choice>
-        <mc:Fallback xmlns="">
-          <p:sp>
-            <p:nvSpPr>
-              <p:cNvPr id="31" name="TextBox 30"/>
-              <p:cNvSpPr txBox="1">
-                <a:spLocks noRot="1" noChangeAspect="1" noMove="1" noResize="1" noEditPoints="1" noAdjustHandles="1" noChangeArrowheads="1" noChangeShapeType="1" noTextEdit="1"/>
-              </p:cNvSpPr>
-              <p:nvPr/>
-            </p:nvSpPr>
-            <p:spPr>
-              <a:xfrm>
-                <a:off x="10937111" y="21905216"/>
-                <a:ext cx="463845" cy="506421"/>
-              </a:xfrm>
-              <a:prstGeom prst="rect">
-                <a:avLst/>
-              </a:prstGeom>
-              <a:blipFill rotWithShape="1">
-                <a:blip r:embed="rId15"/>
-                <a:stretch>
-                  <a:fillRect/>
-                </a:stretch>
-              </a:blipFill>
-            </p:spPr>
-            <p:txBody>
-              <a:bodyPr/>
-              <a:lstStyle/>
-              <a:p>
-                <a:r>
-                  <a:rPr lang="ru-RU">
-                    <a:noFill/>
-                  </a:rPr>
-                  <a:t> </a:t>
-                </a:r>
-              </a:p>
-            </p:txBody>
-          </p:sp>
-        </mc:Fallback>
-      </mc:AlternateContent>
-      <p:sp>
-        <p:nvSpPr>
-          <p:cNvPr id="34" name="Дуга 33"/>
-          <p:cNvSpPr/>
-          <p:nvPr/>
-        </p:nvSpPr>
-        <p:spPr>
-          <a:xfrm>
-            <a:off x="10107457" y="22608398"/>
-            <a:ext cx="432048" cy="877338"/>
-          </a:xfrm>
-          <a:prstGeom prst="arc">
-            <a:avLst/>
-          </a:prstGeom>
-          <a:ln w="63500"/>
-        </p:spPr>
-        <p:style>
-          <a:lnRef idx="1">
-            <a:schemeClr val="accent1"/>
-          </a:lnRef>
-          <a:fillRef idx="0">
-            <a:schemeClr val="accent1"/>
-          </a:fillRef>
-          <a:effectRef idx="0">
-            <a:schemeClr val="accent1"/>
-          </a:effectRef>
-          <a:fontRef idx="minor">
-            <a:schemeClr val="tx1"/>
-          </a:fontRef>
-        </p:style>
-        <p:txBody>
-          <a:bodyPr rtlCol="0" anchor="ctr"/>
-          <a:lstStyle/>
-          <a:p>
-            <a:pPr algn="ctr"/>
-            <a:endParaRPr lang="ru-RU"/>
-          </a:p>
-        </p:txBody>
-      </p:sp>
-      <mc:AlternateContent xmlns:mc="http://schemas.openxmlformats.org/markup-compatibility/2006" xmlns:a14="http://schemas.microsoft.com/office/drawing/2010/main">
-        <mc:Choice Requires="a14">
-          <p:sp>
-            <p:nvSpPr>
-              <p:cNvPr id="35" name="TextBox 34"/>
-              <p:cNvSpPr txBox="1"/>
-              <p:nvPr/>
-            </p:nvSpPr>
-            <p:spPr>
-              <a:xfrm>
-                <a:off x="10401808" y="22501981"/>
-                <a:ext cx="441467" cy="461665"/>
-              </a:xfrm>
-              <a:prstGeom prst="rect">
-                <a:avLst/>
-              </a:prstGeom>
-              <a:noFill/>
-            </p:spPr>
-            <p:txBody>
-              <a:bodyPr wrap="none" rtlCol="0">
-                <a:spAutoFit/>
-              </a:bodyPr>
-              <a:lstStyle/>
-              <a:p>
-                <a:pPr/>
-                <a14:m>
-                  <m:oMathPara xmlns:m="http://schemas.openxmlformats.org/officeDocument/2006/math">
-                    <m:oMathParaPr>
-                      <m:jc m:val="centerGroup"/>
-                    </m:oMathParaPr>
-                    <m:oMath xmlns:m="http://schemas.openxmlformats.org/officeDocument/2006/math">
-                      <m:r>
-                        <a:rPr lang="ru-RU" sz="2400" i="1" smtClean="0">
-                          <a:latin typeface="Cambria Math"/>
-                          <a:ea typeface="Cambria Math"/>
-                        </a:rPr>
-                        <m:t>𝜗</m:t>
-                      </m:r>
-                    </m:oMath>
-                  </m:oMathPara>
-                </a14:m>
-                <a:endParaRPr lang="ru-RU" sz="2400" dirty="0"/>
-              </a:p>
-            </p:txBody>
-          </p:sp>
-        </mc:Choice>
-        <mc:Fallback xmlns="">
-          <p:sp>
-            <p:nvSpPr>
-              <p:cNvPr id="35" name="TextBox 34"/>
-              <p:cNvSpPr txBox="1">
-                <a:spLocks noRot="1" noChangeAspect="1" noMove="1" noResize="1" noEditPoints="1" noAdjustHandles="1" noChangeArrowheads="1" noChangeShapeType="1" noTextEdit="1"/>
-              </p:cNvSpPr>
-              <p:nvPr/>
-            </p:nvSpPr>
-            <p:spPr>
-              <a:xfrm>
-                <a:off x="10401808" y="22501981"/>
-                <a:ext cx="441467" cy="461665"/>
-              </a:xfrm>
-              <a:prstGeom prst="rect">
-                <a:avLst/>
-              </a:prstGeom>
-              <a:blipFill rotWithShape="1">
-                <a:blip r:embed="rId16"/>
-                <a:stretch>
-                  <a:fillRect/>
-                </a:stretch>
-              </a:blipFill>
-            </p:spPr>
-            <p:txBody>
-              <a:bodyPr/>
-              <a:lstStyle/>
-              <a:p>
-                <a:r>
-                  <a:rPr lang="ru-RU">
-                    <a:noFill/>
-                  </a:rPr>
-                  <a:t> </a:t>
-                </a:r>
-              </a:p>
-            </p:txBody>
-          </p:sp>
-        </mc:Fallback>
-      </mc:AlternateContent>
-      <mc:AlternateContent xmlns:mc="http://schemas.openxmlformats.org/markup-compatibility/2006" xmlns:a14="http://schemas.microsoft.com/office/drawing/2010/main">
-        <mc:Choice Requires="a14">
+      <mc:AlternateContent xmlns:mc="http://schemas.openxmlformats.org/markup-compatibility/2006">
+        <mc:Choice xmlns:a14="http://schemas.microsoft.com/office/drawing/2010/main" Requires="a14">
           <p:sp>
             <p:nvSpPr>
               <p:cNvPr id="37" name="TextBox 36"/>
@@ -8022,8 +7569,8 @@
             </p:nvSpPr>
             <p:spPr>
               <a:xfrm>
-                <a:off x="7448138" y="24212995"/>
-                <a:ext cx="6651159" cy="5262979"/>
+                <a:off x="7361036" y="17110430"/>
+                <a:ext cx="6651159" cy="5824158"/>
               </a:xfrm>
               <a:prstGeom prst="rect">
                 <a:avLst/>
@@ -8096,95 +7643,21 @@
                     <a:latin typeface="Times New Roman" panose="02020603050405020304" pitchFamily="18" charset="0"/>
                     <a:cs typeface="Times New Roman" panose="02020603050405020304" pitchFamily="18" charset="0"/>
                   </a:rPr>
-                  <a:t> и различными углами между векторами скорости и магнитного поля. Набегающий поток плазмы имеет следующие параметры: концентрация электронов и протонов </a:t>
+                  <a:t> и различными углами между векторами скорости и магнитного поля. Набегающий поток плазмы имеет следующие параметры</a:t>
                 </a:r>
-                <a14:m>
-                  <m:oMath xmlns:m="http://schemas.openxmlformats.org/officeDocument/2006/math">
-                    <m:r>
-                      <a:rPr lang="en-US" sz="2400" b="0" i="1" smtClean="0">
-                        <a:latin typeface="Cambria Math"/>
-                        <a:cs typeface="Times New Roman" panose="02020603050405020304" pitchFamily="18" charset="0"/>
-                      </a:rPr>
-                      <m:t>𝑛</m:t>
-                    </m:r>
-                    <m:r>
-                      <a:rPr lang="en-US" sz="2400" b="0" i="1" smtClean="0">
-                        <a:latin typeface="Cambria Math"/>
-                        <a:cs typeface="Times New Roman" panose="02020603050405020304" pitchFamily="18" charset="0"/>
-                      </a:rPr>
-                      <m:t>=</m:t>
-                    </m:r>
-                    <m:sSup>
-                      <m:sSupPr>
-                        <m:ctrlPr>
-                          <a:rPr lang="en-US" sz="2400" b="0" i="1" smtClean="0">
-                            <a:latin typeface="Cambria Math"/>
-                            <a:cs typeface="Times New Roman" panose="02020603050405020304" pitchFamily="18" charset="0"/>
-                          </a:rPr>
-                        </m:ctrlPr>
-                      </m:sSupPr>
-                      <m:e>
-                        <m:r>
-                          <a:rPr lang="en-US" sz="2400" b="0" i="1" smtClean="0">
-                            <a:latin typeface="Cambria Math"/>
-                            <a:cs typeface="Times New Roman" panose="02020603050405020304" pitchFamily="18" charset="0"/>
-                          </a:rPr>
-                          <m:t>10</m:t>
-                        </m:r>
-                      </m:e>
-                      <m:sup>
-                        <m:r>
-                          <a:rPr lang="en-US" sz="2400" b="0" i="1" smtClean="0">
-                            <a:latin typeface="Cambria Math"/>
-                            <a:cs typeface="Times New Roman" panose="02020603050405020304" pitchFamily="18" charset="0"/>
-                          </a:rPr>
-                          <m:t>−4</m:t>
-                        </m:r>
-                      </m:sup>
-                    </m:sSup>
-                    <m:r>
-                      <a:rPr lang="en-US" sz="2400" b="0" i="1" smtClean="0">
-                        <a:latin typeface="Cambria Math"/>
-                        <a:cs typeface="Times New Roman" panose="02020603050405020304" pitchFamily="18" charset="0"/>
-                      </a:rPr>
-                      <m:t> </m:t>
-                    </m:r>
-                    <m:sSup>
-                      <m:sSupPr>
-                        <m:ctrlPr>
-                          <a:rPr lang="en-US" sz="2400" b="0" i="1" smtClean="0">
-                            <a:latin typeface="Cambria Math"/>
-                            <a:cs typeface="Times New Roman" panose="02020603050405020304" pitchFamily="18" charset="0"/>
-                          </a:rPr>
-                        </m:ctrlPr>
-                      </m:sSupPr>
-                      <m:e>
-                        <m:r>
-                          <a:rPr lang="ru-RU" sz="2400" b="0" i="1" smtClean="0">
-                            <a:latin typeface="Cambria Math"/>
-                            <a:cs typeface="Times New Roman" panose="02020603050405020304" pitchFamily="18" charset="0"/>
-                          </a:rPr>
-                          <m:t>см</m:t>
-                        </m:r>
-                      </m:e>
-                      <m:sup>
-                        <m:r>
-                          <a:rPr lang="ru-RU" sz="2400" b="0" i="1" smtClean="0">
-                            <a:latin typeface="Cambria Math"/>
-                            <a:cs typeface="Times New Roman" panose="02020603050405020304" pitchFamily="18" charset="0"/>
-                          </a:rPr>
-                          <m:t>−3</m:t>
-                        </m:r>
-                      </m:sup>
-                    </m:sSup>
-                  </m:oMath>
-                </a14:m>
                 <a:r>
                   <a:rPr lang="ru-RU" sz="2400" dirty="0" smtClean="0">
                     <a:latin typeface="Times New Roman" panose="02020603050405020304" pitchFamily="18" charset="0"/>
                     <a:cs typeface="Times New Roman" panose="02020603050405020304" pitchFamily="18" charset="0"/>
                   </a:rPr>
-                  <a:t>, температура </a:t>
+                  <a:t>:, </a:t>
+                </a:r>
+                <a:r>
+                  <a:rPr lang="ru-RU" sz="2400" dirty="0" smtClean="0">
+                    <a:latin typeface="Times New Roman" panose="02020603050405020304" pitchFamily="18" charset="0"/>
+                    <a:cs typeface="Times New Roman" panose="02020603050405020304" pitchFamily="18" charset="0"/>
+                  </a:rPr>
+                  <a:t>температура </a:t>
                 </a:r>
                 <a14:m>
                   <m:oMath xmlns:m="http://schemas.openxmlformats.org/officeDocument/2006/math">
@@ -8229,7 +7702,7 @@
                             <a:ea typeface="Cambria Math"/>
                             <a:cs typeface="Times New Roman" panose="02020603050405020304" pitchFamily="18" charset="0"/>
                           </a:rPr>
-                          <m:t>6</m:t>
+                          <m:t>8 </m:t>
                         </m:r>
                       </m:sup>
                     </m:sSup>
@@ -8241,6 +7714,420 @@
                       </a:rPr>
                       <m:t>𝐾</m:t>
                     </m:r>
+                    <m:r>
+                      <a:rPr lang="ru-RU" sz="2400" b="0" i="0" smtClean="0">
+                        <a:latin typeface="Cambria Math"/>
+                        <a:cs typeface="Times New Roman" panose="02020603050405020304" pitchFamily="18" charset="0"/>
+                      </a:rPr>
+                      <m:t> </m:t>
+                    </m:r>
+                  </m:oMath>
+                </a14:m>
+                <a:r>
+                  <a:rPr lang="ru-RU" sz="2400" dirty="0" smtClean="0">
+                    <a:latin typeface="Times New Roman" panose="02020603050405020304" pitchFamily="18" charset="0"/>
+                    <a:cs typeface="Times New Roman" panose="02020603050405020304" pitchFamily="18" charset="0"/>
+                  </a:rPr>
+                  <a:t>, магнетизация </a:t>
+                </a:r>
+                <a14:m>
+                  <m:oMath xmlns:m="http://schemas.openxmlformats.org/officeDocument/2006/math">
+                    <m:r>
+                      <a:rPr lang="ru-RU" sz="2400" i="1" smtClean="0">
+                        <a:latin typeface="Cambria Math"/>
+                        <a:ea typeface="Cambria Math"/>
+                        <a:cs typeface="Times New Roman" panose="02020603050405020304" pitchFamily="18" charset="0"/>
+                      </a:rPr>
+                      <m:t>𝜎</m:t>
+                    </m:r>
+                    <m:r>
+                      <a:rPr lang="ru-RU" sz="2400" b="0" i="1" smtClean="0">
+                        <a:latin typeface="Cambria Math"/>
+                        <a:ea typeface="Cambria Math"/>
+                        <a:cs typeface="Times New Roman" panose="02020603050405020304" pitchFamily="18" charset="0"/>
+                      </a:rPr>
+                      <m:t>=</m:t>
+                    </m:r>
+                    <m:f>
+                      <m:fPr>
+                        <m:ctrlPr>
+                          <a:rPr lang="ru-RU" sz="2400" b="0" i="1" smtClean="0">
+                            <a:latin typeface="Cambria Math"/>
+                            <a:ea typeface="Cambria Math"/>
+                            <a:cs typeface="Times New Roman" panose="02020603050405020304" pitchFamily="18" charset="0"/>
+                          </a:rPr>
+                        </m:ctrlPr>
+                      </m:fPr>
+                      <m:num>
+                        <m:sSup>
+                          <m:sSupPr>
+                            <m:ctrlPr>
+                              <a:rPr lang="ru-RU" sz="2400" b="0" i="1" smtClean="0">
+                                <a:latin typeface="Cambria Math"/>
+                                <a:ea typeface="Cambria Math"/>
+                                <a:cs typeface="Times New Roman" panose="02020603050405020304" pitchFamily="18" charset="0"/>
+                              </a:rPr>
+                            </m:ctrlPr>
+                          </m:sSupPr>
+                          <m:e>
+                            <m:r>
+                              <a:rPr lang="en-US" sz="2400" b="0" i="1" smtClean="0">
+                                <a:latin typeface="Cambria Math"/>
+                                <a:ea typeface="Cambria Math"/>
+                                <a:cs typeface="Times New Roman" panose="02020603050405020304" pitchFamily="18" charset="0"/>
+                              </a:rPr>
+                              <m:t>𝐵</m:t>
+                            </m:r>
+                          </m:e>
+                          <m:sup>
+                            <m:r>
+                              <a:rPr lang="en-US" sz="2400" b="0" i="1" smtClean="0">
+                                <a:latin typeface="Cambria Math"/>
+                                <a:ea typeface="Cambria Math"/>
+                                <a:cs typeface="Times New Roman" panose="02020603050405020304" pitchFamily="18" charset="0"/>
+                              </a:rPr>
+                              <m:t>2</m:t>
+                            </m:r>
+                          </m:sup>
+                        </m:sSup>
+                      </m:num>
+                      <m:den>
+                        <m:r>
+                          <a:rPr lang="en-US" sz="2400" b="0" i="1" smtClean="0">
+                            <a:latin typeface="Cambria Math"/>
+                            <a:ea typeface="Cambria Math"/>
+                            <a:cs typeface="Times New Roman" panose="02020603050405020304" pitchFamily="18" charset="0"/>
+                          </a:rPr>
+                          <m:t>4</m:t>
+                        </m:r>
+                        <m:r>
+                          <a:rPr lang="en-US" sz="2400" b="0" i="1" smtClean="0">
+                            <a:latin typeface="Cambria Math"/>
+                            <a:ea typeface="Cambria Math"/>
+                            <a:cs typeface="Times New Roman" panose="02020603050405020304" pitchFamily="18" charset="0"/>
+                          </a:rPr>
+                          <m:t>𝜋</m:t>
+                        </m:r>
+                        <m:r>
+                          <a:rPr lang="en-US" sz="2400" b="0" i="1" smtClean="0">
+                            <a:latin typeface="Cambria Math"/>
+                            <a:ea typeface="Cambria Math"/>
+                            <a:cs typeface="Times New Roman" panose="02020603050405020304" pitchFamily="18" charset="0"/>
+                          </a:rPr>
+                          <m:t>𝑛</m:t>
+                        </m:r>
+                        <m:r>
+                          <a:rPr lang="en-US" sz="2400" b="0" i="1" smtClean="0">
+                            <a:latin typeface="Cambria Math"/>
+                            <a:ea typeface="Cambria Math"/>
+                            <a:cs typeface="Times New Roman" panose="02020603050405020304" pitchFamily="18" charset="0"/>
+                          </a:rPr>
+                          <m:t>(</m:t>
+                        </m:r>
+                        <m:sSub>
+                          <m:sSubPr>
+                            <m:ctrlPr>
+                              <a:rPr lang="en-US" sz="2400" b="0" i="1" smtClean="0">
+                                <a:latin typeface="Cambria Math"/>
+                                <a:ea typeface="Cambria Math"/>
+                                <a:cs typeface="Times New Roman" panose="02020603050405020304" pitchFamily="18" charset="0"/>
+                              </a:rPr>
+                            </m:ctrlPr>
+                          </m:sSubPr>
+                          <m:e>
+                            <m:r>
+                              <a:rPr lang="en-US" sz="2400" b="0" i="1" smtClean="0">
+                                <a:latin typeface="Cambria Math"/>
+                                <a:ea typeface="Cambria Math"/>
+                                <a:cs typeface="Times New Roman" panose="02020603050405020304" pitchFamily="18" charset="0"/>
+                              </a:rPr>
+                              <m:t>𝑚</m:t>
+                            </m:r>
+                          </m:e>
+                          <m:sub>
+                            <m:r>
+                              <a:rPr lang="en-US" sz="2400" b="0" i="1" smtClean="0">
+                                <a:latin typeface="Cambria Math"/>
+                                <a:ea typeface="Cambria Math"/>
+                                <a:cs typeface="Times New Roman" panose="02020603050405020304" pitchFamily="18" charset="0"/>
+                              </a:rPr>
+                              <m:t>𝑝</m:t>
+                            </m:r>
+                          </m:sub>
+                        </m:sSub>
+                        <m:r>
+                          <a:rPr lang="en-US" sz="2400" b="0" i="1" smtClean="0">
+                            <a:latin typeface="Cambria Math"/>
+                            <a:ea typeface="Cambria Math"/>
+                            <a:cs typeface="Times New Roman" panose="02020603050405020304" pitchFamily="18" charset="0"/>
+                          </a:rPr>
+                          <m:t>+</m:t>
+                        </m:r>
+                        <m:sSub>
+                          <m:sSubPr>
+                            <m:ctrlPr>
+                              <a:rPr lang="en-US" sz="2400" b="0" i="1" smtClean="0">
+                                <a:latin typeface="Cambria Math"/>
+                                <a:ea typeface="Cambria Math"/>
+                                <a:cs typeface="Times New Roman" panose="02020603050405020304" pitchFamily="18" charset="0"/>
+                              </a:rPr>
+                            </m:ctrlPr>
+                          </m:sSubPr>
+                          <m:e>
+                            <m:r>
+                              <a:rPr lang="en-US" sz="2400" b="0" i="1" smtClean="0">
+                                <a:latin typeface="Cambria Math"/>
+                                <a:ea typeface="Cambria Math"/>
+                                <a:cs typeface="Times New Roman" panose="02020603050405020304" pitchFamily="18" charset="0"/>
+                              </a:rPr>
+                              <m:t>𝑚</m:t>
+                            </m:r>
+                          </m:e>
+                          <m:sub>
+                            <m:r>
+                              <a:rPr lang="en-US" sz="2400" b="0" i="1" smtClean="0">
+                                <a:latin typeface="Cambria Math"/>
+                                <a:ea typeface="Cambria Math"/>
+                                <a:cs typeface="Times New Roman" panose="02020603050405020304" pitchFamily="18" charset="0"/>
+                              </a:rPr>
+                              <m:t>𝑒</m:t>
+                            </m:r>
+                          </m:sub>
+                        </m:sSub>
+                        <m:r>
+                          <a:rPr lang="en-US" sz="2400" b="0" i="1" smtClean="0">
+                            <a:latin typeface="Cambria Math"/>
+                            <a:ea typeface="Cambria Math"/>
+                            <a:cs typeface="Times New Roman" panose="02020603050405020304" pitchFamily="18" charset="0"/>
+                          </a:rPr>
+                          <m:t>)</m:t>
+                        </m:r>
+                        <m:r>
+                          <a:rPr lang="en-US" sz="2400" b="0" i="1" smtClean="0">
+                            <a:latin typeface="Cambria Math"/>
+                            <a:ea typeface="Cambria Math"/>
+                            <a:cs typeface="Times New Roman" panose="02020603050405020304" pitchFamily="18" charset="0"/>
+                          </a:rPr>
+                          <m:t>𝛾</m:t>
+                        </m:r>
+                        <m:sSup>
+                          <m:sSupPr>
+                            <m:ctrlPr>
+                              <a:rPr lang="en-US" sz="2400" b="0" i="1" smtClean="0">
+                                <a:latin typeface="Cambria Math"/>
+                                <a:ea typeface="Cambria Math"/>
+                                <a:cs typeface="Times New Roman" panose="02020603050405020304" pitchFamily="18" charset="0"/>
+                              </a:rPr>
+                            </m:ctrlPr>
+                          </m:sSupPr>
+                          <m:e>
+                            <m:r>
+                              <a:rPr lang="en-US" sz="2400" b="0" i="1" smtClean="0">
+                                <a:latin typeface="Cambria Math"/>
+                                <a:ea typeface="Cambria Math"/>
+                                <a:cs typeface="Times New Roman" panose="02020603050405020304" pitchFamily="18" charset="0"/>
+                              </a:rPr>
+                              <m:t>𝑐</m:t>
+                            </m:r>
+                          </m:e>
+                          <m:sup>
+                            <m:r>
+                              <a:rPr lang="en-US" sz="2400" b="0" i="1" smtClean="0">
+                                <a:latin typeface="Cambria Math"/>
+                                <a:ea typeface="Cambria Math"/>
+                                <a:cs typeface="Times New Roman" panose="02020603050405020304" pitchFamily="18" charset="0"/>
+                              </a:rPr>
+                              <m:t>2</m:t>
+                            </m:r>
+                          </m:sup>
+                        </m:sSup>
+                      </m:den>
+                    </m:f>
+                  </m:oMath>
+                </a14:m>
+                <a:r>
+                  <a:rPr lang="ru-RU" sz="2400" dirty="0" smtClean="0">
+                    <a:latin typeface="Times New Roman" panose="02020603050405020304" pitchFamily="18" charset="0"/>
+                    <a:cs typeface="Times New Roman" panose="02020603050405020304" pitchFamily="18" charset="0"/>
+                  </a:rPr>
+                  <a:t>.</a:t>
+                </a:r>
+                <a:r>
+                  <a:rPr lang="en-US" sz="2400" dirty="0" smtClean="0">
+                    <a:latin typeface="Times New Roman" panose="02020603050405020304" pitchFamily="18" charset="0"/>
+                    <a:cs typeface="Times New Roman" panose="02020603050405020304" pitchFamily="18" charset="0"/>
+                  </a:rPr>
+                  <a:t> </a:t>
+                </a:r>
+                <a:r>
+                  <a:rPr lang="ru-RU" sz="2400" dirty="0" smtClean="0">
+                    <a:latin typeface="Times New Roman" panose="02020603050405020304" pitchFamily="18" charset="0"/>
+                    <a:cs typeface="Times New Roman" panose="02020603050405020304" pitchFamily="18" charset="0"/>
+                  </a:rPr>
+                  <a:t>Шаг по времени </a:t>
+                </a:r>
+                <a14:m>
+                  <m:oMath xmlns:m="http://schemas.openxmlformats.org/officeDocument/2006/math">
+                    <m:r>
+                      <a:rPr lang="en-US" sz="2400" b="0" i="1" smtClean="0">
+                        <a:latin typeface="Cambria Math"/>
+                        <a:cs typeface="Times New Roman" panose="02020603050405020304" pitchFamily="18" charset="0"/>
+                      </a:rPr>
+                      <m:t>𝑑𝑡</m:t>
+                    </m:r>
+                    <m:r>
+                      <a:rPr lang="en-US" sz="2400" b="0" i="1" smtClean="0">
+                        <a:latin typeface="Cambria Math"/>
+                        <a:cs typeface="Times New Roman" panose="02020603050405020304" pitchFamily="18" charset="0"/>
+                      </a:rPr>
+                      <m:t>=0.09</m:t>
+                    </m:r>
+                    <m:sSup>
+                      <m:sSupPr>
+                        <m:ctrlPr>
+                          <a:rPr lang="en-US" sz="2400" b="0" i="1" smtClean="0">
+                            <a:latin typeface="Cambria Math"/>
+                            <a:cs typeface="Times New Roman" panose="02020603050405020304" pitchFamily="18" charset="0"/>
+                          </a:rPr>
+                        </m:ctrlPr>
+                      </m:sSupPr>
+                      <m:e>
+                        <m:sSub>
+                          <m:sSubPr>
+                            <m:ctrlPr>
+                              <a:rPr lang="en-US" sz="2400" b="0" i="1" smtClean="0">
+                                <a:latin typeface="Cambria Math"/>
+                                <a:cs typeface="Times New Roman" panose="02020603050405020304" pitchFamily="18" charset="0"/>
+                              </a:rPr>
+                            </m:ctrlPr>
+                          </m:sSubPr>
+                          <m:e>
+                            <m:r>
+                              <a:rPr lang="en-US" sz="2400" b="0" i="1" smtClean="0">
+                                <a:latin typeface="Cambria Math"/>
+                                <a:ea typeface="Cambria Math"/>
+                                <a:cs typeface="Times New Roman" panose="02020603050405020304" pitchFamily="18" charset="0"/>
+                              </a:rPr>
+                              <m:t>𝜔</m:t>
+                            </m:r>
+                          </m:e>
+                          <m:sub>
+                            <m:r>
+                              <a:rPr lang="en-US" sz="2400" b="0" i="1" smtClean="0">
+                                <a:latin typeface="Cambria Math"/>
+                                <a:cs typeface="Times New Roman" panose="02020603050405020304" pitchFamily="18" charset="0"/>
+                              </a:rPr>
+                              <m:t>𝑝</m:t>
+                            </m:r>
+                          </m:sub>
+                        </m:sSub>
+                      </m:e>
+                      <m:sup>
+                        <m:r>
+                          <a:rPr lang="en-US" sz="2400" b="0" i="1" smtClean="0">
+                            <a:latin typeface="Cambria Math"/>
+                            <a:cs typeface="Times New Roman" panose="02020603050405020304" pitchFamily="18" charset="0"/>
+                          </a:rPr>
+                          <m:t>−1</m:t>
+                        </m:r>
+                      </m:sup>
+                    </m:sSup>
+                  </m:oMath>
+                </a14:m>
+                <a:r>
+                  <a:rPr lang="en-US" sz="2400" dirty="0" smtClean="0">
+                    <a:latin typeface="Times New Roman" panose="02020603050405020304" pitchFamily="18" charset="0"/>
+                    <a:cs typeface="Times New Roman" panose="02020603050405020304" pitchFamily="18" charset="0"/>
+                  </a:rPr>
+                  <a:t>, </a:t>
+                </a:r>
+                <a:r>
+                  <a:rPr lang="ru-RU" sz="2400" dirty="0" smtClean="0">
+                    <a:latin typeface="Times New Roman" panose="02020603050405020304" pitchFamily="18" charset="0"/>
+                    <a:cs typeface="Times New Roman" panose="02020603050405020304" pitchFamily="18" charset="0"/>
+                  </a:rPr>
+                  <a:t>шаг по координате</a:t>
+                </a:r>
+                <a:r>
+                  <a:rPr lang="en-US" sz="2400" dirty="0" smtClean="0">
+                    <a:latin typeface="Times New Roman" panose="02020603050405020304" pitchFamily="18" charset="0"/>
+                    <a:cs typeface="Times New Roman" panose="02020603050405020304" pitchFamily="18" charset="0"/>
+                  </a:rPr>
+                  <a:t> </a:t>
+                </a:r>
+                <a14:m>
+                  <m:oMath xmlns:m="http://schemas.openxmlformats.org/officeDocument/2006/math">
+                    <m:r>
+                      <a:rPr lang="en-US" sz="2400" b="0" i="1" dirty="0" smtClean="0">
+                        <a:latin typeface="Cambria Math"/>
+                        <a:cs typeface="Times New Roman" panose="02020603050405020304" pitchFamily="18" charset="0"/>
+                      </a:rPr>
+                      <m:t>𝑑𝑥</m:t>
+                    </m:r>
+                    <m:r>
+                      <a:rPr lang="en-US" sz="2400" b="0" i="1" dirty="0" smtClean="0">
+                        <a:latin typeface="Cambria Math"/>
+                        <a:cs typeface="Times New Roman" panose="02020603050405020304" pitchFamily="18" charset="0"/>
+                      </a:rPr>
+                      <m:t>=</m:t>
+                    </m:r>
+                    <m:f>
+                      <m:fPr>
+                        <m:ctrlPr>
+                          <a:rPr lang="en-US" sz="2400" b="0" i="1" dirty="0" smtClean="0">
+                            <a:latin typeface="Cambria Math"/>
+                            <a:cs typeface="Times New Roman" panose="02020603050405020304" pitchFamily="18" charset="0"/>
+                          </a:rPr>
+                        </m:ctrlPr>
+                      </m:fPr>
+                      <m:num>
+                        <m:r>
+                          <a:rPr lang="en-US" sz="2400" b="0" i="1" dirty="0" smtClean="0">
+                            <a:latin typeface="Cambria Math"/>
+                            <a:cs typeface="Times New Roman" panose="02020603050405020304" pitchFamily="18" charset="0"/>
+                          </a:rPr>
+                          <m:t>0.2</m:t>
+                        </m:r>
+                        <m:r>
+                          <a:rPr lang="en-US" sz="2400" b="0" i="1" dirty="0" smtClean="0">
+                            <a:latin typeface="Cambria Math"/>
+                            <a:cs typeface="Times New Roman" panose="02020603050405020304" pitchFamily="18" charset="0"/>
+                          </a:rPr>
+                          <m:t>𝑐</m:t>
+                        </m:r>
+                      </m:num>
+                      <m:den>
+                        <m:sSub>
+                          <m:sSubPr>
+                            <m:ctrlPr>
+                              <a:rPr lang="en-US" sz="2400" b="0" i="1" dirty="0" smtClean="0">
+                                <a:latin typeface="Cambria Math"/>
+                                <a:cs typeface="Times New Roman" panose="02020603050405020304" pitchFamily="18" charset="0"/>
+                              </a:rPr>
+                            </m:ctrlPr>
+                          </m:sSubPr>
+                          <m:e>
+                            <m:r>
+                              <a:rPr lang="en-US" sz="2400" b="0" i="1" dirty="0" smtClean="0">
+                                <a:latin typeface="Cambria Math"/>
+                                <a:ea typeface="Cambria Math"/>
+                                <a:cs typeface="Times New Roman" panose="02020603050405020304" pitchFamily="18" charset="0"/>
+                              </a:rPr>
+                              <m:t>𝜔</m:t>
+                            </m:r>
+                          </m:e>
+                          <m:sub>
+                            <m:r>
+                              <a:rPr lang="en-US" sz="2400" b="0" i="1" dirty="0" smtClean="0">
+                                <a:latin typeface="Cambria Math"/>
+                                <a:cs typeface="Times New Roman" panose="02020603050405020304" pitchFamily="18" charset="0"/>
+                              </a:rPr>
+                              <m:t>𝑝</m:t>
+                            </m:r>
+                          </m:sub>
+                        </m:sSub>
+                      </m:den>
+                    </m:f>
                   </m:oMath>
                 </a14:m>
                 <a:r>
@@ -8255,190 +8142,77 @@
                     <a:latin typeface="Times New Roman" panose="02020603050405020304" pitchFamily="18" charset="0"/>
                     <a:cs typeface="Times New Roman" panose="02020603050405020304" pitchFamily="18" charset="0"/>
                   </a:rPr>
-                  <a:t>магнитное поле </a:t>
+                  <a:t>.</a:t>
                 </a:r>
-                <a14:m>
-                  <m:oMath xmlns:m="http://schemas.openxmlformats.org/officeDocument/2006/math">
-                    <m:r>
-                      <a:rPr lang="en-US" sz="2400" b="0" i="1" smtClean="0">
-                        <a:latin typeface="Cambria Math"/>
-                        <a:cs typeface="Times New Roman" panose="02020603050405020304" pitchFamily="18" charset="0"/>
-                      </a:rPr>
-                      <m:t>𝐵</m:t>
-                    </m:r>
-                    <m:r>
-                      <a:rPr lang="en-US" sz="2400" b="0" i="1" smtClean="0">
-                        <a:latin typeface="Cambria Math"/>
-                        <a:cs typeface="Times New Roman" panose="02020603050405020304" pitchFamily="18" charset="0"/>
-                      </a:rPr>
-                      <m:t>=</m:t>
-                    </m:r>
-                    <m:sSup>
-                      <m:sSupPr>
-                        <m:ctrlPr>
-                          <a:rPr lang="en-US" sz="2400" b="0" i="1" smtClean="0">
-                            <a:latin typeface="Cambria Math"/>
-                            <a:cs typeface="Times New Roman" panose="02020603050405020304" pitchFamily="18" charset="0"/>
-                          </a:rPr>
-                        </m:ctrlPr>
-                      </m:sSupPr>
-                      <m:e>
-                        <m:r>
-                          <a:rPr lang="en-US" sz="2400" b="0" i="1" smtClean="0">
-                            <a:latin typeface="Cambria Math"/>
-                            <a:cs typeface="Times New Roman" panose="02020603050405020304" pitchFamily="18" charset="0"/>
-                          </a:rPr>
-                          <m:t>10</m:t>
-                        </m:r>
-                      </m:e>
-                      <m:sup>
-                        <m:r>
-                          <a:rPr lang="en-US" sz="2400" b="0" i="1" smtClean="0">
-                            <a:latin typeface="Cambria Math"/>
-                            <a:cs typeface="Times New Roman" panose="02020603050405020304" pitchFamily="18" charset="0"/>
-                          </a:rPr>
-                          <m:t>−4</m:t>
-                        </m:r>
-                      </m:sup>
-                    </m:sSup>
-                    <m:r>
-                      <a:rPr lang="ru-RU" sz="2400" b="0" i="0" smtClean="0">
-                        <a:latin typeface="Cambria Math"/>
-                        <a:cs typeface="Times New Roman" panose="02020603050405020304" pitchFamily="18" charset="0"/>
-                      </a:rPr>
-                      <m:t>Гс </m:t>
-                    </m:r>
-                  </m:oMath>
-                </a14:m>
-                <a:r>
-                  <a:rPr lang="ru-RU" sz="2400" dirty="0" smtClean="0">
-                    <a:latin typeface="Times New Roman" panose="02020603050405020304" pitchFamily="18" charset="0"/>
-                    <a:cs typeface="Times New Roman" panose="02020603050405020304" pitchFamily="18" charset="0"/>
-                  </a:rPr>
-                  <a:t>.Размер области симуляции в продольном направлении </a:t>
-                </a:r>
-                <a14:m>
-                  <m:oMath xmlns:m="http://schemas.openxmlformats.org/officeDocument/2006/math">
-                    <m:r>
-                      <a:rPr lang="en-US" sz="2400" b="0" i="1" smtClean="0">
-                        <a:latin typeface="Cambria Math"/>
-                        <a:cs typeface="Times New Roman" panose="02020603050405020304" pitchFamily="18" charset="0"/>
-                      </a:rPr>
-                      <m:t>𝐿</m:t>
-                    </m:r>
-                    <m:r>
-                      <a:rPr lang="en-US" sz="2400" b="0" i="1" smtClean="0">
-                        <a:latin typeface="Cambria Math"/>
-                        <a:cs typeface="Times New Roman" panose="02020603050405020304" pitchFamily="18" charset="0"/>
-                      </a:rPr>
-                      <m:t>=4∙</m:t>
-                    </m:r>
-                    <m:sSup>
-                      <m:sSupPr>
-                        <m:ctrlPr>
-                          <a:rPr lang="en-US" sz="2400" b="0" i="1" smtClean="0">
-                            <a:latin typeface="Cambria Math"/>
-                            <a:ea typeface="Cambria Math"/>
-                            <a:cs typeface="Times New Roman" panose="02020603050405020304" pitchFamily="18" charset="0"/>
-                          </a:rPr>
-                        </m:ctrlPr>
-                      </m:sSupPr>
-                      <m:e>
-                        <m:r>
-                          <a:rPr lang="en-US" sz="2400" b="0" i="1" smtClean="0">
-                            <a:latin typeface="Cambria Math"/>
-                            <a:ea typeface="Cambria Math"/>
-                            <a:cs typeface="Times New Roman" panose="02020603050405020304" pitchFamily="18" charset="0"/>
-                          </a:rPr>
-                          <m:t>10</m:t>
-                        </m:r>
-                      </m:e>
-                      <m:sup>
-                        <m:r>
-                          <a:rPr lang="en-US" sz="2400" b="0" i="1" smtClean="0">
-                            <a:latin typeface="Cambria Math"/>
-                            <a:ea typeface="Cambria Math"/>
-                            <a:cs typeface="Times New Roman" panose="02020603050405020304" pitchFamily="18" charset="0"/>
-                          </a:rPr>
-                          <m:t>12</m:t>
-                        </m:r>
-                      </m:sup>
-                    </m:sSup>
-                  </m:oMath>
-                </a14:m>
                 <a:r>
                   <a:rPr lang="en-US" sz="2400" dirty="0" smtClean="0">
                     <a:latin typeface="Times New Roman" panose="02020603050405020304" pitchFamily="18" charset="0"/>
                     <a:cs typeface="Times New Roman" panose="02020603050405020304" pitchFamily="18" charset="0"/>
                   </a:rPr>
-                  <a:t>. </a:t>
+                  <a:t> </a:t>
                 </a:r>
                 <a:r>
                   <a:rPr lang="ru-RU" sz="2400" dirty="0" smtClean="0">
                     <a:latin typeface="Times New Roman" panose="02020603050405020304" pitchFamily="18" charset="0"/>
                     <a:cs typeface="Times New Roman" panose="02020603050405020304" pitchFamily="18" charset="0"/>
                   </a:rPr>
-                  <a:t>Размер ячейки </a:t>
+                  <a:t>Число ячеек по оси </a:t>
                 </a:r>
-                <a14:m>
-                  <m:oMath xmlns:m="http://schemas.openxmlformats.org/officeDocument/2006/math">
-                    <m:sSup>
-                      <m:sSupPr>
-                        <m:ctrlPr>
-                          <a:rPr lang="ru-RU" sz="2400" i="1" smtClean="0">
-                            <a:latin typeface="Cambria Math"/>
-                            <a:cs typeface="Times New Roman" panose="02020603050405020304" pitchFamily="18" charset="0"/>
-                          </a:rPr>
-                        </m:ctrlPr>
-                      </m:sSupPr>
-                      <m:e>
-                        <m:r>
-                          <a:rPr lang="ru-RU" sz="2400" b="0" i="1" smtClean="0">
-                            <a:latin typeface="Cambria Math"/>
-                            <a:cs typeface="Times New Roman" panose="02020603050405020304" pitchFamily="18" charset="0"/>
-                          </a:rPr>
-                          <m:t>10</m:t>
-                        </m:r>
-                      </m:e>
-                      <m:sup>
-                        <m:r>
-                          <a:rPr lang="ru-RU" sz="2400" b="0" i="1" smtClean="0">
-                            <a:latin typeface="Cambria Math"/>
-                            <a:cs typeface="Times New Roman" panose="02020603050405020304" pitchFamily="18" charset="0"/>
-                          </a:rPr>
-                          <m:t>8</m:t>
-                        </m:r>
-                      </m:sup>
-                    </m:sSup>
-                    <m:r>
-                      <a:rPr lang="ru-RU" sz="2400" b="0" i="1" smtClean="0">
-                        <a:latin typeface="Cambria Math"/>
-                        <a:cs typeface="Times New Roman" panose="02020603050405020304" pitchFamily="18" charset="0"/>
-                      </a:rPr>
-                      <m:t>см</m:t>
-                    </m:r>
-                  </m:oMath>
-                </a14:m>
+                <a:r>
+                  <a:rPr lang="en-US" sz="2400" dirty="0" smtClean="0">
+                    <a:latin typeface="Times New Roman" panose="02020603050405020304" pitchFamily="18" charset="0"/>
+                    <a:cs typeface="Times New Roman" panose="02020603050405020304" pitchFamily="18" charset="0"/>
+                  </a:rPr>
+                  <a:t>x 20000 ,</a:t>
+                </a:r>
                 <a:r>
                   <a:rPr lang="ru-RU" sz="2400" dirty="0" smtClean="0">
                     <a:latin typeface="Times New Roman" panose="02020603050405020304" pitchFamily="18" charset="0"/>
                     <a:cs typeface="Times New Roman" panose="02020603050405020304" pitchFamily="18" charset="0"/>
                   </a:rPr>
-                  <a:t>. В одной ячейке 50 частиц каждого сорта, масса электрона увеличена в 100 раз по сравнению с реальной. Проводились как </a:t>
+                  <a:t> что соответствует 40 </a:t>
                 </a:r>
                 <a:r>
                   <a:rPr lang="ru-RU" sz="2400" dirty="0" err="1" smtClean="0">
                     <a:latin typeface="Times New Roman" panose="02020603050405020304" pitchFamily="18" charset="0"/>
                     <a:cs typeface="Times New Roman" panose="02020603050405020304" pitchFamily="18" charset="0"/>
                   </a:rPr>
-                  <a:t>оддномерные</a:t>
+                  <a:t>гирорадиусам</a:t>
                 </a:r>
                 <a:r>
                   <a:rPr lang="ru-RU" sz="2400" dirty="0" smtClean="0">
                     <a:latin typeface="Times New Roman" panose="02020603050405020304" pitchFamily="18" charset="0"/>
                     <a:cs typeface="Times New Roman" panose="02020603050405020304" pitchFamily="18" charset="0"/>
                   </a:rPr>
-                  <a:t>, так и двумерные, для проверки результатов.</a:t>
+                  <a:t> протона, по </a:t>
+                </a:r>
+                <a:r>
+                  <a:rPr lang="en-US" sz="2400" dirty="0" smtClean="0">
+                    <a:latin typeface="Times New Roman" panose="02020603050405020304" pitchFamily="18" charset="0"/>
+                    <a:cs typeface="Times New Roman" panose="02020603050405020304" pitchFamily="18" charset="0"/>
+                  </a:rPr>
+                  <a:t>y - 500</a:t>
+                </a:r>
+                <a:r>
+                  <a:rPr lang="ru-RU" sz="2400" dirty="0" smtClean="0">
+                    <a:latin typeface="Times New Roman" panose="02020603050405020304" pitchFamily="18" charset="0"/>
+                    <a:cs typeface="Times New Roman" panose="02020603050405020304" pitchFamily="18" charset="0"/>
+                  </a:rPr>
+                  <a:t>. Массы протона и электрона отличаются в 25 раз. Концентрация является свободным параметром, все остальные величины легко </a:t>
+                </a:r>
+                <a:r>
+                  <a:rPr lang="ru-RU" sz="2400" dirty="0" err="1" smtClean="0">
+                    <a:latin typeface="Times New Roman" panose="02020603050405020304" pitchFamily="18" charset="0"/>
+                    <a:cs typeface="Times New Roman" panose="02020603050405020304" pitchFamily="18" charset="0"/>
+                  </a:rPr>
+                  <a:t>перенормируются</a:t>
+                </a:r>
+                <a:r>
+                  <a:rPr lang="ru-RU" sz="2400" dirty="0" smtClean="0">
+                    <a:latin typeface="Times New Roman" panose="02020603050405020304" pitchFamily="18" charset="0"/>
+                    <a:cs typeface="Times New Roman" panose="02020603050405020304" pitchFamily="18" charset="0"/>
+                  </a:rPr>
+                  <a:t> для разных концентраций. </a:t>
                 </a:r>
                 <a:endParaRPr lang="ru-RU" sz="2400" dirty="0">
                   <a:latin typeface="Times New Roman" panose="02020603050405020304" pitchFamily="18" charset="0"/>
@@ -8448,7 +8222,7 @@
             </p:txBody>
           </p:sp>
         </mc:Choice>
-        <mc:Fallback xmlns="">
+        <mc:Fallback>
           <p:sp>
             <p:nvSpPr>
               <p:cNvPr id="37" name="TextBox 36"/>
@@ -8459,16 +8233,16 @@
             </p:nvSpPr>
             <p:spPr>
               <a:xfrm>
-                <a:off x="7448138" y="24212995"/>
-                <a:ext cx="6651159" cy="5262979"/>
+                <a:off x="7361036" y="17110430"/>
+                <a:ext cx="6651159" cy="5824158"/>
               </a:xfrm>
               <a:prstGeom prst="rect">
                 <a:avLst/>
               </a:prstGeom>
               <a:blipFill rotWithShape="1">
-                <a:blip r:embed="rId17"/>
+                <a:blip r:embed="rId9"/>
                 <a:stretch>
-                  <a:fillRect l="-1467" t="-927" r="-2016" b="-1738"/>
+                  <a:fillRect l="-1467" t="-838" r="-2016" b="-1466"/>
                 </a:stretch>
               </a:blipFill>
             </p:spPr>
@@ -8495,7 +8269,7 @@
         </p:nvSpPr>
         <p:spPr>
           <a:xfrm>
-            <a:off x="14293800" y="4452103"/>
+            <a:off x="14268559" y="3788352"/>
             <a:ext cx="6322952" cy="2308324"/>
           </a:xfrm>
           <a:prstGeom prst="rect">
@@ -8554,7 +8328,7 @@
           <p:nvPr/>
         </p:nvPicPr>
         <p:blipFill>
-          <a:blip r:embed="rId18" cstate="print">
+          <a:blip r:embed="rId10" cstate="print">
             <a:extLst>
               <a:ext uri="{28A0092B-C50C-407E-A947-70E740481C1C}">
                 <a14:useLocalDpi xmlns:a14="http://schemas.microsoft.com/office/drawing/2010/main" val="0"/>
@@ -10015,6 +9789,797 @@
           </a:prstGeom>
         </p:spPr>
       </p:pic>
+      <p:cxnSp>
+        <p:nvCxnSpPr>
+          <p:cNvPr id="12" name="Прямая со стрелкой 11"/>
+          <p:cNvCxnSpPr/>
+          <p:nvPr/>
+        </p:nvCxnSpPr>
+        <p:spPr>
+          <a:xfrm>
+            <a:off x="7727527" y="16131280"/>
+            <a:ext cx="4948200" cy="0"/>
+          </a:xfrm>
+          <a:prstGeom prst="straightConnector1">
+            <a:avLst/>
+          </a:prstGeom>
+          <a:ln>
+            <a:tailEnd type="arrow"/>
+          </a:ln>
+        </p:spPr>
+        <p:style>
+          <a:lnRef idx="1">
+            <a:schemeClr val="accent1"/>
+          </a:lnRef>
+          <a:fillRef idx="0">
+            <a:schemeClr val="accent1"/>
+          </a:fillRef>
+          <a:effectRef idx="0">
+            <a:schemeClr val="accent1"/>
+          </a:effectRef>
+          <a:fontRef idx="minor">
+            <a:schemeClr val="tx1"/>
+          </a:fontRef>
+        </p:style>
+      </p:cxnSp>
+      <p:cxnSp>
+        <p:nvCxnSpPr>
+          <p:cNvPr id="21" name="Прямая со стрелкой 20"/>
+          <p:cNvCxnSpPr/>
+          <p:nvPr/>
+        </p:nvCxnSpPr>
+        <p:spPr>
+          <a:xfrm flipV="1">
+            <a:off x="8387691" y="13951611"/>
+            <a:ext cx="0" cy="2179669"/>
+          </a:xfrm>
+          <a:prstGeom prst="straightConnector1">
+            <a:avLst/>
+          </a:prstGeom>
+          <a:ln>
+            <a:tailEnd type="arrow"/>
+          </a:ln>
+        </p:spPr>
+        <p:style>
+          <a:lnRef idx="1">
+            <a:schemeClr val="accent1"/>
+          </a:lnRef>
+          <a:fillRef idx="0">
+            <a:schemeClr val="accent1"/>
+          </a:fillRef>
+          <a:effectRef idx="0">
+            <a:schemeClr val="accent1"/>
+          </a:effectRef>
+          <a:fontRef idx="minor">
+            <a:schemeClr val="tx1"/>
+          </a:fontRef>
+        </p:style>
+      </p:cxnSp>
+      <p:cxnSp>
+        <p:nvCxnSpPr>
+          <p:cNvPr id="23" name="Прямая со стрелкой 22"/>
+          <p:cNvCxnSpPr/>
+          <p:nvPr/>
+        </p:nvCxnSpPr>
+        <p:spPr>
+          <a:xfrm flipV="1">
+            <a:off x="7908789" y="14979152"/>
+            <a:ext cx="1994630" cy="1493652"/>
+          </a:xfrm>
+          <a:prstGeom prst="straightConnector1">
+            <a:avLst/>
+          </a:prstGeom>
+          <a:ln>
+            <a:tailEnd type="arrow"/>
+          </a:ln>
+        </p:spPr>
+        <p:style>
+          <a:lnRef idx="1">
+            <a:schemeClr val="accent1"/>
+          </a:lnRef>
+          <a:fillRef idx="0">
+            <a:schemeClr val="accent1"/>
+          </a:fillRef>
+          <a:effectRef idx="0">
+            <a:schemeClr val="accent1"/>
+          </a:effectRef>
+          <a:fontRef idx="minor">
+            <a:schemeClr val="tx1"/>
+          </a:fontRef>
+        </p:style>
+      </p:cxnSp>
+      <p:sp>
+        <p:nvSpPr>
+          <p:cNvPr id="51" name="TextBox 50"/>
+          <p:cNvSpPr txBox="1"/>
+          <p:nvPr/>
+        </p:nvSpPr>
+        <p:spPr>
+          <a:xfrm>
+            <a:off x="12675727" y="16014810"/>
+            <a:ext cx="338554" cy="461665"/>
+          </a:xfrm>
+          <a:prstGeom prst="rect">
+            <a:avLst/>
+          </a:prstGeom>
+          <a:noFill/>
+        </p:spPr>
+        <p:txBody>
+          <a:bodyPr wrap="none" rtlCol="0">
+            <a:spAutoFit/>
+          </a:bodyPr>
+          <a:lstStyle/>
+          <a:p>
+            <a:r>
+              <a:rPr lang="en-US" sz="2400" dirty="0" smtClean="0">
+                <a:latin typeface="Times New Roman" panose="02020603050405020304" pitchFamily="18" charset="0"/>
+                <a:cs typeface="Times New Roman" panose="02020603050405020304" pitchFamily="18" charset="0"/>
+              </a:rPr>
+              <a:t>x</a:t>
+            </a:r>
+            <a:endParaRPr lang="ru-RU" sz="2400" dirty="0">
+              <a:latin typeface="Times New Roman" panose="02020603050405020304" pitchFamily="18" charset="0"/>
+              <a:cs typeface="Times New Roman" panose="02020603050405020304" pitchFamily="18" charset="0"/>
+            </a:endParaRPr>
+          </a:p>
+        </p:txBody>
+      </p:sp>
+      <p:sp>
+        <p:nvSpPr>
+          <p:cNvPr id="52" name="TextBox 51"/>
+          <p:cNvSpPr txBox="1"/>
+          <p:nvPr/>
+        </p:nvSpPr>
+        <p:spPr>
+          <a:xfrm>
+            <a:off x="9877094" y="14883588"/>
+            <a:ext cx="248468" cy="461665"/>
+          </a:xfrm>
+          <a:prstGeom prst="rect">
+            <a:avLst/>
+          </a:prstGeom>
+          <a:noFill/>
+        </p:spPr>
+        <p:txBody>
+          <a:bodyPr wrap="square" rtlCol="0">
+            <a:spAutoFit/>
+          </a:bodyPr>
+          <a:lstStyle/>
+          <a:p>
+            <a:r>
+              <a:rPr lang="en-US" sz="2400" dirty="0">
+                <a:latin typeface="Times New Roman" panose="02020603050405020304" pitchFamily="18" charset="0"/>
+                <a:cs typeface="Times New Roman" panose="02020603050405020304" pitchFamily="18" charset="0"/>
+              </a:rPr>
+              <a:t>y</a:t>
+            </a:r>
+            <a:endParaRPr lang="en-US" sz="2400" dirty="0" smtClean="0">
+              <a:latin typeface="Times New Roman" panose="02020603050405020304" pitchFamily="18" charset="0"/>
+              <a:cs typeface="Times New Roman" panose="02020603050405020304" pitchFamily="18" charset="0"/>
+            </a:endParaRPr>
+          </a:p>
+        </p:txBody>
+      </p:sp>
+      <p:sp>
+        <p:nvSpPr>
+          <p:cNvPr id="53" name="TextBox 52"/>
+          <p:cNvSpPr txBox="1"/>
+          <p:nvPr/>
+        </p:nvSpPr>
+        <p:spPr>
+          <a:xfrm>
+            <a:off x="8419913" y="13768767"/>
+            <a:ext cx="160461" cy="461665"/>
+          </a:xfrm>
+          <a:prstGeom prst="rect">
+            <a:avLst/>
+          </a:prstGeom>
+          <a:noFill/>
+        </p:spPr>
+        <p:txBody>
+          <a:bodyPr wrap="square" rtlCol="0">
+            <a:spAutoFit/>
+          </a:bodyPr>
+          <a:lstStyle/>
+          <a:p>
+            <a:r>
+              <a:rPr lang="en-US" sz="2400" dirty="0" smtClean="0">
+                <a:latin typeface="Times New Roman" panose="02020603050405020304" pitchFamily="18" charset="0"/>
+                <a:cs typeface="Times New Roman" panose="02020603050405020304" pitchFamily="18" charset="0"/>
+              </a:rPr>
+              <a:t>z</a:t>
+            </a:r>
+            <a:endParaRPr lang="ru-RU" sz="2400" dirty="0">
+              <a:latin typeface="Times New Roman" panose="02020603050405020304" pitchFamily="18" charset="0"/>
+              <a:cs typeface="Times New Roman" panose="02020603050405020304" pitchFamily="18" charset="0"/>
+            </a:endParaRPr>
+          </a:p>
+        </p:txBody>
+      </p:sp>
+      <p:sp>
+        <p:nvSpPr>
+          <p:cNvPr id="56" name="Стрелка вправо 55"/>
+          <p:cNvSpPr/>
+          <p:nvPr/>
+        </p:nvSpPr>
+        <p:spPr>
+          <a:xfrm rot="10800000">
+            <a:off x="10919112" y="15345253"/>
+            <a:ext cx="1756615" cy="380725"/>
+          </a:xfrm>
+          <a:prstGeom prst="rightArrow">
+            <a:avLst/>
+          </a:prstGeom>
+        </p:spPr>
+        <p:style>
+          <a:lnRef idx="2">
+            <a:schemeClr val="accent1">
+              <a:shade val="50000"/>
+            </a:schemeClr>
+          </a:lnRef>
+          <a:fillRef idx="1">
+            <a:schemeClr val="accent1"/>
+          </a:fillRef>
+          <a:effectRef idx="0">
+            <a:schemeClr val="accent1"/>
+          </a:effectRef>
+          <a:fontRef idx="minor">
+            <a:schemeClr val="lt1"/>
+          </a:fontRef>
+        </p:style>
+        <p:txBody>
+          <a:bodyPr rtlCol="0" anchor="ctr"/>
+          <a:lstStyle/>
+          <a:p>
+            <a:pPr algn="ctr"/>
+            <a:endParaRPr lang="ru-RU"/>
+          </a:p>
+        </p:txBody>
+      </p:sp>
+      <mc:AlternateContent xmlns:mc="http://schemas.openxmlformats.org/markup-compatibility/2006">
+        <mc:Choice xmlns:a14="http://schemas.microsoft.com/office/drawing/2010/main" Requires="a14">
+          <p:sp>
+            <p:nvSpPr>
+              <p:cNvPr id="58" name="TextBox 57"/>
+              <p:cNvSpPr txBox="1"/>
+              <p:nvPr/>
+            </p:nvSpPr>
+            <p:spPr>
+              <a:xfrm>
+                <a:off x="11797419" y="14937304"/>
+                <a:ext cx="455701" cy="506421"/>
+              </a:xfrm>
+              <a:prstGeom prst="rect">
+                <a:avLst/>
+              </a:prstGeom>
+              <a:noFill/>
+            </p:spPr>
+            <p:txBody>
+              <a:bodyPr wrap="none" rtlCol="0">
+                <a:spAutoFit/>
+              </a:bodyPr>
+              <a:lstStyle/>
+              <a:p>
+                <a14:m>
+                  <m:oMathPara xmlns:m="http://schemas.openxmlformats.org/officeDocument/2006/math">
+                    <m:oMathParaPr>
+                      <m:jc m:val="centerGroup"/>
+                    </m:oMathParaPr>
+                    <m:oMath xmlns:m="http://schemas.openxmlformats.org/officeDocument/2006/math">
+                      <m:acc>
+                        <m:accPr>
+                          <m:chr m:val="⃗"/>
+                          <m:ctrlPr>
+                            <a:rPr lang="ru-RU" sz="2400" i="1" smtClean="0">
+                              <a:latin typeface="Cambria Math"/>
+                            </a:rPr>
+                          </m:ctrlPr>
+                        </m:accPr>
+                        <m:e>
+                          <m:r>
+                            <a:rPr lang="en-US" sz="2400" b="0" i="1" smtClean="0">
+                              <a:latin typeface="Cambria Math"/>
+                            </a:rPr>
+                            <m:t>𝑉</m:t>
+                          </m:r>
+                        </m:e>
+                      </m:acc>
+                    </m:oMath>
+                  </m:oMathPara>
+                </a14:m>
+                <a:endParaRPr lang="ru-RU" sz="2400" dirty="0"/>
+              </a:p>
+            </p:txBody>
+          </p:sp>
+        </mc:Choice>
+        <mc:Fallback>
+          <p:sp>
+            <p:nvSpPr>
+              <p:cNvPr id="58" name="TextBox 57"/>
+              <p:cNvSpPr txBox="1">
+                <a:spLocks noRot="1" noChangeAspect="1" noMove="1" noResize="1" noEditPoints="1" noAdjustHandles="1" noChangeArrowheads="1" noChangeShapeType="1" noTextEdit="1"/>
+              </p:cNvSpPr>
+              <p:nvPr/>
+            </p:nvSpPr>
+            <p:spPr>
+              <a:xfrm>
+                <a:off x="11797419" y="14937304"/>
+                <a:ext cx="455701" cy="506421"/>
+              </a:xfrm>
+              <a:prstGeom prst="rect">
+                <a:avLst/>
+              </a:prstGeom>
+              <a:blipFill rotWithShape="1">
+                <a:blip r:embed="rId23"/>
+                <a:stretch>
+                  <a:fillRect/>
+                </a:stretch>
+              </a:blipFill>
+            </p:spPr>
+            <p:txBody>
+              <a:bodyPr/>
+              <a:lstStyle/>
+              <a:p>
+                <a:r>
+                  <a:rPr lang="ru-RU">
+                    <a:noFill/>
+                  </a:rPr>
+                  <a:t> </a:t>
+                </a:r>
+              </a:p>
+            </p:txBody>
+          </p:sp>
+        </mc:Fallback>
+      </mc:AlternateContent>
+      <p:sp>
+        <p:nvSpPr>
+          <p:cNvPr id="60" name="Стрелка вправо 59"/>
+          <p:cNvSpPr/>
+          <p:nvPr/>
+        </p:nvSpPr>
+        <p:spPr>
+          <a:xfrm rot="18304459">
+            <a:off x="8027796" y="15227078"/>
+            <a:ext cx="1756615" cy="380725"/>
+          </a:xfrm>
+          <a:prstGeom prst="rightArrow">
+            <a:avLst/>
+          </a:prstGeom>
+        </p:spPr>
+        <p:style>
+          <a:lnRef idx="2">
+            <a:schemeClr val="accent1">
+              <a:shade val="50000"/>
+            </a:schemeClr>
+          </a:lnRef>
+          <a:fillRef idx="1">
+            <a:schemeClr val="accent1"/>
+          </a:fillRef>
+          <a:effectRef idx="0">
+            <a:schemeClr val="accent1"/>
+          </a:effectRef>
+          <a:fontRef idx="minor">
+            <a:schemeClr val="lt1"/>
+          </a:fontRef>
+        </p:style>
+        <p:txBody>
+          <a:bodyPr rtlCol="0" anchor="ctr"/>
+          <a:lstStyle/>
+          <a:p>
+            <a:pPr algn="ctr"/>
+            <a:endParaRPr lang="ru-RU"/>
+          </a:p>
+        </p:txBody>
+      </p:sp>
+      <p:cxnSp>
+        <p:nvCxnSpPr>
+          <p:cNvPr id="62" name="Прямая соединительная линия 61"/>
+          <p:cNvCxnSpPr>
+            <a:stCxn id="60" idx="3"/>
+          </p:cNvCxnSpPr>
+          <p:nvPr/>
+        </p:nvCxnSpPr>
+        <p:spPr>
+          <a:xfrm flipH="1">
+            <a:off x="8580374" y="14698627"/>
+            <a:ext cx="830439" cy="0"/>
+          </a:xfrm>
+          <a:prstGeom prst="line">
+            <a:avLst/>
+          </a:prstGeom>
+        </p:spPr>
+        <p:style>
+          <a:lnRef idx="1">
+            <a:schemeClr val="accent1"/>
+          </a:lnRef>
+          <a:fillRef idx="0">
+            <a:schemeClr val="accent1"/>
+          </a:fillRef>
+          <a:effectRef idx="0">
+            <a:schemeClr val="accent1"/>
+          </a:effectRef>
+          <a:fontRef idx="minor">
+            <a:schemeClr val="tx1"/>
+          </a:fontRef>
+        </p:style>
+      </p:cxnSp>
+      <p:cxnSp>
+        <p:nvCxnSpPr>
+          <p:cNvPr id="68" name="Прямая со стрелкой 67"/>
+          <p:cNvCxnSpPr>
+            <a:stCxn id="60" idx="1"/>
+          </p:cNvCxnSpPr>
+          <p:nvPr/>
+        </p:nvCxnSpPr>
+        <p:spPr>
+          <a:xfrm flipV="1">
+            <a:off x="8401395" y="14698627"/>
+            <a:ext cx="178979" cy="1437627"/>
+          </a:xfrm>
+          <a:prstGeom prst="straightConnector1">
+            <a:avLst/>
+          </a:prstGeom>
+          <a:ln>
+            <a:tailEnd type="arrow"/>
+          </a:ln>
+        </p:spPr>
+        <p:style>
+          <a:lnRef idx="1">
+            <a:schemeClr val="accent1"/>
+          </a:lnRef>
+          <a:fillRef idx="0">
+            <a:schemeClr val="accent1"/>
+          </a:fillRef>
+          <a:effectRef idx="0">
+            <a:schemeClr val="accent1"/>
+          </a:effectRef>
+          <a:fontRef idx="minor">
+            <a:schemeClr val="tx1"/>
+          </a:fontRef>
+        </p:style>
+      </p:cxnSp>
+      <p:sp>
+        <p:nvSpPr>
+          <p:cNvPr id="73" name="Дуга 72"/>
+          <p:cNvSpPr/>
+          <p:nvPr/>
+        </p:nvSpPr>
+        <p:spPr>
+          <a:xfrm>
+            <a:off x="8401395" y="15656391"/>
+            <a:ext cx="660505" cy="595664"/>
+          </a:xfrm>
+          <a:prstGeom prst="arc">
+            <a:avLst>
+              <a:gd name="adj1" fmla="val 16200000"/>
+              <a:gd name="adj2" fmla="val 1564624"/>
+            </a:avLst>
+          </a:prstGeom>
+        </p:spPr>
+        <p:style>
+          <a:lnRef idx="1">
+            <a:schemeClr val="accent1"/>
+          </a:lnRef>
+          <a:fillRef idx="0">
+            <a:schemeClr val="accent1"/>
+          </a:fillRef>
+          <a:effectRef idx="0">
+            <a:schemeClr val="accent1"/>
+          </a:effectRef>
+          <a:fontRef idx="minor">
+            <a:schemeClr val="tx1"/>
+          </a:fontRef>
+        </p:style>
+        <p:txBody>
+          <a:bodyPr rtlCol="0" anchor="ctr"/>
+          <a:lstStyle/>
+          <a:p>
+            <a:pPr algn="ctr"/>
+            <a:endParaRPr lang="ru-RU"/>
+          </a:p>
+        </p:txBody>
+      </p:sp>
+      <mc:AlternateContent xmlns:mc="http://schemas.openxmlformats.org/markup-compatibility/2006">
+        <mc:Choice xmlns:a14="http://schemas.microsoft.com/office/drawing/2010/main" Requires="a14">
+          <p:sp>
+            <p:nvSpPr>
+              <p:cNvPr id="74" name="TextBox 73"/>
+              <p:cNvSpPr txBox="1"/>
+              <p:nvPr/>
+            </p:nvSpPr>
+            <p:spPr>
+              <a:xfrm>
+                <a:off x="9085805" y="15656391"/>
+                <a:ext cx="162504" cy="461665"/>
+              </a:xfrm>
+              <a:prstGeom prst="rect">
+                <a:avLst/>
+              </a:prstGeom>
+              <a:noFill/>
+            </p:spPr>
+            <p:txBody>
+              <a:bodyPr wrap="square" rtlCol="0">
+                <a:spAutoFit/>
+              </a:bodyPr>
+              <a:lstStyle/>
+              <a:p>
+                <a14:m>
+                  <m:oMathPara xmlns:m="http://schemas.openxmlformats.org/officeDocument/2006/math">
+                    <m:oMathParaPr>
+                      <m:jc m:val="centerGroup"/>
+                    </m:oMathParaPr>
+                    <m:oMath xmlns:m="http://schemas.openxmlformats.org/officeDocument/2006/math">
+                      <m:r>
+                        <a:rPr lang="ru-RU" sz="2400" i="1" smtClean="0">
+                          <a:latin typeface="Cambria Math"/>
+                          <a:ea typeface="Cambria Math"/>
+                        </a:rPr>
+                        <m:t>𝜃</m:t>
+                      </m:r>
+                    </m:oMath>
+                  </m:oMathPara>
+                </a14:m>
+                <a:endParaRPr lang="ru-RU" sz="2400" dirty="0"/>
+              </a:p>
+            </p:txBody>
+          </p:sp>
+        </mc:Choice>
+        <mc:Fallback>
+          <p:sp>
+            <p:nvSpPr>
+              <p:cNvPr id="74" name="TextBox 73"/>
+              <p:cNvSpPr txBox="1">
+                <a:spLocks noRot="1" noChangeAspect="1" noMove="1" noResize="1" noEditPoints="1" noAdjustHandles="1" noChangeArrowheads="1" noChangeShapeType="1" noTextEdit="1"/>
+              </p:cNvSpPr>
+              <p:nvPr/>
+            </p:nvSpPr>
+            <p:spPr>
+              <a:xfrm>
+                <a:off x="9085805" y="15656391"/>
+                <a:ext cx="162504" cy="461665"/>
+              </a:xfrm>
+              <a:prstGeom prst="rect">
+                <a:avLst/>
+              </a:prstGeom>
+              <a:blipFill rotWithShape="1">
+                <a:blip r:embed="rId24"/>
+                <a:stretch>
+                  <a:fillRect l="-14815" r="-118519"/>
+                </a:stretch>
+              </a:blipFill>
+            </p:spPr>
+            <p:txBody>
+              <a:bodyPr/>
+              <a:lstStyle/>
+              <a:p>
+                <a:r>
+                  <a:rPr lang="ru-RU">
+                    <a:noFill/>
+                  </a:rPr>
+                  <a:t> </a:t>
+                </a:r>
+              </a:p>
+            </p:txBody>
+          </p:sp>
+        </mc:Fallback>
+      </mc:AlternateContent>
+      <p:sp>
+        <p:nvSpPr>
+          <p:cNvPr id="75" name="Дуга 74"/>
+          <p:cNvSpPr/>
+          <p:nvPr/>
+        </p:nvSpPr>
+        <p:spPr>
+          <a:xfrm>
+            <a:off x="8260419" y="15041122"/>
+            <a:ext cx="254544" cy="115023"/>
+          </a:xfrm>
+          <a:prstGeom prst="arc">
+            <a:avLst/>
+          </a:prstGeom>
+        </p:spPr>
+        <p:style>
+          <a:lnRef idx="1">
+            <a:schemeClr val="accent1"/>
+          </a:lnRef>
+          <a:fillRef idx="0">
+            <a:schemeClr val="accent1"/>
+          </a:fillRef>
+          <a:effectRef idx="0">
+            <a:schemeClr val="accent1"/>
+          </a:effectRef>
+          <a:fontRef idx="minor">
+            <a:schemeClr val="tx1"/>
+          </a:fontRef>
+        </p:style>
+        <p:txBody>
+          <a:bodyPr rtlCol="0" anchor="ctr"/>
+          <a:lstStyle/>
+          <a:p>
+            <a:pPr algn="ctr"/>
+            <a:endParaRPr lang="ru-RU"/>
+          </a:p>
+        </p:txBody>
+      </p:sp>
+      <mc:AlternateContent xmlns:mc="http://schemas.openxmlformats.org/markup-compatibility/2006">
+        <mc:Choice xmlns:a14="http://schemas.microsoft.com/office/drawing/2010/main" Requires="a14">
+          <p:sp>
+            <p:nvSpPr>
+              <p:cNvPr id="76" name="TextBox 75"/>
+              <p:cNvSpPr txBox="1"/>
+              <p:nvPr/>
+            </p:nvSpPr>
+            <p:spPr>
+              <a:xfrm>
+                <a:off x="8035736" y="14748319"/>
+                <a:ext cx="468590" cy="461665"/>
+              </a:xfrm>
+              <a:prstGeom prst="rect">
+                <a:avLst/>
+              </a:prstGeom>
+              <a:noFill/>
+            </p:spPr>
+            <p:txBody>
+              <a:bodyPr wrap="none" rtlCol="0">
+                <a:spAutoFit/>
+              </a:bodyPr>
+              <a:lstStyle/>
+              <a:p>
+                <a14:m>
+                  <m:oMathPara xmlns:m="http://schemas.openxmlformats.org/officeDocument/2006/math">
+                    <m:oMathParaPr>
+                      <m:jc m:val="centerGroup"/>
+                    </m:oMathParaPr>
+                    <m:oMath xmlns:m="http://schemas.openxmlformats.org/officeDocument/2006/math">
+                      <m:r>
+                        <a:rPr lang="ru-RU" sz="2400" i="1" smtClean="0">
+                          <a:latin typeface="Cambria Math"/>
+                          <a:ea typeface="Cambria Math"/>
+                        </a:rPr>
+                        <m:t>𝜑</m:t>
+                      </m:r>
+                    </m:oMath>
+                  </m:oMathPara>
+                </a14:m>
+                <a:endParaRPr lang="ru-RU" sz="2400" dirty="0"/>
+              </a:p>
+            </p:txBody>
+          </p:sp>
+        </mc:Choice>
+        <mc:Fallback>
+          <p:sp>
+            <p:nvSpPr>
+              <p:cNvPr id="76" name="TextBox 75"/>
+              <p:cNvSpPr txBox="1">
+                <a:spLocks noRot="1" noChangeAspect="1" noMove="1" noResize="1" noEditPoints="1" noAdjustHandles="1" noChangeArrowheads="1" noChangeShapeType="1" noTextEdit="1"/>
+              </p:cNvSpPr>
+              <p:nvPr/>
+            </p:nvSpPr>
+            <p:spPr>
+              <a:xfrm>
+                <a:off x="8035736" y="14748319"/>
+                <a:ext cx="468590" cy="461665"/>
+              </a:xfrm>
+              <a:prstGeom prst="rect">
+                <a:avLst/>
+              </a:prstGeom>
+              <a:blipFill rotWithShape="1">
+                <a:blip r:embed="rId25"/>
+                <a:stretch>
+                  <a:fillRect b="-9211"/>
+                </a:stretch>
+              </a:blipFill>
+            </p:spPr>
+            <p:txBody>
+              <a:bodyPr/>
+              <a:lstStyle/>
+              <a:p>
+                <a:r>
+                  <a:rPr lang="ru-RU">
+                    <a:noFill/>
+                  </a:rPr>
+                  <a:t> </a:t>
+                </a:r>
+              </a:p>
+            </p:txBody>
+          </p:sp>
+        </mc:Fallback>
+      </mc:AlternateContent>
+      <mc:AlternateContent xmlns:mc="http://schemas.openxmlformats.org/markup-compatibility/2006">
+        <mc:Choice xmlns:a14="http://schemas.microsoft.com/office/drawing/2010/main" Requires="a14">
+          <p:sp>
+            <p:nvSpPr>
+              <p:cNvPr id="77" name="TextBox 76"/>
+              <p:cNvSpPr txBox="1"/>
+              <p:nvPr/>
+            </p:nvSpPr>
+            <p:spPr>
+              <a:xfrm>
+                <a:off x="9203444" y="14192206"/>
+                <a:ext cx="463845" cy="506421"/>
+              </a:xfrm>
+              <a:prstGeom prst="rect">
+                <a:avLst/>
+              </a:prstGeom>
+              <a:noFill/>
+            </p:spPr>
+            <p:txBody>
+              <a:bodyPr wrap="none" rtlCol="0">
+                <a:spAutoFit/>
+              </a:bodyPr>
+              <a:lstStyle/>
+              <a:p>
+                <a14:m>
+                  <m:oMathPara xmlns:m="http://schemas.openxmlformats.org/officeDocument/2006/math">
+                    <m:oMathParaPr>
+                      <m:jc m:val="centerGroup"/>
+                    </m:oMathParaPr>
+                    <m:oMath xmlns:m="http://schemas.openxmlformats.org/officeDocument/2006/math">
+                      <m:acc>
+                        <m:accPr>
+                          <m:chr m:val="⃗"/>
+                          <m:ctrlPr>
+                            <a:rPr lang="ru-RU" sz="2400" i="1" smtClean="0">
+                              <a:latin typeface="Cambria Math"/>
+                            </a:rPr>
+                          </m:ctrlPr>
+                        </m:accPr>
+                        <m:e>
+                          <m:r>
+                            <a:rPr lang="en-US" sz="2400" b="0" i="1" smtClean="0">
+                              <a:latin typeface="Cambria Math"/>
+                            </a:rPr>
+                            <m:t>𝐵</m:t>
+                          </m:r>
+                        </m:e>
+                      </m:acc>
+                    </m:oMath>
+                  </m:oMathPara>
+                </a14:m>
+                <a:endParaRPr lang="ru-RU" sz="2400" dirty="0"/>
+              </a:p>
+            </p:txBody>
+          </p:sp>
+        </mc:Choice>
+        <mc:Fallback>
+          <p:sp>
+            <p:nvSpPr>
+              <p:cNvPr id="77" name="TextBox 76"/>
+              <p:cNvSpPr txBox="1">
+                <a:spLocks noRot="1" noChangeAspect="1" noMove="1" noResize="1" noEditPoints="1" noAdjustHandles="1" noChangeArrowheads="1" noChangeShapeType="1" noTextEdit="1"/>
+              </p:cNvSpPr>
+              <p:nvPr/>
+            </p:nvSpPr>
+            <p:spPr>
+              <a:xfrm>
+                <a:off x="9203444" y="14192206"/>
+                <a:ext cx="463845" cy="506421"/>
+              </a:xfrm>
+              <a:prstGeom prst="rect">
+                <a:avLst/>
+              </a:prstGeom>
+              <a:blipFill rotWithShape="1">
+                <a:blip r:embed="rId26"/>
+                <a:stretch>
+                  <a:fillRect/>
+                </a:stretch>
+              </a:blipFill>
+            </p:spPr>
+            <p:txBody>
+              <a:bodyPr/>
+              <a:lstStyle/>
+              <a:p>
+                <a:r>
+                  <a:rPr lang="ru-RU">
+                    <a:noFill/>
+                  </a:rPr>
+                  <a:t> </a:t>
+                </a:r>
+              </a:p>
+            </p:txBody>
+          </p:sp>
+        </mc:Fallback>
+      </mc:AlternateContent>
     </p:spTree>
     <p:extLst>
       <p:ext uri="{BB962C8B-B14F-4D97-AF65-F5344CB8AC3E}">

--- a/posters/Romansky_Physica_2018.pptx
+++ b/posters/Romansky_Physica_2018.pptx
@@ -288,7 +288,7 @@
           <a:p>
             <a:fld id="{F515D3A2-22C3-4007-B598-9B555F861680}" type="datetimeFigureOut">
               <a:rPr lang="ru-RU" smtClean="0"/>
-              <a:t>22.10.2018</a:t>
+              <a:t>23.10.2018</a:t>
             </a:fld>
             <a:endParaRPr lang="ru-RU"/>
           </a:p>
@@ -458,7 +458,7 @@
           <a:p>
             <a:fld id="{F515D3A2-22C3-4007-B598-9B555F861680}" type="datetimeFigureOut">
               <a:rPr lang="ru-RU" smtClean="0"/>
-              <a:t>22.10.2018</a:t>
+              <a:t>23.10.2018</a:t>
             </a:fld>
             <a:endParaRPr lang="ru-RU"/>
           </a:p>
@@ -638,7 +638,7 @@
           <a:p>
             <a:fld id="{F515D3A2-22C3-4007-B598-9B555F861680}" type="datetimeFigureOut">
               <a:rPr lang="ru-RU" smtClean="0"/>
-              <a:t>22.10.2018</a:t>
+              <a:t>23.10.2018</a:t>
             </a:fld>
             <a:endParaRPr lang="ru-RU"/>
           </a:p>
@@ -808,7 +808,7 @@
           <a:p>
             <a:fld id="{F515D3A2-22C3-4007-B598-9B555F861680}" type="datetimeFigureOut">
               <a:rPr lang="ru-RU" smtClean="0"/>
-              <a:t>22.10.2018</a:t>
+              <a:t>23.10.2018</a:t>
             </a:fld>
             <a:endParaRPr lang="ru-RU"/>
           </a:p>
@@ -1054,7 +1054,7 @@
           <a:p>
             <a:fld id="{F515D3A2-22C3-4007-B598-9B555F861680}" type="datetimeFigureOut">
               <a:rPr lang="ru-RU" smtClean="0"/>
-              <a:t>22.10.2018</a:t>
+              <a:t>23.10.2018</a:t>
             </a:fld>
             <a:endParaRPr lang="ru-RU"/>
           </a:p>
@@ -1342,7 +1342,7 @@
           <a:p>
             <a:fld id="{F515D3A2-22C3-4007-B598-9B555F861680}" type="datetimeFigureOut">
               <a:rPr lang="ru-RU" smtClean="0"/>
-              <a:t>22.10.2018</a:t>
+              <a:t>23.10.2018</a:t>
             </a:fld>
             <a:endParaRPr lang="ru-RU"/>
           </a:p>
@@ -1764,7 +1764,7 @@
           <a:p>
             <a:fld id="{F515D3A2-22C3-4007-B598-9B555F861680}" type="datetimeFigureOut">
               <a:rPr lang="ru-RU" smtClean="0"/>
-              <a:t>22.10.2018</a:t>
+              <a:t>23.10.2018</a:t>
             </a:fld>
             <a:endParaRPr lang="ru-RU"/>
           </a:p>
@@ -1882,7 +1882,7 @@
           <a:p>
             <a:fld id="{F515D3A2-22C3-4007-B598-9B555F861680}" type="datetimeFigureOut">
               <a:rPr lang="ru-RU" smtClean="0"/>
-              <a:t>22.10.2018</a:t>
+              <a:t>23.10.2018</a:t>
             </a:fld>
             <a:endParaRPr lang="ru-RU"/>
           </a:p>
@@ -1977,7 +1977,7 @@
           <a:p>
             <a:fld id="{F515D3A2-22C3-4007-B598-9B555F861680}" type="datetimeFigureOut">
               <a:rPr lang="ru-RU" smtClean="0"/>
-              <a:t>22.10.2018</a:t>
+              <a:t>23.10.2018</a:t>
             </a:fld>
             <a:endParaRPr lang="ru-RU"/>
           </a:p>
@@ -2254,7 +2254,7 @@
           <a:p>
             <a:fld id="{F515D3A2-22C3-4007-B598-9B555F861680}" type="datetimeFigureOut">
               <a:rPr lang="ru-RU" smtClean="0"/>
-              <a:t>22.10.2018</a:t>
+              <a:t>23.10.2018</a:t>
             </a:fld>
             <a:endParaRPr lang="ru-RU"/>
           </a:p>
@@ -2507,7 +2507,7 @@
           <a:p>
             <a:fld id="{F515D3A2-22C3-4007-B598-9B555F861680}" type="datetimeFigureOut">
               <a:rPr lang="ru-RU" smtClean="0"/>
-              <a:t>22.10.2018</a:t>
+              <a:t>23.10.2018</a:t>
             </a:fld>
             <a:endParaRPr lang="ru-RU"/>
           </a:p>
@@ -2720,7 +2720,7 @@
           <a:p>
             <a:fld id="{F515D3A2-22C3-4007-B598-9B555F861680}" type="datetimeFigureOut">
               <a:rPr lang="ru-RU" smtClean="0"/>
-              <a:t>22.10.2018</a:t>
+              <a:t>23.10.2018</a:t>
             </a:fld>
             <a:endParaRPr lang="ru-RU"/>
           </a:p>
@@ -4287,7 +4287,7 @@
         </p:nvSpPr>
         <p:spPr bwMode="auto">
           <a:xfrm>
-            <a:off x="451543" y="3762723"/>
+            <a:off x="451543" y="3653043"/>
             <a:ext cx="6840760" cy="6964343"/>
           </a:xfrm>
           <a:prstGeom prst="rect">
@@ -4880,7 +4880,7 @@
         </p:nvSpPr>
         <p:spPr bwMode="auto">
           <a:xfrm>
-            <a:off x="459984" y="10867116"/>
+            <a:off x="459984" y="10628060"/>
             <a:ext cx="6696582" cy="5646996"/>
           </a:xfrm>
           <a:prstGeom prst="rect">
@@ -5363,7 +5363,7 @@
         </p:blipFill>
         <p:spPr bwMode="auto">
           <a:xfrm>
-            <a:off x="1905733" y="16572437"/>
+            <a:off x="1787402" y="15881080"/>
             <a:ext cx="3754437" cy="1382713"/>
           </a:xfrm>
           <a:prstGeom prst="rect">
@@ -5408,8 +5408,8 @@
           </a:extLst>
         </p:spPr>
       </p:pic>
-      <mc:AlternateContent xmlns:mc="http://schemas.openxmlformats.org/markup-compatibility/2006" xmlns:a14="http://schemas.microsoft.com/office/drawing/2010/main">
-        <mc:Choice Requires="a14">
+      <mc:AlternateContent xmlns:mc="http://schemas.openxmlformats.org/markup-compatibility/2006">
+        <mc:Choice xmlns:a14="http://schemas.microsoft.com/office/drawing/2010/main" Requires="a14">
           <p:sp>
             <p:nvSpPr>
               <p:cNvPr id="3" name="TextBox 2"/>
@@ -5418,7 +5418,7 @@
             </p:nvSpPr>
             <p:spPr>
               <a:xfrm>
-                <a:off x="436359" y="17955150"/>
+                <a:off x="410811" y="17088637"/>
                 <a:ext cx="6696582" cy="3091744"/>
               </a:xfrm>
               <a:prstGeom prst="rect">
@@ -5657,7 +5657,7 @@
             </p:txBody>
           </p:sp>
         </mc:Choice>
-        <mc:Fallback xmlns="">
+        <mc:Fallback>
           <p:sp>
             <p:nvSpPr>
               <p:cNvPr id="3" name="TextBox 2"/>
@@ -5668,7 +5668,7 @@
             </p:nvSpPr>
             <p:spPr>
               <a:xfrm>
-                <a:off x="436359" y="17955150"/>
+                <a:off x="410811" y="17088637"/>
                 <a:ext cx="6696582" cy="3091744"/>
               </a:xfrm>
               <a:prstGeom prst="rect">
@@ -5677,7 +5677,7 @@
               <a:blipFill rotWithShape="1">
                 <a:blip r:embed="rId4"/>
                 <a:stretch>
-                  <a:fillRect l="-1457" r="-1457" b="-3543"/>
+                  <a:fillRect l="-1365" r="-1456" b="-3748"/>
                 </a:stretch>
               </a:blipFill>
             </p:spPr>
@@ -5719,7 +5719,7 @@
         </p:blipFill>
         <p:spPr bwMode="auto">
           <a:xfrm>
-            <a:off x="2052500" y="20710152"/>
+            <a:off x="2052500" y="20015621"/>
             <a:ext cx="3511550" cy="1389062"/>
           </a:xfrm>
           <a:prstGeom prst="rect">
@@ -5774,8 +5774,8 @@
         </p:nvSpPr>
         <p:spPr bwMode="auto">
           <a:xfrm>
-            <a:off x="451543" y="21937885"/>
-            <a:ext cx="6662817" cy="894733"/>
+            <a:off x="451543" y="21292214"/>
+            <a:ext cx="6662817" cy="2341283"/>
           </a:xfrm>
           <a:prstGeom prst="rect">
             <a:avLst/>
@@ -6162,41 +6162,53 @@
             </a:lvl9pPr>
           </a:lstStyle>
           <a:p>
+            <a:pPr algn="just"/>
+            <a:r>
+              <a:rPr lang="ru-RU" altLang="ru-RU" sz="2600" dirty="0">
+                <a:solidFill>
+                  <a:srgbClr val="000000"/>
+                </a:solidFill>
+                <a:latin typeface="Times New Roman" pitchFamily="16" charset="0"/>
+                <a:cs typeface="DejaVu Sans" pitchFamily="32" charset="0"/>
+              </a:rPr>
+              <a:t>   </a:t>
+            </a:r>
+            <a:r>
+              <a:rPr lang="ru-RU" altLang="ru-RU" sz="2400" dirty="0">
+                <a:solidFill>
+                  <a:srgbClr val="000000"/>
+                </a:solidFill>
+                <a:latin typeface="Times New Roman" pitchFamily="16" charset="0"/>
+                <a:cs typeface="DejaVu Sans" pitchFamily="32" charset="0"/>
+              </a:rPr>
+              <a:t>Частицы движутся в соответствии с релятивистскими уравнениями </a:t>
+            </a:r>
+            <a:r>
+              <a:rPr lang="ru-RU" altLang="ru-RU" sz="2400" dirty="0" smtClean="0">
+                <a:solidFill>
+                  <a:srgbClr val="000000"/>
+                </a:solidFill>
+                <a:latin typeface="Times New Roman" pitchFamily="16" charset="0"/>
+                <a:cs typeface="DejaVu Sans" pitchFamily="32" charset="0"/>
+              </a:rPr>
+              <a:t>движения. </a:t>
+            </a:r>
+            <a:r>
+              <a:rPr lang="ru-RU" altLang="ru-RU" sz="2400" dirty="0">
+                <a:solidFill>
+                  <a:srgbClr val="000000"/>
+                </a:solidFill>
+                <a:latin typeface="Times New Roman" pitchFamily="16" charset="0"/>
+              </a:rPr>
+              <a:t>Поля рассчитываются по уравнениям Максвелла, с током и плотностью заряда зависящими от координат частиц</a:t>
+            </a:r>
+          </a:p>
+          <a:p>
             <a:pPr algn="just">
               <a:buClrTx/>
               <a:buFontTx/>
               <a:buNone/>
             </a:pPr>
-            <a:r>
-              <a:rPr lang="ru-RU" altLang="ru-RU" sz="2600" dirty="0">
-                <a:solidFill>
-                  <a:srgbClr val="000000"/>
-                </a:solidFill>
-                <a:latin typeface="Times New Roman" pitchFamily="16" charset="0"/>
-                <a:cs typeface="DejaVu Sans" pitchFamily="32" charset="0"/>
-              </a:rPr>
-              <a:t>   </a:t>
-            </a:r>
-            <a:r>
-              <a:rPr lang="ru-RU" altLang="ru-RU" sz="2400" dirty="0">
-                <a:solidFill>
-                  <a:srgbClr val="000000"/>
-                </a:solidFill>
-                <a:latin typeface="Times New Roman" pitchFamily="16" charset="0"/>
-                <a:cs typeface="DejaVu Sans" pitchFamily="32" charset="0"/>
-              </a:rPr>
-              <a:t>Частицы движутся в соответствии с релятивистскими уравнениями </a:t>
-            </a:r>
-            <a:r>
-              <a:rPr lang="ru-RU" altLang="ru-RU" sz="2400" dirty="0" smtClean="0">
-                <a:solidFill>
-                  <a:srgbClr val="000000"/>
-                </a:solidFill>
-                <a:latin typeface="Times New Roman" pitchFamily="16" charset="0"/>
-                <a:cs typeface="DejaVu Sans" pitchFamily="32" charset="0"/>
-              </a:rPr>
-              <a:t>движения</a:t>
-            </a:r>
             <a:endParaRPr lang="ru-RU" altLang="ru-RU" sz="2400" dirty="0">
               <a:solidFill>
                 <a:srgbClr val="000000"/>
@@ -6207,568 +6219,8 @@
           </a:p>
         </p:txBody>
       </p:sp>
-      <p:pic>
-        <p:nvPicPr>
-          <p:cNvPr id="15" name="Picture 60"/>
-          <p:cNvPicPr>
-            <a:picLocks noChangeAspect="1" noChangeArrowheads="1"/>
-          </p:cNvPicPr>
-          <p:nvPr/>
-        </p:nvPicPr>
-        <p:blipFill>
-          <a:blip r:embed="rId6">
-            <a:extLst>
-              <a:ext uri="{28A0092B-C50C-407E-A947-70E740481C1C}">
-                <a14:useLocalDpi xmlns:a14="http://schemas.microsoft.com/office/drawing/2010/main" val="0"/>
-              </a:ext>
-            </a:extLst>
-          </a:blip>
-          <a:srcRect/>
-          <a:stretch>
-            <a:fillRect/>
-          </a:stretch>
-        </p:blipFill>
-        <p:spPr bwMode="auto">
-          <a:xfrm>
-            <a:off x="1799233" y="22832617"/>
-            <a:ext cx="3956050" cy="1895475"/>
-          </a:xfrm>
-          <a:prstGeom prst="rect">
-            <a:avLst/>
-          </a:prstGeom>
-          <a:noFill/>
-          <a:ln>
-            <a:noFill/>
-          </a:ln>
-          <a:effectLst/>
-          <a:extLst>
-            <a:ext uri="{909E8E84-426E-40DD-AFC4-6F175D3DCCD1}">
-              <a14:hiddenFill xmlns:a14="http://schemas.microsoft.com/office/drawing/2010/main">
-                <a:blipFill dpi="0" rotWithShape="0">
-                  <a:blip/>
-                  <a:srcRect/>
-                  <a:stretch>
-                    <a:fillRect/>
-                  </a:stretch>
-                </a:blipFill>
-              </a14:hiddenFill>
-            </a:ext>
-            <a:ext uri="{91240B29-F687-4F45-9708-019B960494DF}">
-              <a14:hiddenLine xmlns:a14="http://schemas.microsoft.com/office/drawing/2010/main" w="9525" cap="flat">
-                <a:solidFill>
-                  <a:srgbClr val="3465A4"/>
-                </a:solidFill>
-                <a:round/>
-                <a:headEnd/>
-                <a:tailEnd/>
-              </a14:hiddenLine>
-            </a:ext>
-            <a:ext uri="{AF507438-7753-43E0-B8FC-AC1667EBCBE1}">
-              <a14:hiddenEffects xmlns:a14="http://schemas.microsoft.com/office/drawing/2010/main">
-                <a:effectLst>
-                  <a:outerShdw dist="35921" dir="2700000" algn="ctr" rotWithShape="0">
-                    <a:srgbClr val="808080"/>
-                  </a:outerShdw>
-                </a:effectLst>
-              </a14:hiddenEffects>
-            </a:ext>
-          </a:extLst>
-        </p:spPr>
-      </p:pic>
-      <p:sp>
-        <p:nvSpPr>
-          <p:cNvPr id="16" name="Text Box 61"/>
-          <p:cNvSpPr txBox="1">
-            <a:spLocks noChangeArrowheads="1"/>
-          </p:cNvSpPr>
-          <p:nvPr/>
-        </p:nvSpPr>
-        <p:spPr bwMode="auto">
-          <a:xfrm>
-            <a:off x="422968" y="24799728"/>
-            <a:ext cx="6713465" cy="1233287"/>
-          </a:xfrm>
-          <a:prstGeom prst="rect">
-            <a:avLst/>
-          </a:prstGeom>
-          <a:noFill/>
-          <a:ln>
-            <a:noFill/>
-          </a:ln>
-          <a:effectLst/>
-          <a:extLst>
-            <a:ext uri="{909E8E84-426E-40DD-AFC4-6F175D3DCCD1}">
-              <a14:hiddenFill xmlns:a14="http://schemas.microsoft.com/office/drawing/2010/main">
-                <a:solidFill>
-                  <a:srgbClr val="FFFFFF"/>
-                </a:solidFill>
-              </a14:hiddenFill>
-            </a:ext>
-            <a:ext uri="{91240B29-F687-4F45-9708-019B960494DF}">
-              <a14:hiddenLine xmlns:a14="http://schemas.microsoft.com/office/drawing/2010/main" w="9525" cap="flat">
-                <a:solidFill>
-                  <a:srgbClr val="3465A4"/>
-                </a:solidFill>
-                <a:round/>
-                <a:headEnd/>
-                <a:tailEnd/>
-              </a14:hiddenLine>
-            </a:ext>
-            <a:ext uri="{AF507438-7753-43E0-B8FC-AC1667EBCBE1}">
-              <a14:hiddenEffects xmlns:a14="http://schemas.microsoft.com/office/drawing/2010/main">
-                <a:effectLst>
-                  <a:outerShdw dist="35921" dir="2700000" algn="ctr" rotWithShape="0">
-                    <a:srgbClr val="808080"/>
-                  </a:outerShdw>
-                </a:effectLst>
-              </a14:hiddenEffects>
-            </a:ext>
-          </a:extLst>
-        </p:spPr>
-        <p:txBody>
-          <a:bodyPr wrap="square" lIns="90000" tIns="46800" rIns="90000" bIns="46800">
-            <a:spAutoFit/>
-          </a:bodyPr>
-          <a:lstStyle>
-            <a:lvl1pPr>
-              <a:tabLst>
-                <a:tab pos="0" algn="l"/>
-                <a:tab pos="457200" algn="l"/>
-                <a:tab pos="914400" algn="l"/>
-                <a:tab pos="1371600" algn="l"/>
-                <a:tab pos="1828800" algn="l"/>
-                <a:tab pos="2286000" algn="l"/>
-                <a:tab pos="2743200" algn="l"/>
-                <a:tab pos="3200400" algn="l"/>
-                <a:tab pos="3657600" algn="l"/>
-                <a:tab pos="4114800" algn="l"/>
-                <a:tab pos="4572000" algn="l"/>
-                <a:tab pos="5029200" algn="l"/>
-                <a:tab pos="5486400" algn="l"/>
-                <a:tab pos="5943600" algn="l"/>
-                <a:tab pos="6400800" algn="l"/>
-                <a:tab pos="6858000" algn="l"/>
-                <a:tab pos="7315200" algn="l"/>
-                <a:tab pos="7772400" algn="l"/>
-                <a:tab pos="8229600" algn="l"/>
-                <a:tab pos="8686800" algn="l"/>
-                <a:tab pos="9144000" algn="l"/>
-              </a:tabLst>
-              <a:defRPr sz="3200">
-                <a:solidFill>
-                  <a:srgbClr val="FFFFFF"/>
-                </a:solidFill>
-                <a:latin typeface="Arial" charset="0"/>
-                <a:ea typeface="Droid Sans Fallback" charset="0"/>
-                <a:cs typeface="Droid Sans Fallback" charset="0"/>
-              </a:defRPr>
-            </a:lvl1pPr>
-            <a:lvl2pPr>
-              <a:tabLst>
-                <a:tab pos="0" algn="l"/>
-                <a:tab pos="457200" algn="l"/>
-                <a:tab pos="914400" algn="l"/>
-                <a:tab pos="1371600" algn="l"/>
-                <a:tab pos="1828800" algn="l"/>
-                <a:tab pos="2286000" algn="l"/>
-                <a:tab pos="2743200" algn="l"/>
-                <a:tab pos="3200400" algn="l"/>
-                <a:tab pos="3657600" algn="l"/>
-                <a:tab pos="4114800" algn="l"/>
-                <a:tab pos="4572000" algn="l"/>
-                <a:tab pos="5029200" algn="l"/>
-                <a:tab pos="5486400" algn="l"/>
-                <a:tab pos="5943600" algn="l"/>
-                <a:tab pos="6400800" algn="l"/>
-                <a:tab pos="6858000" algn="l"/>
-                <a:tab pos="7315200" algn="l"/>
-                <a:tab pos="7772400" algn="l"/>
-                <a:tab pos="8229600" algn="l"/>
-                <a:tab pos="8686800" algn="l"/>
-                <a:tab pos="9144000" algn="l"/>
-              </a:tabLst>
-              <a:defRPr sz="3200">
-                <a:solidFill>
-                  <a:srgbClr val="FFFFFF"/>
-                </a:solidFill>
-                <a:latin typeface="Arial" charset="0"/>
-                <a:ea typeface="Droid Sans Fallback" charset="0"/>
-                <a:cs typeface="Droid Sans Fallback" charset="0"/>
-              </a:defRPr>
-            </a:lvl2pPr>
-            <a:lvl3pPr>
-              <a:tabLst>
-                <a:tab pos="0" algn="l"/>
-                <a:tab pos="457200" algn="l"/>
-                <a:tab pos="914400" algn="l"/>
-                <a:tab pos="1371600" algn="l"/>
-                <a:tab pos="1828800" algn="l"/>
-                <a:tab pos="2286000" algn="l"/>
-                <a:tab pos="2743200" algn="l"/>
-                <a:tab pos="3200400" algn="l"/>
-                <a:tab pos="3657600" algn="l"/>
-                <a:tab pos="4114800" algn="l"/>
-                <a:tab pos="4572000" algn="l"/>
-                <a:tab pos="5029200" algn="l"/>
-                <a:tab pos="5486400" algn="l"/>
-                <a:tab pos="5943600" algn="l"/>
-                <a:tab pos="6400800" algn="l"/>
-                <a:tab pos="6858000" algn="l"/>
-                <a:tab pos="7315200" algn="l"/>
-                <a:tab pos="7772400" algn="l"/>
-                <a:tab pos="8229600" algn="l"/>
-                <a:tab pos="8686800" algn="l"/>
-                <a:tab pos="9144000" algn="l"/>
-              </a:tabLst>
-              <a:defRPr sz="3200">
-                <a:solidFill>
-                  <a:srgbClr val="FFFFFF"/>
-                </a:solidFill>
-                <a:latin typeface="Arial" charset="0"/>
-                <a:ea typeface="Droid Sans Fallback" charset="0"/>
-                <a:cs typeface="Droid Sans Fallback" charset="0"/>
-              </a:defRPr>
-            </a:lvl3pPr>
-            <a:lvl4pPr>
-              <a:tabLst>
-                <a:tab pos="0" algn="l"/>
-                <a:tab pos="457200" algn="l"/>
-                <a:tab pos="914400" algn="l"/>
-                <a:tab pos="1371600" algn="l"/>
-                <a:tab pos="1828800" algn="l"/>
-                <a:tab pos="2286000" algn="l"/>
-                <a:tab pos="2743200" algn="l"/>
-                <a:tab pos="3200400" algn="l"/>
-                <a:tab pos="3657600" algn="l"/>
-                <a:tab pos="4114800" algn="l"/>
-                <a:tab pos="4572000" algn="l"/>
-                <a:tab pos="5029200" algn="l"/>
-                <a:tab pos="5486400" algn="l"/>
-                <a:tab pos="5943600" algn="l"/>
-                <a:tab pos="6400800" algn="l"/>
-                <a:tab pos="6858000" algn="l"/>
-                <a:tab pos="7315200" algn="l"/>
-                <a:tab pos="7772400" algn="l"/>
-                <a:tab pos="8229600" algn="l"/>
-                <a:tab pos="8686800" algn="l"/>
-                <a:tab pos="9144000" algn="l"/>
-              </a:tabLst>
-              <a:defRPr sz="3200">
-                <a:solidFill>
-                  <a:srgbClr val="FFFFFF"/>
-                </a:solidFill>
-                <a:latin typeface="Arial" charset="0"/>
-                <a:ea typeface="Droid Sans Fallback" charset="0"/>
-                <a:cs typeface="Droid Sans Fallback" charset="0"/>
-              </a:defRPr>
-            </a:lvl4pPr>
-            <a:lvl5pPr>
-              <a:tabLst>
-                <a:tab pos="0" algn="l"/>
-                <a:tab pos="457200" algn="l"/>
-                <a:tab pos="914400" algn="l"/>
-                <a:tab pos="1371600" algn="l"/>
-                <a:tab pos="1828800" algn="l"/>
-                <a:tab pos="2286000" algn="l"/>
-                <a:tab pos="2743200" algn="l"/>
-                <a:tab pos="3200400" algn="l"/>
-                <a:tab pos="3657600" algn="l"/>
-                <a:tab pos="4114800" algn="l"/>
-                <a:tab pos="4572000" algn="l"/>
-                <a:tab pos="5029200" algn="l"/>
-                <a:tab pos="5486400" algn="l"/>
-                <a:tab pos="5943600" algn="l"/>
-                <a:tab pos="6400800" algn="l"/>
-                <a:tab pos="6858000" algn="l"/>
-                <a:tab pos="7315200" algn="l"/>
-                <a:tab pos="7772400" algn="l"/>
-                <a:tab pos="8229600" algn="l"/>
-                <a:tab pos="8686800" algn="l"/>
-                <a:tab pos="9144000" algn="l"/>
-              </a:tabLst>
-              <a:defRPr sz="3200">
-                <a:solidFill>
-                  <a:srgbClr val="FFFFFF"/>
-                </a:solidFill>
-                <a:latin typeface="Arial" charset="0"/>
-                <a:ea typeface="Droid Sans Fallback" charset="0"/>
-                <a:cs typeface="Droid Sans Fallback" charset="0"/>
-              </a:defRPr>
-            </a:lvl5pPr>
-            <a:lvl6pPr marL="2514600" indent="-228600" defTabSz="457200" fontAlgn="base">
-              <a:spcBef>
-                <a:spcPct val="0"/>
-              </a:spcBef>
-              <a:spcAft>
-                <a:spcPct val="0"/>
-              </a:spcAft>
-              <a:buClr>
-                <a:srgbClr val="000000"/>
-              </a:buClr>
-              <a:buSzPct val="100000"/>
-              <a:buFont typeface="Times New Roman" pitchFamily="16" charset="0"/>
-              <a:tabLst>
-                <a:tab pos="0" algn="l"/>
-                <a:tab pos="457200" algn="l"/>
-                <a:tab pos="914400" algn="l"/>
-                <a:tab pos="1371600" algn="l"/>
-                <a:tab pos="1828800" algn="l"/>
-                <a:tab pos="2286000" algn="l"/>
-                <a:tab pos="2743200" algn="l"/>
-                <a:tab pos="3200400" algn="l"/>
-                <a:tab pos="3657600" algn="l"/>
-                <a:tab pos="4114800" algn="l"/>
-                <a:tab pos="4572000" algn="l"/>
-                <a:tab pos="5029200" algn="l"/>
-                <a:tab pos="5486400" algn="l"/>
-                <a:tab pos="5943600" algn="l"/>
-                <a:tab pos="6400800" algn="l"/>
-                <a:tab pos="6858000" algn="l"/>
-                <a:tab pos="7315200" algn="l"/>
-                <a:tab pos="7772400" algn="l"/>
-                <a:tab pos="8229600" algn="l"/>
-                <a:tab pos="8686800" algn="l"/>
-                <a:tab pos="9144000" algn="l"/>
-              </a:tabLst>
-              <a:defRPr sz="3200">
-                <a:solidFill>
-                  <a:srgbClr val="FFFFFF"/>
-                </a:solidFill>
-                <a:latin typeface="Arial" charset="0"/>
-                <a:ea typeface="Droid Sans Fallback" charset="0"/>
-                <a:cs typeface="Droid Sans Fallback" charset="0"/>
-              </a:defRPr>
-            </a:lvl6pPr>
-            <a:lvl7pPr marL="2971800" indent="-228600" defTabSz="457200" fontAlgn="base">
-              <a:spcBef>
-                <a:spcPct val="0"/>
-              </a:spcBef>
-              <a:spcAft>
-                <a:spcPct val="0"/>
-              </a:spcAft>
-              <a:buClr>
-                <a:srgbClr val="000000"/>
-              </a:buClr>
-              <a:buSzPct val="100000"/>
-              <a:buFont typeface="Times New Roman" pitchFamily="16" charset="0"/>
-              <a:tabLst>
-                <a:tab pos="0" algn="l"/>
-                <a:tab pos="457200" algn="l"/>
-                <a:tab pos="914400" algn="l"/>
-                <a:tab pos="1371600" algn="l"/>
-                <a:tab pos="1828800" algn="l"/>
-                <a:tab pos="2286000" algn="l"/>
-                <a:tab pos="2743200" algn="l"/>
-                <a:tab pos="3200400" algn="l"/>
-                <a:tab pos="3657600" algn="l"/>
-                <a:tab pos="4114800" algn="l"/>
-                <a:tab pos="4572000" algn="l"/>
-                <a:tab pos="5029200" algn="l"/>
-                <a:tab pos="5486400" algn="l"/>
-                <a:tab pos="5943600" algn="l"/>
-                <a:tab pos="6400800" algn="l"/>
-                <a:tab pos="6858000" algn="l"/>
-                <a:tab pos="7315200" algn="l"/>
-                <a:tab pos="7772400" algn="l"/>
-                <a:tab pos="8229600" algn="l"/>
-                <a:tab pos="8686800" algn="l"/>
-                <a:tab pos="9144000" algn="l"/>
-              </a:tabLst>
-              <a:defRPr sz="3200">
-                <a:solidFill>
-                  <a:srgbClr val="FFFFFF"/>
-                </a:solidFill>
-                <a:latin typeface="Arial" charset="0"/>
-                <a:ea typeface="Droid Sans Fallback" charset="0"/>
-                <a:cs typeface="Droid Sans Fallback" charset="0"/>
-              </a:defRPr>
-            </a:lvl7pPr>
-            <a:lvl8pPr marL="3429000" indent="-228600" defTabSz="457200" fontAlgn="base">
-              <a:spcBef>
-                <a:spcPct val="0"/>
-              </a:spcBef>
-              <a:spcAft>
-                <a:spcPct val="0"/>
-              </a:spcAft>
-              <a:buClr>
-                <a:srgbClr val="000000"/>
-              </a:buClr>
-              <a:buSzPct val="100000"/>
-              <a:buFont typeface="Times New Roman" pitchFamily="16" charset="0"/>
-              <a:tabLst>
-                <a:tab pos="0" algn="l"/>
-                <a:tab pos="457200" algn="l"/>
-                <a:tab pos="914400" algn="l"/>
-                <a:tab pos="1371600" algn="l"/>
-                <a:tab pos="1828800" algn="l"/>
-                <a:tab pos="2286000" algn="l"/>
-                <a:tab pos="2743200" algn="l"/>
-                <a:tab pos="3200400" algn="l"/>
-                <a:tab pos="3657600" algn="l"/>
-                <a:tab pos="4114800" algn="l"/>
-                <a:tab pos="4572000" algn="l"/>
-                <a:tab pos="5029200" algn="l"/>
-                <a:tab pos="5486400" algn="l"/>
-                <a:tab pos="5943600" algn="l"/>
-                <a:tab pos="6400800" algn="l"/>
-                <a:tab pos="6858000" algn="l"/>
-                <a:tab pos="7315200" algn="l"/>
-                <a:tab pos="7772400" algn="l"/>
-                <a:tab pos="8229600" algn="l"/>
-                <a:tab pos="8686800" algn="l"/>
-                <a:tab pos="9144000" algn="l"/>
-              </a:tabLst>
-              <a:defRPr sz="3200">
-                <a:solidFill>
-                  <a:srgbClr val="FFFFFF"/>
-                </a:solidFill>
-                <a:latin typeface="Arial" charset="0"/>
-                <a:ea typeface="Droid Sans Fallback" charset="0"/>
-                <a:cs typeface="Droid Sans Fallback" charset="0"/>
-              </a:defRPr>
-            </a:lvl8pPr>
-            <a:lvl9pPr marL="3886200" indent="-228600" defTabSz="457200" fontAlgn="base">
-              <a:spcBef>
-                <a:spcPct val="0"/>
-              </a:spcBef>
-              <a:spcAft>
-                <a:spcPct val="0"/>
-              </a:spcAft>
-              <a:buClr>
-                <a:srgbClr val="000000"/>
-              </a:buClr>
-              <a:buSzPct val="100000"/>
-              <a:buFont typeface="Times New Roman" pitchFamily="16" charset="0"/>
-              <a:tabLst>
-                <a:tab pos="0" algn="l"/>
-                <a:tab pos="457200" algn="l"/>
-                <a:tab pos="914400" algn="l"/>
-                <a:tab pos="1371600" algn="l"/>
-                <a:tab pos="1828800" algn="l"/>
-                <a:tab pos="2286000" algn="l"/>
-                <a:tab pos="2743200" algn="l"/>
-                <a:tab pos="3200400" algn="l"/>
-                <a:tab pos="3657600" algn="l"/>
-                <a:tab pos="4114800" algn="l"/>
-                <a:tab pos="4572000" algn="l"/>
-                <a:tab pos="5029200" algn="l"/>
-                <a:tab pos="5486400" algn="l"/>
-                <a:tab pos="5943600" algn="l"/>
-                <a:tab pos="6400800" algn="l"/>
-                <a:tab pos="6858000" algn="l"/>
-                <a:tab pos="7315200" algn="l"/>
-                <a:tab pos="7772400" algn="l"/>
-                <a:tab pos="8229600" algn="l"/>
-                <a:tab pos="8686800" algn="l"/>
-                <a:tab pos="9144000" algn="l"/>
-              </a:tabLst>
-              <a:defRPr sz="3200">
-                <a:solidFill>
-                  <a:srgbClr val="FFFFFF"/>
-                </a:solidFill>
-                <a:latin typeface="Arial" charset="0"/>
-                <a:ea typeface="Droid Sans Fallback" charset="0"/>
-                <a:cs typeface="Droid Sans Fallback" charset="0"/>
-              </a:defRPr>
-            </a:lvl9pPr>
-          </a:lstStyle>
-          <a:p>
-            <a:pPr algn="just">
-              <a:buClrTx/>
-              <a:buFontTx/>
-              <a:buNone/>
-            </a:pPr>
-            <a:r>
-              <a:rPr lang="ru-RU" altLang="ru-RU" sz="2600" dirty="0">
-                <a:solidFill>
-                  <a:srgbClr val="000000"/>
-                </a:solidFill>
-                <a:latin typeface="Times New Roman" pitchFamily="16" charset="0"/>
-              </a:rPr>
-              <a:t>   </a:t>
-            </a:r>
-            <a:r>
-              <a:rPr lang="ru-RU" altLang="ru-RU" sz="2400" dirty="0">
-                <a:solidFill>
-                  <a:srgbClr val="000000"/>
-                </a:solidFill>
-                <a:latin typeface="Times New Roman" pitchFamily="16" charset="0"/>
-              </a:rPr>
-              <a:t>Поля рассчитываются по уравнениям Максвелла, с током и плотностью заряда зависящими от координат частиц</a:t>
-            </a:r>
-          </a:p>
-        </p:txBody>
-      </p:sp>
-      <p:pic>
-        <p:nvPicPr>
-          <p:cNvPr id="17" name="Picture 26"/>
-          <p:cNvPicPr>
-            <a:picLocks noChangeAspect="1" noChangeArrowheads="1"/>
-          </p:cNvPicPr>
-          <p:nvPr/>
-        </p:nvPicPr>
-        <p:blipFill>
-          <a:blip r:embed="rId7">
-            <a:extLst>
-              <a:ext uri="{28A0092B-C50C-407E-A947-70E740481C1C}">
-                <a14:useLocalDpi xmlns:a14="http://schemas.microsoft.com/office/drawing/2010/main" val="0"/>
-              </a:ext>
-            </a:extLst>
-          </a:blip>
-          <a:srcRect/>
-          <a:stretch>
-            <a:fillRect/>
-          </a:stretch>
-        </p:blipFill>
-        <p:spPr bwMode="auto">
-          <a:xfrm>
-            <a:off x="1799233" y="26033015"/>
-            <a:ext cx="3463925" cy="2224087"/>
-          </a:xfrm>
-          <a:prstGeom prst="rect">
-            <a:avLst/>
-          </a:prstGeom>
-          <a:noFill/>
-          <a:ln>
-            <a:noFill/>
-          </a:ln>
-          <a:effectLst/>
-          <a:extLst>
-            <a:ext uri="{909E8E84-426E-40DD-AFC4-6F175D3DCCD1}">
-              <a14:hiddenFill xmlns:a14="http://schemas.microsoft.com/office/drawing/2010/main">
-                <a:blipFill dpi="0" rotWithShape="0">
-                  <a:blip/>
-                  <a:srcRect/>
-                  <a:stretch>
-                    <a:fillRect/>
-                  </a:stretch>
-                </a:blipFill>
-              </a14:hiddenFill>
-            </a:ext>
-            <a:ext uri="{91240B29-F687-4F45-9708-019B960494DF}">
-              <a14:hiddenLine xmlns:a14="http://schemas.microsoft.com/office/drawing/2010/main" w="9525" cap="flat">
-                <a:solidFill>
-                  <a:srgbClr val="3465A4"/>
-                </a:solidFill>
-                <a:round/>
-                <a:headEnd/>
-                <a:tailEnd/>
-              </a14:hiddenLine>
-            </a:ext>
-            <a:ext uri="{AF507438-7753-43E0-B8FC-AC1667EBCBE1}">
-              <a14:hiddenEffects xmlns:a14="http://schemas.microsoft.com/office/drawing/2010/main">
-                <a:effectLst>
-                  <a:outerShdw dist="35921" dir="2700000" algn="ctr" rotWithShape="0">
-                    <a:srgbClr val="808080"/>
-                  </a:outerShdw>
-                </a:effectLst>
-              </a14:hiddenEffects>
-            </a:ext>
-          </a:extLst>
-        </p:spPr>
-      </p:pic>
-      <mc:AlternateContent xmlns:mc="http://schemas.openxmlformats.org/markup-compatibility/2006" xmlns:a14="http://schemas.microsoft.com/office/drawing/2010/main">
-        <mc:Choice Requires="a14">
+      <mc:AlternateContent xmlns:mc="http://schemas.openxmlformats.org/markup-compatibility/2006">
+        <mc:Choice xmlns:a14="http://schemas.microsoft.com/office/drawing/2010/main" Requires="a14">
           <p:sp>
             <p:nvSpPr>
               <p:cNvPr id="18" name="TextBox 17"/>
@@ -6777,8 +6229,8 @@
             </p:nvSpPr>
             <p:spPr>
               <a:xfrm>
-                <a:off x="7275402" y="3788352"/>
-                <a:ext cx="6840760" cy="5244705"/>
+                <a:off x="459984" y="23383161"/>
+                <a:ext cx="6647409" cy="5588196"/>
               </a:xfrm>
               <a:prstGeom prst="rect">
                 <a:avLst/>
@@ -7129,14 +6581,24 @@
                   <a:t> и явная предложенная </a:t>
                 </a:r>
                 <a:r>
-                  <a:rPr lang="ru-RU" altLang="ru-RU" sz="2400" dirty="0" err="1" smtClean="0">
+                  <a:rPr lang="en-US" altLang="ru-RU" sz="2400" dirty="0" err="1" smtClean="0">
                     <a:solidFill>
                       <a:srgbClr val="000000"/>
                     </a:solidFill>
                     <a:latin typeface="Times New Roman" pitchFamily="16" charset="0"/>
                     <a:cs typeface="DejaVu Sans" charset="0"/>
                   </a:rPr>
-                  <a:t>бунеманом</a:t>
+                  <a:t>Buneman</a:t>
+                </a:r>
+                <a:r>
+                  <a:rPr lang="en-US" altLang="ru-RU" sz="2400" dirty="0" smtClean="0">
+                    <a:solidFill>
+                      <a:srgbClr val="000000"/>
+                    </a:solidFill>
+                    <a:latin typeface="Times New Roman" pitchFamily="16" charset="0"/>
+                    <a:cs typeface="DejaVu Sans" charset="0"/>
+                  </a:rPr>
+                  <a:t>[3]</a:t>
                 </a:r>
                 <a:r>
                   <a:rPr lang="ru-RU" altLang="ru-RU" sz="2400" dirty="0" smtClean="0">
@@ -7149,14 +6611,44 @@
                   <a:t>, </a:t>
                 </a:r>
                 <a:r>
-                  <a:rPr lang="ru-RU" altLang="ru-RU" sz="2400" dirty="0" err="1" smtClean="0">
+                  <a:rPr lang="en-US" altLang="ru-RU" sz="2400" dirty="0" err="1" smtClean="0">
                     <a:solidFill>
                       <a:srgbClr val="000000"/>
                     </a:solidFill>
                     <a:latin typeface="Times New Roman" pitchFamily="16" charset="0"/>
                     <a:cs typeface="DejaVu Sans" charset="0"/>
                   </a:rPr>
-                  <a:t>спитковским</a:t>
+                  <a:t>Sironi</a:t>
+                </a:r>
+                <a:r>
+                  <a:rPr lang="en-US" altLang="ru-RU" sz="2400" dirty="0" smtClean="0">
+                    <a:solidFill>
+                      <a:srgbClr val="000000"/>
+                    </a:solidFill>
+                    <a:latin typeface="Times New Roman" pitchFamily="16" charset="0"/>
+                    <a:cs typeface="DejaVu Sans" charset="0"/>
+                  </a:rPr>
+                  <a:t>, </a:t>
+                </a:r>
+                <a:r>
+                  <a:rPr lang="en-US" altLang="ru-RU" sz="2400" dirty="0" err="1" smtClean="0">
+                    <a:solidFill>
+                      <a:srgbClr val="000000"/>
+                    </a:solidFill>
+                    <a:latin typeface="Times New Roman" pitchFamily="16" charset="0"/>
+                    <a:cs typeface="DejaVu Sans" charset="0"/>
+                  </a:rPr>
+                  <a:t>Spitkovsky</a:t>
+                </a:r>
+                <a:r>
+                  <a:rPr lang="en-US" altLang="ru-RU" sz="2400" dirty="0" smtClean="0">
+                    <a:solidFill>
+                      <a:srgbClr val="000000"/>
+                    </a:solidFill>
+                    <a:latin typeface="Times New Roman" pitchFamily="16" charset="0"/>
+                    <a:cs typeface="DejaVu Sans" charset="0"/>
+                  </a:rPr>
+                  <a:t> et al.[4]</a:t>
                 </a:r>
                 <a:r>
                   <a:rPr lang="ru-RU" altLang="ru-RU" sz="2400" dirty="0" smtClean="0">
@@ -7434,6 +6926,46 @@
                   </a:rPr>
                   <a:t>mp</a:t>
                 </a:r>
+                <a:r>
+                  <a:rPr lang="ru-RU" altLang="ru-RU" sz="2400" dirty="0" smtClean="0">
+                    <a:solidFill>
+                      <a:srgbClr val="000000"/>
+                    </a:solidFill>
+                    <a:latin typeface="Times New Roman" pitchFamily="16" charset="0"/>
+                    <a:cs typeface="DejaVu Sans" charset="0"/>
+                  </a:rPr>
+                  <a:t>, разработанного </a:t>
+                </a:r>
+                <a:r>
+                  <a:rPr lang="en-US" altLang="ru-RU" sz="2400" dirty="0" err="1" smtClean="0">
+                    <a:solidFill>
+                      <a:srgbClr val="000000"/>
+                    </a:solidFill>
+                    <a:latin typeface="Times New Roman" pitchFamily="16" charset="0"/>
+                    <a:cs typeface="DejaVu Sans" charset="0"/>
+                  </a:rPr>
+                  <a:t>Spitkovsky</a:t>
+                </a:r>
+                <a:r>
+                  <a:rPr lang="en-US" altLang="ru-RU" sz="2400" dirty="0" smtClean="0">
+                    <a:solidFill>
+                      <a:srgbClr val="000000"/>
+                    </a:solidFill>
+                    <a:latin typeface="Times New Roman" pitchFamily="16" charset="0"/>
+                    <a:cs typeface="DejaVu Sans" charset="0"/>
+                  </a:rPr>
+                  <a:t> </a:t>
+                </a:r>
+                <a:r>
+                  <a:rPr lang="ru-RU" altLang="ru-RU" sz="2400" dirty="0" smtClean="0">
+                    <a:solidFill>
+                      <a:srgbClr val="000000"/>
+                    </a:solidFill>
+                    <a:latin typeface="Times New Roman" pitchFamily="16" charset="0"/>
+                    <a:cs typeface="DejaVu Sans" charset="0"/>
+                  </a:rPr>
+                  <a:t>и другими</a:t>
+                </a:r>
                 <a:endParaRPr lang="en-US" altLang="ru-RU" sz="2400" dirty="0" smtClean="0">
                   <a:solidFill>
                     <a:srgbClr val="000000"/>
@@ -7445,7 +6977,7 @@
             </p:txBody>
           </p:sp>
         </mc:Choice>
-        <mc:Fallback xmlns="">
+        <mc:Fallback>
           <p:sp>
             <p:nvSpPr>
               <p:cNvPr id="18" name="TextBox 17"/>
@@ -7456,16 +6988,16 @@
             </p:nvSpPr>
             <p:spPr>
               <a:xfrm>
-                <a:off x="7275402" y="3788352"/>
-                <a:ext cx="6840760" cy="5244705"/>
+                <a:off x="459984" y="23383161"/>
+                <a:ext cx="6647409" cy="5588196"/>
               </a:xfrm>
               <a:prstGeom prst="rect">
                 <a:avLst/>
               </a:prstGeom>
               <a:blipFill rotWithShape="1">
-                <a:blip r:embed="rId8"/>
+                <a:blip r:embed="rId6"/>
                 <a:stretch>
-                  <a:fillRect l="-267" t="-1394" b="-1626"/>
+                  <a:fillRect l="-275" t="-1309" r="-2383" b="-1527"/>
                 </a:stretch>
               </a:blipFill>
             </p:spPr>
@@ -7492,8 +7024,8 @@
         </p:nvSpPr>
         <p:spPr>
           <a:xfrm>
-            <a:off x="7292303" y="9270656"/>
-            <a:ext cx="6651161" cy="4154984"/>
+            <a:off x="7292303" y="3781695"/>
+            <a:ext cx="7034009" cy="3785652"/>
           </a:xfrm>
           <a:prstGeom prst="rect">
             <a:avLst/>
@@ -7569,8 +7101,8 @@
             </p:nvSpPr>
             <p:spPr>
               <a:xfrm>
-                <a:off x="7361036" y="17110430"/>
-                <a:ext cx="6651159" cy="5824158"/>
+                <a:off x="7314383" y="10458698"/>
+                <a:ext cx="7011929" cy="5419625"/>
               </a:xfrm>
               <a:prstGeom prst="rect">
                 <a:avLst/>
@@ -7591,6 +7123,13 @@
                   <a:t>  Мы рассматривали </a:t>
                 </a:r>
                 <a:r>
+                  <a:rPr lang="ru-RU" sz="2400" dirty="0" smtClean="0">
+                    <a:latin typeface="Times New Roman" panose="02020603050405020304" pitchFamily="18" charset="0"/>
+                    <a:cs typeface="Times New Roman" panose="02020603050405020304" pitchFamily="18" charset="0"/>
+                  </a:rPr>
+                  <a:t>двумерные </a:t>
+                </a:r>
+                <a:r>
                   <a:rPr lang="ru-RU" sz="2400" dirty="0" err="1" smtClean="0">
                     <a:latin typeface="Times New Roman" panose="02020603050405020304" pitchFamily="18" charset="0"/>
                     <a:cs typeface="Times New Roman" panose="02020603050405020304" pitchFamily="18" charset="0"/>
@@ -7602,7 +7141,14 @@
                     <a:latin typeface="Times New Roman" panose="02020603050405020304" pitchFamily="18" charset="0"/>
                     <a:cs typeface="Times New Roman" panose="02020603050405020304" pitchFamily="18" charset="0"/>
                   </a:rPr>
-                  <a:t> потоки плазмы с </a:t>
+                  <a:t> </a:t>
+                </a:r>
+                <a:r>
+                  <a:rPr lang="ru-RU" sz="2400" dirty="0" smtClean="0">
+                    <a:latin typeface="Times New Roman" panose="02020603050405020304" pitchFamily="18" charset="0"/>
+                    <a:cs typeface="Times New Roman" panose="02020603050405020304" pitchFamily="18" charset="0"/>
+                  </a:rPr>
+                  <a:t>потоки плазмы с </a:t>
                 </a:r>
                 <a:r>
                   <a:rPr lang="ru-RU" sz="2400" dirty="0" err="1" smtClean="0">
@@ -7643,21 +7189,7 @@
                     <a:latin typeface="Times New Roman" panose="02020603050405020304" pitchFamily="18" charset="0"/>
                     <a:cs typeface="Times New Roman" panose="02020603050405020304" pitchFamily="18" charset="0"/>
                   </a:rPr>
-                  <a:t> и различными углами между векторами скорости и магнитного поля. Набегающий поток плазмы имеет следующие параметры</a:t>
-                </a:r>
-                <a:r>
-                  <a:rPr lang="ru-RU" sz="2400" dirty="0" smtClean="0">
-                    <a:latin typeface="Times New Roman" panose="02020603050405020304" pitchFamily="18" charset="0"/>
-                    <a:cs typeface="Times New Roman" panose="02020603050405020304" pitchFamily="18" charset="0"/>
-                  </a:rPr>
-                  <a:t>:, </a:t>
-                </a:r>
-                <a:r>
-                  <a:rPr lang="ru-RU" sz="2400" dirty="0" smtClean="0">
-                    <a:latin typeface="Times New Roman" panose="02020603050405020304" pitchFamily="18" charset="0"/>
-                    <a:cs typeface="Times New Roman" panose="02020603050405020304" pitchFamily="18" charset="0"/>
-                  </a:rPr>
-                  <a:t>температура </a:t>
+                  <a:t> и различными углами между векторами скорости и магнитного поля. Набегающий поток плазмы имеет следующие параметры:, температура </a:t>
                 </a:r>
                 <a14:m>
                   <m:oMath xmlns:m="http://schemas.openxmlformats.org/officeDocument/2006/math">
@@ -8233,16 +7765,16 @@
             </p:nvSpPr>
             <p:spPr>
               <a:xfrm>
-                <a:off x="7361036" y="17110430"/>
-                <a:ext cx="6651159" cy="5824158"/>
+                <a:off x="7314383" y="10458698"/>
+                <a:ext cx="7011929" cy="5419625"/>
               </a:xfrm>
               <a:prstGeom prst="rect">
                 <a:avLst/>
               </a:prstGeom>
               <a:blipFill rotWithShape="1">
-                <a:blip r:embed="rId9"/>
+                <a:blip r:embed="rId7"/>
                 <a:stretch>
-                  <a:fillRect l="-1467" t="-838" r="-2016" b="-1466"/>
+                  <a:fillRect l="-1391" t="-900" r="-1739" b="-1687"/>
                 </a:stretch>
               </a:blipFill>
             </p:spPr>
@@ -8269,8 +7801,8 @@
         </p:nvSpPr>
         <p:spPr>
           <a:xfrm>
-            <a:off x="14268559" y="3788352"/>
-            <a:ext cx="6322952" cy="2308324"/>
+            <a:off x="7305788" y="15947798"/>
+            <a:ext cx="6830520" cy="2308324"/>
           </a:xfrm>
           <a:prstGeom prst="rect">
             <a:avLst/>
@@ -8328,7 +7860,7 @@
           <p:nvPr/>
         </p:nvPicPr>
         <p:blipFill>
-          <a:blip r:embed="rId10" cstate="print">
+          <a:blip r:embed="rId8" cstate="print">
             <a:extLst>
               <a:ext uri="{28A0092B-C50C-407E-A947-70E740481C1C}">
                 <a14:useLocalDpi xmlns:a14="http://schemas.microsoft.com/office/drawing/2010/main" val="0"/>
@@ -8341,70 +7873,358 @@
         </p:blipFill>
         <p:spPr>
           <a:xfrm>
-            <a:off x="14146374" y="6760427"/>
-            <a:ext cx="6696750" cy="4910950"/>
+            <a:off x="7439524" y="18286404"/>
+            <a:ext cx="6356715" cy="4661591"/>
           </a:xfrm>
           <a:prstGeom prst="rect">
             <a:avLst/>
           </a:prstGeom>
         </p:spPr>
       </p:pic>
-      <p:sp>
-        <p:nvSpPr>
-          <p:cNvPr id="32" name="TextBox 31"/>
-          <p:cNvSpPr txBox="1"/>
-          <p:nvPr/>
-        </p:nvSpPr>
-        <p:spPr>
-          <a:xfrm>
-            <a:off x="14162971" y="12120955"/>
-            <a:ext cx="6800354" cy="1569660"/>
-          </a:xfrm>
-          <a:prstGeom prst="rect">
-            <a:avLst/>
-          </a:prstGeom>
-          <a:noFill/>
-        </p:spPr>
-        <p:txBody>
-          <a:bodyPr wrap="square" rtlCol="0">
-            <a:spAutoFit/>
-          </a:bodyPr>
-          <a:lstStyle/>
-          <a:p>
-            <a:pPr algn="ctr"/>
-            <a:r>
-              <a:rPr lang="ru-RU" sz="2400" b="1" dirty="0" smtClean="0">
-                <a:latin typeface="Times New Roman" panose="02020603050405020304" pitchFamily="18" charset="0"/>
-                <a:cs typeface="Times New Roman" panose="02020603050405020304" pitchFamily="18" charset="0"/>
-              </a:rPr>
-              <a:t>Спектр ускоренных частиц.</a:t>
-            </a:r>
-          </a:p>
-          <a:p>
-            <a:pPr algn="just"/>
-            <a:r>
-              <a:rPr lang="ru-RU" sz="2400" b="1" dirty="0" smtClean="0">
-                <a:latin typeface="Times New Roman" panose="02020603050405020304" pitchFamily="18" charset="0"/>
-                <a:cs typeface="Times New Roman" panose="02020603050405020304" pitchFamily="18" charset="0"/>
-              </a:rPr>
-              <a:t>  </a:t>
-            </a:r>
-            <a:r>
-              <a:rPr lang="ru-RU" sz="2400" dirty="0" smtClean="0">
-                <a:latin typeface="Times New Roman" panose="02020603050405020304" pitchFamily="18" charset="0"/>
-                <a:cs typeface="Times New Roman" panose="02020603050405020304" pitchFamily="18" charset="0"/>
-              </a:rPr>
-              <a:t>В  работе исследовано влияние угла наклона магнитного поля на эффективность ускорения частиц.</a:t>
-            </a:r>
-            <a:endParaRPr lang="ru-RU" sz="2400" b="1" dirty="0">
-              <a:latin typeface="Times New Roman" panose="02020603050405020304" pitchFamily="18" charset="0"/>
-              <a:cs typeface="Times New Roman" panose="02020603050405020304" pitchFamily="18" charset="0"/>
-            </a:endParaRPr>
-          </a:p>
-        </p:txBody>
-      </p:sp>
-      <mc:AlternateContent xmlns:mc="http://schemas.openxmlformats.org/markup-compatibility/2006" xmlns:a14="http://schemas.microsoft.com/office/drawing/2010/main">
-        <mc:Choice Requires="a14">
+      <mc:AlternateContent xmlns:mc="http://schemas.openxmlformats.org/markup-compatibility/2006">
+        <mc:Choice xmlns:a14="http://schemas.microsoft.com/office/drawing/2010/main" Requires="a14">
+          <p:sp>
+            <p:nvSpPr>
+              <p:cNvPr id="32" name="TextBox 31"/>
+              <p:cNvSpPr txBox="1"/>
+              <p:nvPr/>
+            </p:nvSpPr>
+            <p:spPr>
+              <a:xfrm>
+                <a:off x="7320870" y="23846711"/>
+                <a:ext cx="7005441" cy="5262979"/>
+              </a:xfrm>
+              <a:prstGeom prst="rect">
+                <a:avLst/>
+              </a:prstGeom>
+              <a:noFill/>
+            </p:spPr>
+            <p:txBody>
+              <a:bodyPr wrap="square" rtlCol="0">
+                <a:spAutoFit/>
+              </a:bodyPr>
+              <a:lstStyle/>
+              <a:p>
+                <a:pPr algn="ctr"/>
+                <a:r>
+                  <a:rPr lang="ru-RU" sz="2400" b="1" dirty="0" smtClean="0">
+                    <a:latin typeface="Times New Roman" panose="02020603050405020304" pitchFamily="18" charset="0"/>
+                    <a:cs typeface="Times New Roman" panose="02020603050405020304" pitchFamily="18" charset="0"/>
+                  </a:rPr>
+                  <a:t>Спектр ускоренных частиц.</a:t>
+                </a:r>
+              </a:p>
+              <a:p>
+                <a:pPr algn="just"/>
+                <a:r>
+                  <a:rPr lang="ru-RU" sz="2400" b="1" dirty="0" smtClean="0">
+                    <a:latin typeface="Times New Roman" panose="02020603050405020304" pitchFamily="18" charset="0"/>
+                    <a:cs typeface="Times New Roman" panose="02020603050405020304" pitchFamily="18" charset="0"/>
+                  </a:rPr>
+                  <a:t>  </a:t>
+                </a:r>
+                <a:r>
+                  <a:rPr lang="ru-RU" sz="2400" dirty="0" smtClean="0">
+                    <a:latin typeface="Times New Roman" panose="02020603050405020304" pitchFamily="18" charset="0"/>
+                    <a:cs typeface="Times New Roman" panose="02020603050405020304" pitchFamily="18" charset="0"/>
+                  </a:rPr>
+                  <a:t>В  работе исследовано влияние </a:t>
+                </a:r>
+                <a:r>
+                  <a:rPr lang="ru-RU" sz="2400" dirty="0" smtClean="0">
+                    <a:latin typeface="Times New Roman" panose="02020603050405020304" pitchFamily="18" charset="0"/>
+                    <a:cs typeface="Times New Roman" panose="02020603050405020304" pitchFamily="18" charset="0"/>
+                  </a:rPr>
+                  <a:t>углов </a:t>
+                </a:r>
+                <a:r>
+                  <a:rPr lang="ru-RU" sz="2400" dirty="0" smtClean="0">
+                    <a:latin typeface="Times New Roman" panose="02020603050405020304" pitchFamily="18" charset="0"/>
+                    <a:cs typeface="Times New Roman" panose="02020603050405020304" pitchFamily="18" charset="0"/>
+                  </a:rPr>
+                  <a:t>наклона магнитного поля на эффективность ускорения частиц</a:t>
+                </a:r>
+                <a:r>
+                  <a:rPr lang="ru-RU" sz="2400" dirty="0" smtClean="0">
+                    <a:latin typeface="Times New Roman" panose="02020603050405020304" pitchFamily="18" charset="0"/>
+                    <a:cs typeface="Times New Roman" panose="02020603050405020304" pitchFamily="18" charset="0"/>
+                  </a:rPr>
+                  <a:t>. </a:t>
+                </a:r>
+                <a:r>
+                  <a:rPr lang="ru-RU" sz="2400" dirty="0" smtClean="0">
+                    <a:latin typeface="Times New Roman" panose="02020603050405020304" pitchFamily="18" charset="0"/>
+                    <a:cs typeface="Times New Roman" panose="02020603050405020304" pitchFamily="18" charset="0"/>
+                  </a:rPr>
+                  <a:t>В </a:t>
+                </a:r>
+                <a:r>
+                  <a:rPr lang="ru-RU" sz="2400" dirty="0">
+                    <a:latin typeface="Times New Roman" panose="02020603050405020304" pitchFamily="18" charset="0"/>
+                    <a:cs typeface="Times New Roman" panose="02020603050405020304" pitchFamily="18" charset="0"/>
+                  </a:rPr>
+                  <a:t>случае, когда магнитное поле лежит в плоскости </a:t>
+                </a:r>
+                <a:r>
+                  <a:rPr lang="en-US" sz="2400" dirty="0">
+                    <a:latin typeface="Times New Roman" panose="02020603050405020304" pitchFamily="18" charset="0"/>
+                    <a:cs typeface="Times New Roman" panose="02020603050405020304" pitchFamily="18" charset="0"/>
+                  </a:rPr>
+                  <a:t>x-z, </a:t>
+                </a:r>
+                <a:r>
+                  <a:rPr lang="ru-RU" sz="2400" dirty="0">
+                    <a:latin typeface="Times New Roman" panose="02020603050405020304" pitchFamily="18" charset="0"/>
+                    <a:cs typeface="Times New Roman" panose="02020603050405020304" pitchFamily="18" charset="0"/>
+                  </a:rPr>
+                  <a:t>при углах </a:t>
+                </a:r>
+                <a14:m>
+                  <m:oMath xmlns:m="http://schemas.openxmlformats.org/officeDocument/2006/math">
+                    <m:r>
+                      <a:rPr lang="ru-RU" sz="2400" i="1">
+                        <a:latin typeface="Cambria Math"/>
+                        <a:ea typeface="Cambria Math"/>
+                        <a:cs typeface="Times New Roman" panose="02020603050405020304" pitchFamily="18" charset="0"/>
+                      </a:rPr>
+                      <m:t>𝜃</m:t>
+                    </m:r>
+                  </m:oMath>
+                </a14:m>
+                <a:r>
+                  <a:rPr lang="ru-RU" sz="2400" dirty="0">
+                    <a:latin typeface="Times New Roman" panose="02020603050405020304" pitchFamily="18" charset="0"/>
+                    <a:cs typeface="Times New Roman" panose="02020603050405020304" pitchFamily="18" charset="0"/>
+                  </a:rPr>
+                  <a:t> больших критического, определяемого равенством </a:t>
+                </a:r>
+                <a14:m>
+                  <m:oMath xmlns:m="http://schemas.openxmlformats.org/officeDocument/2006/math">
+                    <m:r>
+                      <m:rPr>
+                        <m:sty m:val="p"/>
+                      </m:rPr>
+                      <a:rPr lang="en-US" sz="2400">
+                        <a:latin typeface="Cambria Math"/>
+                        <a:cs typeface="Times New Roman" panose="02020603050405020304" pitchFamily="18" charset="0"/>
+                      </a:rPr>
+                      <m:t>c</m:t>
+                    </m:r>
+                    <m:r>
+                      <a:rPr lang="en-US" sz="2400" i="1">
+                        <a:latin typeface="Cambria Math"/>
+                        <a:ea typeface="Cambria Math"/>
+                        <a:cs typeface="Times New Roman" panose="02020603050405020304" pitchFamily="18" charset="0"/>
+                      </a:rPr>
+                      <m:t>∙</m:t>
+                    </m:r>
+                    <m:func>
+                      <m:funcPr>
+                        <m:ctrlPr>
+                          <a:rPr lang="en-US" sz="2400" i="1">
+                            <a:latin typeface="Cambria Math"/>
+                            <a:cs typeface="Times New Roman" panose="02020603050405020304" pitchFamily="18" charset="0"/>
+                          </a:rPr>
+                        </m:ctrlPr>
+                      </m:funcPr>
+                      <m:fName>
+                        <m:r>
+                          <m:rPr>
+                            <m:sty m:val="p"/>
+                          </m:rPr>
+                          <a:rPr lang="en-US" sz="2400">
+                            <a:latin typeface="Cambria Math"/>
+                            <a:cs typeface="Times New Roman" panose="02020603050405020304" pitchFamily="18" charset="0"/>
+                          </a:rPr>
+                          <m:t>cos</m:t>
+                        </m:r>
+                      </m:fName>
+                      <m:e>
+                        <m:d>
+                          <m:dPr>
+                            <m:ctrlPr>
+                              <a:rPr lang="en-US" sz="2400" i="1">
+                                <a:latin typeface="Cambria Math"/>
+                                <a:cs typeface="Times New Roman" panose="02020603050405020304" pitchFamily="18" charset="0"/>
+                              </a:rPr>
+                            </m:ctrlPr>
+                          </m:dPr>
+                          <m:e>
+                            <m:sSub>
+                              <m:sSubPr>
+                                <m:ctrlPr>
+                                  <a:rPr lang="en-US" sz="2400" i="1">
+                                    <a:latin typeface="Cambria Math"/>
+                                    <a:cs typeface="Times New Roman" panose="02020603050405020304" pitchFamily="18" charset="0"/>
+                                  </a:rPr>
+                                </m:ctrlPr>
+                              </m:sSubPr>
+                              <m:e>
+                                <m:r>
+                                  <a:rPr lang="en-US" sz="2400" i="1">
+                                    <a:latin typeface="Cambria Math"/>
+                                    <a:ea typeface="Cambria Math"/>
+                                    <a:cs typeface="Times New Roman" panose="02020603050405020304" pitchFamily="18" charset="0"/>
+                                  </a:rPr>
+                                  <m:t>𝜗</m:t>
+                                </m:r>
+                              </m:e>
+                              <m:sub>
+                                <m:r>
+                                  <a:rPr lang="en-US" sz="2400" i="1">
+                                    <a:latin typeface="Cambria Math"/>
+                                    <a:cs typeface="Times New Roman" panose="02020603050405020304" pitchFamily="18" charset="0"/>
+                                  </a:rPr>
+                                  <m:t>𝑐𝑟𝑖𝑡</m:t>
+                                </m:r>
+                              </m:sub>
+                            </m:sSub>
+                          </m:e>
+                        </m:d>
+                      </m:e>
+                    </m:func>
+                    <m:r>
+                      <a:rPr lang="en-US" sz="2400" i="1">
+                        <a:latin typeface="Cambria Math"/>
+                        <a:cs typeface="Times New Roman" panose="02020603050405020304" pitchFamily="18" charset="0"/>
+                      </a:rPr>
+                      <m:t>=</m:t>
+                    </m:r>
+                    <m:sSub>
+                      <m:sSubPr>
+                        <m:ctrlPr>
+                          <a:rPr lang="en-US" sz="2400" i="1">
+                            <a:latin typeface="Cambria Math"/>
+                            <a:cs typeface="Times New Roman" panose="02020603050405020304" pitchFamily="18" charset="0"/>
+                          </a:rPr>
+                        </m:ctrlPr>
+                      </m:sSubPr>
+                      <m:e>
+                        <m:r>
+                          <a:rPr lang="en-US" sz="2400" i="1">
+                            <a:latin typeface="Cambria Math"/>
+                            <a:cs typeface="Times New Roman" panose="02020603050405020304" pitchFamily="18" charset="0"/>
+                          </a:rPr>
+                          <m:t>𝑣</m:t>
+                        </m:r>
+                      </m:e>
+                      <m:sub>
+                        <m:r>
+                          <a:rPr lang="en-US" sz="2400" i="1">
+                            <a:latin typeface="Cambria Math"/>
+                            <a:cs typeface="Times New Roman" panose="02020603050405020304" pitchFamily="18" charset="0"/>
+                          </a:rPr>
+                          <m:t>𝑠h</m:t>
+                        </m:r>
+                      </m:sub>
+                    </m:sSub>
+                  </m:oMath>
+                </a14:m>
+                <a:r>
+                  <a:rPr lang="en-US" sz="2400" dirty="0">
+                    <a:latin typeface="Times New Roman" panose="02020603050405020304" pitchFamily="18" charset="0"/>
+                    <a:cs typeface="Times New Roman" panose="02020603050405020304" pitchFamily="18" charset="0"/>
+                  </a:rPr>
+                  <a:t> </a:t>
+                </a:r>
+                <a:r>
+                  <a:rPr lang="ru-RU" sz="2400" dirty="0">
+                    <a:latin typeface="Times New Roman" panose="02020603050405020304" pitchFamily="18" charset="0"/>
+                    <a:cs typeface="Times New Roman" panose="02020603050405020304" pitchFamily="18" charset="0"/>
+                  </a:rPr>
+                  <a:t>в системе покоя набегающего потока ускорение прекращается, что находится в согласии с аналогичными работами для ультрарелятивистских волн (</a:t>
+                </a:r>
+                <a:r>
+                  <a:rPr lang="en-US" sz="2400" dirty="0" err="1">
+                    <a:latin typeface="Times New Roman" panose="02020603050405020304" pitchFamily="18" charset="0"/>
+                    <a:cs typeface="Times New Roman" panose="02020603050405020304" pitchFamily="18" charset="0"/>
+                  </a:rPr>
+                  <a:t>Sironi</a:t>
+                </a:r>
+                <a:r>
+                  <a:rPr lang="en-US" sz="2400" dirty="0">
+                    <a:latin typeface="Times New Roman" panose="02020603050405020304" pitchFamily="18" charset="0"/>
+                    <a:cs typeface="Times New Roman" panose="02020603050405020304" pitchFamily="18" charset="0"/>
+                  </a:rPr>
+                  <a:t> et. Al [3])</a:t>
+                </a:r>
+                <a:r>
+                  <a:rPr lang="ru-RU" sz="2400" dirty="0">
+                    <a:latin typeface="Times New Roman" panose="02020603050405020304" pitchFamily="18" charset="0"/>
+                    <a:cs typeface="Times New Roman" panose="02020603050405020304" pitchFamily="18" charset="0"/>
+                  </a:rPr>
+                  <a:t>. В случае же, когда поле лежит в плоскости </a:t>
+                </a:r>
+                <a:r>
+                  <a:rPr lang="en-US" sz="2400" dirty="0">
+                    <a:latin typeface="Times New Roman" panose="02020603050405020304" pitchFamily="18" charset="0"/>
+                    <a:cs typeface="Times New Roman" panose="02020603050405020304" pitchFamily="18" charset="0"/>
+                  </a:rPr>
+                  <a:t>x-y</a:t>
+                </a:r>
+                <a:r>
+                  <a:rPr lang="ru-RU" sz="2400" dirty="0">
+                    <a:latin typeface="Times New Roman" panose="02020603050405020304" pitchFamily="18" charset="0"/>
+                    <a:cs typeface="Times New Roman" panose="02020603050405020304" pitchFamily="18" charset="0"/>
+                  </a:rPr>
+                  <a:t>, ситуация сложнее и при переходе через критический угол меняется режим ускорения.</a:t>
+                </a:r>
+                <a:endParaRPr lang="ru-RU" sz="2400" dirty="0">
+                  <a:latin typeface="Times New Roman" panose="02020603050405020304" pitchFamily="18" charset="0"/>
+                  <a:cs typeface="Times New Roman" panose="02020603050405020304" pitchFamily="18" charset="0"/>
+                </a:endParaRPr>
+              </a:p>
+              <a:p>
+                <a:pPr algn="just"/>
+                <a:endParaRPr lang="ru-RU" sz="2400" b="1" dirty="0">
+                  <a:latin typeface="Times New Roman" panose="02020603050405020304" pitchFamily="18" charset="0"/>
+                  <a:cs typeface="Times New Roman" panose="02020603050405020304" pitchFamily="18" charset="0"/>
+                </a:endParaRPr>
+              </a:p>
+            </p:txBody>
+          </p:sp>
+        </mc:Choice>
+        <mc:Fallback>
+          <p:sp>
+            <p:nvSpPr>
+              <p:cNvPr id="32" name="TextBox 31"/>
+              <p:cNvSpPr txBox="1">
+                <a:spLocks noRot="1" noChangeAspect="1" noMove="1" noResize="1" noEditPoints="1" noAdjustHandles="1" noChangeArrowheads="1" noChangeShapeType="1" noTextEdit="1"/>
+              </p:cNvSpPr>
+              <p:nvPr/>
+            </p:nvSpPr>
+            <p:spPr>
+              <a:xfrm>
+                <a:off x="7320870" y="23846711"/>
+                <a:ext cx="7005441" cy="5262979"/>
+              </a:xfrm>
+              <a:prstGeom prst="rect">
+                <a:avLst/>
+              </a:prstGeom>
+              <a:blipFill rotWithShape="1">
+                <a:blip r:embed="rId9"/>
+                <a:stretch>
+                  <a:fillRect l="-1393" t="-927" r="-1305"/>
+                </a:stretch>
+              </a:blipFill>
+            </p:spPr>
+            <p:txBody>
+              <a:bodyPr/>
+              <a:lstStyle/>
+              <a:p>
+                <a:r>
+                  <a:rPr lang="ru-RU">
+                    <a:noFill/>
+                  </a:rPr>
+                  <a:t> </a:t>
+                </a:r>
+              </a:p>
+            </p:txBody>
+          </p:sp>
+        </mc:Fallback>
+      </mc:AlternateContent>
+      <mc:AlternateContent xmlns:mc="http://schemas.openxmlformats.org/markup-compatibility/2006">
+        <mc:Choice xmlns:a14="http://schemas.microsoft.com/office/drawing/2010/main" Requires="a14">
           <p:sp>
             <p:nvSpPr>
               <p:cNvPr id="36" name="TextBox 35"/>
@@ -8413,8 +8233,8 @@
             </p:nvSpPr>
             <p:spPr>
               <a:xfrm>
-                <a:off x="14476933" y="11566494"/>
-                <a:ext cx="6478770" cy="707886"/>
+                <a:off x="7378497" y="23016041"/>
+                <a:ext cx="6478770" cy="734240"/>
               </a:xfrm>
               <a:prstGeom prst="rect">
                 <a:avLst/>
@@ -8505,6 +8325,61 @@
                         </m:r>
                       </m:sup>
                     </m:sSup>
+                    <m:r>
+                      <a:rPr lang="ru-RU" sz="2000" b="0" i="1" smtClean="0">
+                        <a:latin typeface="Cambria Math"/>
+                        <a:ea typeface="Cambria Math"/>
+                        <a:cs typeface="Times New Roman" panose="02020603050405020304" pitchFamily="18" charset="0"/>
+                      </a:rPr>
+                      <m:t> </m:t>
+                    </m:r>
+                    <m:r>
+                      <a:rPr lang="ru-RU" sz="2000" b="0" i="1" smtClean="0">
+                        <a:latin typeface="Cambria Math"/>
+                        <a:ea typeface="Cambria Math"/>
+                        <a:cs typeface="Times New Roman" panose="02020603050405020304" pitchFamily="18" charset="0"/>
+                      </a:rPr>
+                      <m:t>𝜑</m:t>
+                    </m:r>
+                    <m:r>
+                      <a:rPr lang="ru-RU" sz="2000" b="0" i="1" smtClean="0">
+                        <a:latin typeface="Cambria Math"/>
+                        <a:ea typeface="Cambria Math"/>
+                        <a:cs typeface="Times New Roman" panose="02020603050405020304" pitchFamily="18" charset="0"/>
+                      </a:rPr>
+                      <m:t>=</m:t>
+                    </m:r>
+                    <m:sSup>
+                      <m:sSupPr>
+                        <m:ctrlPr>
+                          <a:rPr lang="ru-RU" sz="2000" b="0" i="1" smtClean="0">
+                            <a:latin typeface="Cambria Math"/>
+                            <a:ea typeface="Cambria Math"/>
+                            <a:cs typeface="Times New Roman" panose="02020603050405020304" pitchFamily="18" charset="0"/>
+                          </a:rPr>
+                        </m:ctrlPr>
+                      </m:sSupPr>
+                      <m:e>
+                        <m:r>
+                          <a:rPr lang="ru-RU" sz="2000" b="0" i="1" smtClean="0">
+                            <a:latin typeface="Cambria Math"/>
+                            <a:ea typeface="Cambria Math"/>
+                            <a:cs typeface="Times New Roman" panose="02020603050405020304" pitchFamily="18" charset="0"/>
+                          </a:rPr>
+                          <m:t>0</m:t>
+                        </m:r>
+                      </m:e>
+                      <m:sup>
+                        <m:r>
+                          <a:rPr lang="ru-RU" sz="2000" b="0" i="1" smtClean="0">
+                            <a:latin typeface="Cambria Math"/>
+                            <a:ea typeface="Cambria Math"/>
+                            <a:cs typeface="Times New Roman" panose="02020603050405020304" pitchFamily="18" charset="0"/>
+                          </a:rPr>
+                          <m:t>0</m:t>
+                        </m:r>
+                      </m:sup>
+                    </m:sSup>
                   </m:oMath>
                 </a14:m>
                 <a:endParaRPr lang="ru-RU" sz="2000" i="1" dirty="0">
@@ -8515,7 +8390,7 @@
             </p:txBody>
           </p:sp>
         </mc:Choice>
-        <mc:Fallback xmlns="">
+        <mc:Fallback>
           <p:sp>
             <p:nvSpPr>
               <p:cNvPr id="36" name="TextBox 35"/>
@@ -8526,16 +8401,16 @@
             </p:nvSpPr>
             <p:spPr>
               <a:xfrm>
-                <a:off x="14476933" y="11566494"/>
-                <a:ext cx="6478770" cy="707886"/>
+                <a:off x="7378497" y="23016041"/>
+                <a:ext cx="6478770" cy="734240"/>
               </a:xfrm>
               <a:prstGeom prst="rect">
                 <a:avLst/>
               </a:prstGeom>
               <a:blipFill rotWithShape="1">
-                <a:blip r:embed="rId19"/>
+                <a:blip r:embed="rId10"/>
                 <a:stretch>
-                  <a:fillRect l="-1035" t="-4274" r="-188" b="-13675"/>
+                  <a:fillRect l="-941" t="-4167" r="-282" b="-10833"/>
                 </a:stretch>
               </a:blipFill>
             </p:spPr>
@@ -8554,188 +8429,18 @@
           </p:sp>
         </mc:Fallback>
       </mc:AlternateContent>
-      <p:sp>
-        <p:nvSpPr>
-          <p:cNvPr id="41" name="TextBox 40"/>
-          <p:cNvSpPr txBox="1"/>
-          <p:nvPr/>
-        </p:nvSpPr>
-        <p:spPr>
-          <a:xfrm>
-            <a:off x="14687508" y="17901838"/>
-            <a:ext cx="6478770" cy="707886"/>
-          </a:xfrm>
-          <a:prstGeom prst="rect">
-            <a:avLst/>
-          </a:prstGeom>
-          <a:noFill/>
-        </p:spPr>
-        <p:txBody>
-          <a:bodyPr wrap="square" rtlCol="0">
-            <a:spAutoFit/>
-          </a:bodyPr>
-          <a:lstStyle/>
-          <a:p>
-            <a:r>
-              <a:rPr lang="ru-RU" sz="2000" b="1" i="1" dirty="0" smtClean="0">
-                <a:latin typeface="Times New Roman" panose="02020603050405020304" pitchFamily="18" charset="0"/>
-                <a:cs typeface="Times New Roman" panose="02020603050405020304" pitchFamily="18" charset="0"/>
-              </a:rPr>
-              <a:t>Рис. </a:t>
-            </a:r>
-            <a:r>
-              <a:rPr lang="en-US" sz="2000" b="1" i="1" dirty="0" smtClean="0">
-                <a:latin typeface="Times New Roman" panose="02020603050405020304" pitchFamily="18" charset="0"/>
-                <a:cs typeface="Times New Roman" panose="02020603050405020304" pitchFamily="18" charset="0"/>
-              </a:rPr>
-              <a:t>2</a:t>
-            </a:r>
-            <a:r>
-              <a:rPr lang="ru-RU" sz="2000" b="1" i="1" dirty="0" smtClean="0">
-                <a:latin typeface="Times New Roman" panose="02020603050405020304" pitchFamily="18" charset="0"/>
-                <a:cs typeface="Times New Roman" panose="02020603050405020304" pitchFamily="18" charset="0"/>
-              </a:rPr>
-              <a:t> </a:t>
-            </a:r>
-            <a:r>
-              <a:rPr lang="ru-RU" sz="2000" i="1" dirty="0" smtClean="0">
-                <a:latin typeface="Times New Roman" panose="02020603050405020304" pitchFamily="18" charset="0"/>
-                <a:cs typeface="Times New Roman" panose="02020603050405020304" pitchFamily="18" charset="0"/>
-              </a:rPr>
-              <a:t>Спектр протонов в момент времени</a:t>
-            </a:r>
-            <a:r>
-              <a:rPr lang="en-US" sz="2000" i="1" dirty="0" smtClean="0">
-                <a:latin typeface="Times New Roman" panose="02020603050405020304" pitchFamily="18" charset="0"/>
-                <a:cs typeface="Times New Roman" panose="02020603050405020304" pitchFamily="18" charset="0"/>
-              </a:rPr>
-              <a:t> t=5</a:t>
-            </a:r>
-            <a:r>
-              <a:rPr lang="ru-RU" sz="2000" i="1" dirty="0" smtClean="0">
-                <a:latin typeface="Times New Roman" panose="02020603050405020304" pitchFamily="18" charset="0"/>
-                <a:cs typeface="Times New Roman" panose="02020603050405020304" pitchFamily="18" charset="0"/>
-              </a:rPr>
-              <a:t>0</a:t>
-            </a:r>
-            <a:r>
-              <a:rPr lang="en-US" sz="2000" i="1" dirty="0" smtClean="0">
-                <a:latin typeface="Times New Roman" panose="02020603050405020304" pitchFamily="18" charset="0"/>
-                <a:cs typeface="Times New Roman" panose="02020603050405020304" pitchFamily="18" charset="0"/>
-              </a:rPr>
-              <a:t>c</a:t>
-            </a:r>
-            <a:r>
-              <a:rPr lang="ru-RU" sz="2000" i="1" dirty="0" smtClean="0">
-                <a:latin typeface="Times New Roman" panose="02020603050405020304" pitchFamily="18" charset="0"/>
-                <a:cs typeface="Times New Roman" panose="02020603050405020304" pitchFamily="18" charset="0"/>
-              </a:rPr>
-              <a:t> при разных углах наклона магнитного поля </a:t>
-            </a:r>
-            <a:endParaRPr lang="ru-RU" sz="2000" i="1" dirty="0">
-              <a:latin typeface="Times New Roman" panose="02020603050405020304" pitchFamily="18" charset="0"/>
-              <a:cs typeface="Times New Roman" panose="02020603050405020304" pitchFamily="18" charset="0"/>
-            </a:endParaRPr>
-          </a:p>
-        </p:txBody>
-      </p:sp>
-      <p:sp>
-        <p:nvSpPr>
-          <p:cNvPr id="43" name="TextBox 42"/>
-          <p:cNvSpPr txBox="1"/>
-          <p:nvPr/>
-        </p:nvSpPr>
-        <p:spPr>
-          <a:xfrm>
-            <a:off x="14668541" y="22801661"/>
-            <a:ext cx="6478770" cy="707886"/>
-          </a:xfrm>
-          <a:prstGeom prst="rect">
-            <a:avLst/>
-          </a:prstGeom>
-          <a:noFill/>
-        </p:spPr>
-        <p:txBody>
-          <a:bodyPr wrap="square" rtlCol="0">
-            <a:spAutoFit/>
-          </a:bodyPr>
-          <a:lstStyle/>
-          <a:p>
-            <a:r>
-              <a:rPr lang="ru-RU" sz="2000" b="1" i="1" dirty="0" smtClean="0">
-                <a:latin typeface="Times New Roman" panose="02020603050405020304" pitchFamily="18" charset="0"/>
-                <a:cs typeface="Times New Roman" panose="02020603050405020304" pitchFamily="18" charset="0"/>
-              </a:rPr>
-              <a:t>Рис. </a:t>
-            </a:r>
-            <a:r>
-              <a:rPr lang="en-US" sz="2000" b="1" i="1" dirty="0" smtClean="0">
-                <a:latin typeface="Times New Roman" panose="02020603050405020304" pitchFamily="18" charset="0"/>
-                <a:cs typeface="Times New Roman" panose="02020603050405020304" pitchFamily="18" charset="0"/>
-              </a:rPr>
-              <a:t>2</a:t>
-            </a:r>
-            <a:r>
-              <a:rPr lang="ru-RU" sz="2000" b="1" i="1" dirty="0" smtClean="0">
-                <a:latin typeface="Times New Roman" panose="02020603050405020304" pitchFamily="18" charset="0"/>
-                <a:cs typeface="Times New Roman" panose="02020603050405020304" pitchFamily="18" charset="0"/>
-              </a:rPr>
-              <a:t> </a:t>
-            </a:r>
-            <a:r>
-              <a:rPr lang="ru-RU" sz="2000" i="1" dirty="0" smtClean="0">
-                <a:latin typeface="Times New Roman" panose="02020603050405020304" pitchFamily="18" charset="0"/>
-                <a:cs typeface="Times New Roman" panose="02020603050405020304" pitchFamily="18" charset="0"/>
-              </a:rPr>
-              <a:t>Спектр электронов в момент времени</a:t>
-            </a:r>
-            <a:r>
-              <a:rPr lang="en-US" sz="2000" i="1" dirty="0" smtClean="0">
-                <a:latin typeface="Times New Roman" panose="02020603050405020304" pitchFamily="18" charset="0"/>
-                <a:cs typeface="Times New Roman" panose="02020603050405020304" pitchFamily="18" charset="0"/>
-              </a:rPr>
-              <a:t> t=5</a:t>
-            </a:r>
-            <a:r>
-              <a:rPr lang="ru-RU" sz="2000" i="1" dirty="0" smtClean="0">
-                <a:latin typeface="Times New Roman" panose="02020603050405020304" pitchFamily="18" charset="0"/>
-                <a:cs typeface="Times New Roman" panose="02020603050405020304" pitchFamily="18" charset="0"/>
-              </a:rPr>
-              <a:t>0</a:t>
-            </a:r>
-            <a:r>
-              <a:rPr lang="en-US" sz="2000" i="1" dirty="0" smtClean="0">
-                <a:latin typeface="Times New Roman" panose="02020603050405020304" pitchFamily="18" charset="0"/>
-                <a:cs typeface="Times New Roman" panose="02020603050405020304" pitchFamily="18" charset="0"/>
-              </a:rPr>
-              <a:t>c</a:t>
-            </a:r>
-            <a:r>
-              <a:rPr lang="ru-RU" sz="2000" i="1" dirty="0" smtClean="0">
-                <a:latin typeface="Times New Roman" panose="02020603050405020304" pitchFamily="18" charset="0"/>
-                <a:cs typeface="Times New Roman" panose="02020603050405020304" pitchFamily="18" charset="0"/>
-              </a:rPr>
-              <a:t> при разных углах наклона магнитного поля </a:t>
-            </a:r>
-            <a:endParaRPr lang="ru-RU" sz="2000" i="1" dirty="0">
-              <a:latin typeface="Times New Roman" panose="02020603050405020304" pitchFamily="18" charset="0"/>
-              <a:cs typeface="Times New Roman" panose="02020603050405020304" pitchFamily="18" charset="0"/>
-            </a:endParaRPr>
-          </a:p>
-        </p:txBody>
-      </p:sp>
-      <mc:AlternateContent xmlns:mc="http://schemas.openxmlformats.org/markup-compatibility/2006" xmlns:a14="http://schemas.microsoft.com/office/drawing/2010/main">
-        <mc:Choice Requires="a14">
+      <mc:AlternateContent xmlns:mc="http://schemas.openxmlformats.org/markup-compatibility/2006">
+        <mc:Choice xmlns:a14="http://schemas.microsoft.com/office/drawing/2010/main" Requires="a14">
           <p:sp>
             <p:nvSpPr>
-              <p:cNvPr id="44" name="TextBox 43"/>
+              <p:cNvPr id="41" name="TextBox 40"/>
               <p:cNvSpPr txBox="1"/>
               <p:nvPr/>
             </p:nvSpPr>
             <p:spPr>
               <a:xfrm>
-                <a:off x="14388398" y="23436199"/>
-                <a:ext cx="6551479" cy="3416320"/>
+                <a:off x="14403894" y="7712920"/>
+                <a:ext cx="6478770" cy="734240"/>
               </a:xfrm>
               <a:prstGeom prst="rect">
                 <a:avLst/>
@@ -8749,163 +8454,153 @@
               <a:lstStyle/>
               <a:p>
                 <a:r>
-                  <a:rPr lang="ru-RU" sz="2400" dirty="0" smtClean="0">
+                  <a:rPr lang="ru-RU" sz="2000" b="1" i="1" dirty="0" smtClean="0">
                     <a:latin typeface="Times New Roman" panose="02020603050405020304" pitchFamily="18" charset="0"/>
                     <a:cs typeface="Times New Roman" panose="02020603050405020304" pitchFamily="18" charset="0"/>
                   </a:rPr>
-                  <a:t>  Видно, что в области высоких энергий спектр электронов на порядок ниже спектра протонов. Так же ярко выражена зависимость от угла. При углах меньших критического, определяемого равенством </a:t>
+                  <a:t>Рис. </a:t>
+                </a:r>
+                <a:r>
+                  <a:rPr lang="en-US" sz="2000" b="1" i="1" dirty="0" smtClean="0">
+                    <a:latin typeface="Times New Roman" panose="02020603050405020304" pitchFamily="18" charset="0"/>
+                    <a:cs typeface="Times New Roman" panose="02020603050405020304" pitchFamily="18" charset="0"/>
+                  </a:rPr>
+                  <a:t>2</a:t>
+                </a:r>
+                <a:r>
+                  <a:rPr lang="ru-RU" sz="2000" b="1" i="1" dirty="0" smtClean="0">
+                    <a:latin typeface="Times New Roman" panose="02020603050405020304" pitchFamily="18" charset="0"/>
+                    <a:cs typeface="Times New Roman" panose="02020603050405020304" pitchFamily="18" charset="0"/>
+                  </a:rPr>
+                  <a:t> </a:t>
+                </a:r>
+                <a:r>
+                  <a:rPr lang="ru-RU" sz="2000" i="1" dirty="0" smtClean="0">
+                    <a:latin typeface="Times New Roman" panose="02020603050405020304" pitchFamily="18" charset="0"/>
+                    <a:cs typeface="Times New Roman" panose="02020603050405020304" pitchFamily="18" charset="0"/>
+                  </a:rPr>
+                  <a:t>Спектр протонов </a:t>
+                </a:r>
+                <a:r>
+                  <a:rPr lang="ru-RU" sz="2000" i="1" dirty="0" smtClean="0">
+                    <a:latin typeface="Times New Roman" panose="02020603050405020304" pitchFamily="18" charset="0"/>
+                    <a:cs typeface="Times New Roman" panose="02020603050405020304" pitchFamily="18" charset="0"/>
+                  </a:rPr>
+                  <a:t>при </a:t>
+                </a:r>
+                <a:r>
+                  <a:rPr lang="ru-RU" sz="2000" i="1" dirty="0" smtClean="0">
+                    <a:latin typeface="Times New Roman" panose="02020603050405020304" pitchFamily="18" charset="0"/>
+                    <a:cs typeface="Times New Roman" panose="02020603050405020304" pitchFamily="18" charset="0"/>
+                  </a:rPr>
+                  <a:t>разных углах </a:t>
+                </a:r>
+                <a:r>
+                  <a:rPr lang="en-US" sz="2000" i="1" dirty="0" smtClean="0">
+                    <a:latin typeface="Times New Roman" panose="02020603050405020304" pitchFamily="18" charset="0"/>
+                    <a:cs typeface="Times New Roman" panose="02020603050405020304" pitchFamily="18" charset="0"/>
+                  </a:rPr>
+                  <a:t> </a:t>
                 </a:r>
                 <a14:m>
                   <m:oMath xmlns:m="http://schemas.openxmlformats.org/officeDocument/2006/math">
                     <m:r>
-                      <m:rPr>
-                        <m:sty m:val="p"/>
-                      </m:rPr>
-                      <a:rPr lang="en-US" sz="2400" b="0" i="0" smtClean="0">
-                        <a:latin typeface="Cambria Math"/>
-                        <a:cs typeface="Times New Roman" panose="02020603050405020304" pitchFamily="18" charset="0"/>
-                      </a:rPr>
-                      <m:t>c</m:t>
-                    </m:r>
-                    <m:r>
-                      <a:rPr lang="en-US" sz="2400" b="0" i="1" smtClean="0">
+                      <a:rPr lang="en-US" sz="2000" i="1" smtClean="0">
                         <a:latin typeface="Cambria Math"/>
                         <a:ea typeface="Cambria Math"/>
                         <a:cs typeface="Times New Roman" panose="02020603050405020304" pitchFamily="18" charset="0"/>
                       </a:rPr>
-                      <m:t>∙</m:t>
+                      <m:t>𝜃</m:t>
                     </m:r>
-                    <m:func>
-                      <m:funcPr>
-                        <m:ctrlPr>
-                          <a:rPr lang="en-US" sz="2400" b="0" i="1" smtClean="0">
-                            <a:latin typeface="Cambria Math"/>
-                            <a:cs typeface="Times New Roman" panose="02020603050405020304" pitchFamily="18" charset="0"/>
-                          </a:rPr>
-                        </m:ctrlPr>
-                      </m:funcPr>
-                      <m:fName>
-                        <m:r>
-                          <m:rPr>
-                            <m:sty m:val="p"/>
-                          </m:rPr>
-                          <a:rPr lang="en-US" sz="2400" b="0" i="0" smtClean="0">
-                            <a:latin typeface="Cambria Math"/>
-                            <a:cs typeface="Times New Roman" panose="02020603050405020304" pitchFamily="18" charset="0"/>
-                          </a:rPr>
-                          <m:t>cos</m:t>
-                        </m:r>
-                      </m:fName>
-                      <m:e>
-                        <m:d>
-                          <m:dPr>
-                            <m:ctrlPr>
-                              <a:rPr lang="en-US" sz="2400" b="0" i="1" smtClean="0">
-                                <a:latin typeface="Cambria Math"/>
-                                <a:cs typeface="Times New Roman" panose="02020603050405020304" pitchFamily="18" charset="0"/>
-                              </a:rPr>
-                            </m:ctrlPr>
-                          </m:dPr>
-                          <m:e>
-                            <m:sSub>
-                              <m:sSubPr>
-                                <m:ctrlPr>
-                                  <a:rPr lang="en-US" sz="2400" b="0" i="1" smtClean="0">
-                                    <a:latin typeface="Cambria Math"/>
-                                    <a:cs typeface="Times New Roman" panose="02020603050405020304" pitchFamily="18" charset="0"/>
-                                  </a:rPr>
-                                </m:ctrlPr>
-                              </m:sSubPr>
-                              <m:e>
-                                <m:r>
-                                  <a:rPr lang="en-US" sz="2400" b="0" i="1" smtClean="0">
-                                    <a:latin typeface="Cambria Math"/>
-                                    <a:ea typeface="Cambria Math"/>
-                                    <a:cs typeface="Times New Roman" panose="02020603050405020304" pitchFamily="18" charset="0"/>
-                                  </a:rPr>
-                                  <m:t>𝜗</m:t>
-                                </m:r>
-                              </m:e>
-                              <m:sub>
-                                <m:r>
-                                  <a:rPr lang="en-US" sz="2400" b="0" i="1" smtClean="0">
-                                    <a:latin typeface="Cambria Math"/>
-                                    <a:cs typeface="Times New Roman" panose="02020603050405020304" pitchFamily="18" charset="0"/>
-                                  </a:rPr>
-                                  <m:t>𝑐𝑟𝑖𝑡</m:t>
-                                </m:r>
-                              </m:sub>
-                            </m:sSub>
-                          </m:e>
-                        </m:d>
-                      </m:e>
-                    </m:func>
+                  </m:oMath>
+                </a14:m>
+                <a:r>
+                  <a:rPr lang="en-US" sz="2000" i="1" dirty="0" smtClean="0">
+                    <a:latin typeface="Times New Roman" panose="02020603050405020304" pitchFamily="18" charset="0"/>
+                    <a:cs typeface="Times New Roman" panose="02020603050405020304" pitchFamily="18" charset="0"/>
+                  </a:rPr>
+                  <a:t> </a:t>
+                </a:r>
+                <a:r>
+                  <a:rPr lang="ru-RU" sz="2000" i="1" dirty="0" smtClean="0">
+                    <a:latin typeface="Times New Roman" panose="02020603050405020304" pitchFamily="18" charset="0"/>
+                    <a:cs typeface="Times New Roman" panose="02020603050405020304" pitchFamily="18" charset="0"/>
+                  </a:rPr>
+                  <a:t>наклона </a:t>
+                </a:r>
+                <a:r>
+                  <a:rPr lang="ru-RU" sz="2000" i="1" dirty="0" smtClean="0">
+                    <a:latin typeface="Times New Roman" panose="02020603050405020304" pitchFamily="18" charset="0"/>
+                    <a:cs typeface="Times New Roman" panose="02020603050405020304" pitchFamily="18" charset="0"/>
+                  </a:rPr>
+                  <a:t>магнитного поля </a:t>
+                </a:r>
+                <a:r>
+                  <a:rPr lang="en-US" sz="2000" i="1" dirty="0" smtClean="0">
+                    <a:latin typeface="Times New Roman" panose="02020603050405020304" pitchFamily="18" charset="0"/>
+                    <a:cs typeface="Times New Roman" panose="02020603050405020304" pitchFamily="18" charset="0"/>
+                  </a:rPr>
+                  <a:t> </a:t>
+                </a:r>
+                <a:r>
+                  <a:rPr lang="ru-RU" sz="2000" i="1" dirty="0" smtClean="0">
+                    <a:latin typeface="Times New Roman" panose="02020603050405020304" pitchFamily="18" charset="0"/>
+                    <a:cs typeface="Times New Roman" panose="02020603050405020304" pitchFamily="18" charset="0"/>
+                  </a:rPr>
+                  <a:t>при </a:t>
+                </a:r>
+                <a14:m>
+                  <m:oMath xmlns:m="http://schemas.openxmlformats.org/officeDocument/2006/math">
                     <m:r>
-                      <a:rPr lang="en-US" sz="2400" b="0" i="1" smtClean="0">
+                      <a:rPr lang="ru-RU" sz="2000" i="1" smtClean="0">
                         <a:latin typeface="Cambria Math"/>
+                        <a:ea typeface="Cambria Math"/>
+                        <a:cs typeface="Times New Roman" panose="02020603050405020304" pitchFamily="18" charset="0"/>
+                      </a:rPr>
+                      <m:t>𝜑</m:t>
+                    </m:r>
+                    <m:r>
+                      <a:rPr lang="ru-RU" sz="2000" b="0" i="1" smtClean="0">
+                        <a:latin typeface="Cambria Math"/>
+                        <a:ea typeface="Cambria Math"/>
                         <a:cs typeface="Times New Roman" panose="02020603050405020304" pitchFamily="18" charset="0"/>
                       </a:rPr>
                       <m:t>=</m:t>
                     </m:r>
-                    <m:sSub>
-                      <m:sSubPr>
+                    <m:sSup>
+                      <m:sSupPr>
                         <m:ctrlPr>
-                          <a:rPr lang="en-US" sz="2400" b="0" i="1" smtClean="0">
+                          <a:rPr lang="ru-RU" sz="2000" b="0" i="1" smtClean="0">
                             <a:latin typeface="Cambria Math"/>
+                            <a:ea typeface="Cambria Math"/>
                             <a:cs typeface="Times New Roman" panose="02020603050405020304" pitchFamily="18" charset="0"/>
                           </a:rPr>
                         </m:ctrlPr>
-                      </m:sSubPr>
+                      </m:sSupPr>
                       <m:e>
                         <m:r>
-                          <a:rPr lang="en-US" sz="2400" b="0" i="1" smtClean="0">
+                          <a:rPr lang="ru-RU" sz="2000" b="0" i="1" smtClean="0">
                             <a:latin typeface="Cambria Math"/>
+                            <a:ea typeface="Cambria Math"/>
                             <a:cs typeface="Times New Roman" panose="02020603050405020304" pitchFamily="18" charset="0"/>
                           </a:rPr>
-                          <m:t>𝑣</m:t>
+                          <m:t>0</m:t>
                         </m:r>
                       </m:e>
-                      <m:sub>
+                      <m:sup>
                         <m:r>
-                          <a:rPr lang="en-US" sz="2400" b="0" i="1" smtClean="0">
+                          <a:rPr lang="ru-RU" sz="2000" b="0" i="1" smtClean="0">
                             <a:latin typeface="Cambria Math"/>
+                            <a:ea typeface="Cambria Math"/>
                             <a:cs typeface="Times New Roman" panose="02020603050405020304" pitchFamily="18" charset="0"/>
                           </a:rPr>
-                          <m:t>𝑠h</m:t>
+                          <m:t>0</m:t>
                         </m:r>
-                      </m:sub>
-                    </m:sSub>
+                      </m:sup>
+                    </m:sSup>
                   </m:oMath>
                 </a14:m>
-                <a:r>
-                  <a:rPr lang="en-US" sz="2400" dirty="0" smtClean="0">
-                    <a:latin typeface="Times New Roman" panose="02020603050405020304" pitchFamily="18" charset="0"/>
-                    <a:cs typeface="Times New Roman" panose="02020603050405020304" pitchFamily="18" charset="0"/>
-                  </a:rPr>
-                  <a:t> </a:t>
-                </a:r>
-                <a:r>
-                  <a:rPr lang="ru-RU" sz="2400" dirty="0" smtClean="0">
-                    <a:latin typeface="Times New Roman" panose="02020603050405020304" pitchFamily="18" charset="0"/>
-                    <a:cs typeface="Times New Roman" panose="02020603050405020304" pitchFamily="18" charset="0"/>
-                  </a:rPr>
-                  <a:t>в системе покоя набегающего потока ускорение прекращается, что находится в согласии с аналогичными работами для ультрарелятивистских волн (</a:t>
-                </a:r>
-                <a:r>
-                  <a:rPr lang="en-US" sz="2400" dirty="0" err="1" smtClean="0">
-                    <a:latin typeface="Times New Roman" panose="02020603050405020304" pitchFamily="18" charset="0"/>
-                    <a:cs typeface="Times New Roman" panose="02020603050405020304" pitchFamily="18" charset="0"/>
-                  </a:rPr>
-                  <a:t>Sironi</a:t>
-                </a:r>
-                <a:r>
-                  <a:rPr lang="en-US" sz="2400" dirty="0" smtClean="0">
-                    <a:latin typeface="Times New Roman" panose="02020603050405020304" pitchFamily="18" charset="0"/>
-                    <a:cs typeface="Times New Roman" panose="02020603050405020304" pitchFamily="18" charset="0"/>
-                  </a:rPr>
-                  <a:t> et. Al [3])</a:t>
-                </a:r>
-                <a:endParaRPr lang="ru-RU" sz="2400" dirty="0">
+                <a:endParaRPr lang="ru-RU" sz="2000" i="1" dirty="0">
                   <a:latin typeface="Times New Roman" panose="02020603050405020304" pitchFamily="18" charset="0"/>
                   <a:cs typeface="Times New Roman" panose="02020603050405020304" pitchFamily="18" charset="0"/>
                 </a:endParaRPr>
@@ -8913,10 +8608,10 @@
             </p:txBody>
           </p:sp>
         </mc:Choice>
-        <mc:Fallback xmlns="">
+        <mc:Fallback>
           <p:sp>
             <p:nvSpPr>
-              <p:cNvPr id="44" name="TextBox 43"/>
+              <p:cNvPr id="41" name="TextBox 40"/>
               <p:cNvSpPr txBox="1">
                 <a:spLocks noRot="1" noChangeAspect="1" noMove="1" noResize="1" noEditPoints="1" noAdjustHandles="1" noChangeArrowheads="1" noChangeShapeType="1" noTextEdit="1"/>
               </p:cNvSpPr>
@@ -8924,16 +8619,213 @@
             </p:nvSpPr>
             <p:spPr>
               <a:xfrm>
-                <a:off x="14388398" y="23436199"/>
-                <a:ext cx="6551479" cy="3416320"/>
+                <a:off x="14403894" y="7712920"/>
+                <a:ext cx="6478770" cy="734240"/>
               </a:xfrm>
               <a:prstGeom prst="rect">
                 <a:avLst/>
               </a:prstGeom>
               <a:blipFill rotWithShape="1">
-                <a:blip r:embed="rId20"/>
+                <a:blip r:embed="rId11"/>
                 <a:stretch>
-                  <a:fillRect l="-1395" t="-1429" r="-930" b="-3214"/>
+                  <a:fillRect l="-1035" t="-4132" b="-9917"/>
+                </a:stretch>
+              </a:blipFill>
+            </p:spPr>
+            <p:txBody>
+              <a:bodyPr/>
+              <a:lstStyle/>
+              <a:p>
+                <a:r>
+                  <a:rPr lang="ru-RU">
+                    <a:noFill/>
+                  </a:rPr>
+                  <a:t> </a:t>
+                </a:r>
+              </a:p>
+            </p:txBody>
+          </p:sp>
+        </mc:Fallback>
+      </mc:AlternateContent>
+      <mc:AlternateContent xmlns:mc="http://schemas.openxmlformats.org/markup-compatibility/2006">
+        <mc:Choice xmlns:a14="http://schemas.microsoft.com/office/drawing/2010/main" Requires="a14">
+          <p:sp>
+            <p:nvSpPr>
+              <p:cNvPr id="43" name="TextBox 42"/>
+              <p:cNvSpPr txBox="1"/>
+              <p:nvPr/>
+            </p:nvSpPr>
+            <p:spPr>
+              <a:xfrm>
+                <a:off x="14417973" y="12415970"/>
+                <a:ext cx="6478770" cy="707886"/>
+              </a:xfrm>
+              <a:prstGeom prst="rect">
+                <a:avLst/>
+              </a:prstGeom>
+              <a:noFill/>
+            </p:spPr>
+            <p:txBody>
+              <a:bodyPr wrap="square" rtlCol="0">
+                <a:spAutoFit/>
+              </a:bodyPr>
+              <a:lstStyle/>
+              <a:p>
+                <a:r>
+                  <a:rPr lang="ru-RU" sz="2000" b="1" i="1" dirty="0" smtClean="0">
+                    <a:latin typeface="Times New Roman" panose="02020603050405020304" pitchFamily="18" charset="0"/>
+                    <a:cs typeface="Times New Roman" panose="02020603050405020304" pitchFamily="18" charset="0"/>
+                  </a:rPr>
+                  <a:t>Рис. </a:t>
+                </a:r>
+                <a:r>
+                  <a:rPr lang="ru-RU" sz="2000" b="1" i="1" dirty="0" smtClean="0">
+                    <a:latin typeface="Times New Roman" panose="02020603050405020304" pitchFamily="18" charset="0"/>
+                    <a:cs typeface="Times New Roman" panose="02020603050405020304" pitchFamily="18" charset="0"/>
+                  </a:rPr>
+                  <a:t>3 </a:t>
+                </a:r>
+                <a:r>
+                  <a:rPr lang="ru-RU" sz="2000" i="1" dirty="0" smtClean="0">
+                    <a:latin typeface="Times New Roman" panose="02020603050405020304" pitchFamily="18" charset="0"/>
+                    <a:cs typeface="Times New Roman" panose="02020603050405020304" pitchFamily="18" charset="0"/>
+                  </a:rPr>
+                  <a:t>Спектр электронов </a:t>
+                </a:r>
+                <a:r>
+                  <a:rPr lang="ru-RU" sz="2000" i="1" dirty="0" smtClean="0">
+                    <a:latin typeface="Times New Roman" panose="02020603050405020304" pitchFamily="18" charset="0"/>
+                    <a:cs typeface="Times New Roman" panose="02020603050405020304" pitchFamily="18" charset="0"/>
+                  </a:rPr>
+                  <a:t>при </a:t>
+                </a:r>
+                <a:r>
+                  <a:rPr lang="ru-RU" sz="2000" i="1" dirty="0" smtClean="0">
+                    <a:latin typeface="Times New Roman" panose="02020603050405020304" pitchFamily="18" charset="0"/>
+                    <a:cs typeface="Times New Roman" panose="02020603050405020304" pitchFamily="18" charset="0"/>
+                  </a:rPr>
+                  <a:t>разных углах </a:t>
+                </a:r>
+                <a14:m>
+                  <m:oMath xmlns:m="http://schemas.openxmlformats.org/officeDocument/2006/math">
+                    <m:r>
+                      <a:rPr lang="ru-RU" sz="2000" i="1" smtClean="0">
+                        <a:latin typeface="Cambria Math"/>
+                        <a:ea typeface="Cambria Math"/>
+                        <a:cs typeface="Times New Roman" panose="02020603050405020304" pitchFamily="18" charset="0"/>
+                      </a:rPr>
+                      <m:t>𝜃</m:t>
+                    </m:r>
+                  </m:oMath>
+                </a14:m>
+                <a:r>
+                  <a:rPr lang="en-US" sz="2000" i="1" dirty="0" smtClean="0">
+                    <a:latin typeface="Times New Roman" panose="02020603050405020304" pitchFamily="18" charset="0"/>
+                    <a:cs typeface="Times New Roman" panose="02020603050405020304" pitchFamily="18" charset="0"/>
+                  </a:rPr>
+                  <a:t> </a:t>
+                </a:r>
+                <a:r>
+                  <a:rPr lang="ru-RU" sz="2000" i="1" dirty="0" smtClean="0">
+                    <a:latin typeface="Times New Roman" panose="02020603050405020304" pitchFamily="18" charset="0"/>
+                    <a:cs typeface="Times New Roman" panose="02020603050405020304" pitchFamily="18" charset="0"/>
+                  </a:rPr>
+                  <a:t>наклона </a:t>
+                </a:r>
+                <a:r>
+                  <a:rPr lang="ru-RU" sz="2000" i="1" dirty="0" smtClean="0">
+                    <a:latin typeface="Times New Roman" panose="02020603050405020304" pitchFamily="18" charset="0"/>
+                    <a:cs typeface="Times New Roman" panose="02020603050405020304" pitchFamily="18" charset="0"/>
+                  </a:rPr>
+                  <a:t>магнитного поля </a:t>
+                </a:r>
+                <a:r>
+                  <a:rPr lang="ru-RU" sz="2000" i="1" dirty="0">
+                    <a:latin typeface="Times New Roman" panose="02020603050405020304" pitchFamily="18" charset="0"/>
+                    <a:cs typeface="Times New Roman" panose="02020603050405020304" pitchFamily="18" charset="0"/>
+                  </a:rPr>
+                  <a:t>при </a:t>
+                </a:r>
+                <a14:m>
+                  <m:oMath xmlns:m="http://schemas.openxmlformats.org/officeDocument/2006/math">
+                    <m:r>
+                      <a:rPr lang="ru-RU" sz="2000" i="1">
+                        <a:latin typeface="Cambria Math"/>
+                        <a:ea typeface="Cambria Math"/>
+                        <a:cs typeface="Times New Roman" panose="02020603050405020304" pitchFamily="18" charset="0"/>
+                      </a:rPr>
+                      <m:t>𝜑</m:t>
+                    </m:r>
+                    <m:r>
+                      <a:rPr lang="ru-RU" sz="2000" i="1">
+                        <a:latin typeface="Cambria Math"/>
+                        <a:ea typeface="Cambria Math"/>
+                        <a:cs typeface="Times New Roman" panose="02020603050405020304" pitchFamily="18" charset="0"/>
+                      </a:rPr>
+                      <m:t>=</m:t>
+                    </m:r>
+                    <m:sSup>
+                      <m:sSupPr>
+                        <m:ctrlPr>
+                          <a:rPr lang="ru-RU" sz="2000" i="1">
+                            <a:latin typeface="Cambria Math"/>
+                            <a:ea typeface="Cambria Math"/>
+                            <a:cs typeface="Times New Roman" panose="02020603050405020304" pitchFamily="18" charset="0"/>
+                          </a:rPr>
+                        </m:ctrlPr>
+                      </m:sSupPr>
+                      <m:e>
+                        <m:r>
+                          <a:rPr lang="ru-RU" sz="2000" i="1">
+                            <a:latin typeface="Cambria Math"/>
+                            <a:ea typeface="Cambria Math"/>
+                            <a:cs typeface="Times New Roman" panose="02020603050405020304" pitchFamily="18" charset="0"/>
+                          </a:rPr>
+                          <m:t>0</m:t>
+                        </m:r>
+                      </m:e>
+                      <m:sup>
+                        <m:r>
+                          <a:rPr lang="ru-RU" sz="2000" i="1">
+                            <a:latin typeface="Cambria Math"/>
+                            <a:ea typeface="Cambria Math"/>
+                            <a:cs typeface="Times New Roman" panose="02020603050405020304" pitchFamily="18" charset="0"/>
+                          </a:rPr>
+                          <m:t>0</m:t>
+                        </m:r>
+                      </m:sup>
+                    </m:sSup>
+                  </m:oMath>
+                </a14:m>
+                <a:endParaRPr lang="ru-RU" sz="2000" i="1" dirty="0">
+                  <a:latin typeface="Times New Roman" panose="02020603050405020304" pitchFamily="18" charset="0"/>
+                  <a:cs typeface="Times New Roman" panose="02020603050405020304" pitchFamily="18" charset="0"/>
+                </a:endParaRPr>
+              </a:p>
+            </p:txBody>
+          </p:sp>
+        </mc:Choice>
+        <mc:Fallback>
+          <p:sp>
+            <p:nvSpPr>
+              <p:cNvPr id="43" name="TextBox 42"/>
+              <p:cNvSpPr txBox="1">
+                <a:spLocks noRot="1" noChangeAspect="1" noMove="1" noResize="1" noEditPoints="1" noAdjustHandles="1" noChangeArrowheads="1" noChangeShapeType="1" noTextEdit="1"/>
+              </p:cNvSpPr>
+              <p:nvPr/>
+            </p:nvSpPr>
+            <p:spPr>
+              <a:xfrm>
+                <a:off x="14417973" y="12415970"/>
+                <a:ext cx="6478770" cy="707886"/>
+              </a:xfrm>
+              <a:prstGeom prst="rect">
+                <a:avLst/>
+              </a:prstGeom>
+              <a:blipFill rotWithShape="1">
+                <a:blip r:embed="rId12"/>
+                <a:stretch>
+                  <a:fillRect l="-941" t="-4310" b="-14655"/>
                 </a:stretch>
               </a:blipFill>
             </p:spPr>
@@ -8962,8 +8854,8 @@
         </p:nvSpPr>
         <p:spPr bwMode="auto">
           <a:xfrm>
-            <a:off x="14417689" y="26844484"/>
-            <a:ext cx="6494769" cy="3141502"/>
+            <a:off x="14326312" y="25416371"/>
+            <a:ext cx="6494769" cy="3695500"/>
           </a:xfrm>
           <a:prstGeom prst="rect">
             <a:avLst/>
@@ -9575,6 +9467,75 @@
               </a:rPr>
               <a:t>);</a:t>
             </a:r>
+          </a:p>
+          <a:p>
+            <a:pPr algn="just">
+              <a:buFont typeface="Times New Roman" pitchFamily="16" charset="0"/>
+              <a:buAutoNum type="arabicPeriod"/>
+            </a:pPr>
+            <a:r>
+              <a:rPr lang="en-US" altLang="ru-RU" sz="1800" b="1" i="1" dirty="0" err="1" smtClean="0">
+                <a:solidFill>
+                  <a:srgbClr val="000000"/>
+                </a:solidFill>
+                <a:latin typeface="Times New Roman" pitchFamily="16" charset="0"/>
+              </a:rPr>
+              <a:t>Buneman</a:t>
+            </a:r>
+            <a:r>
+              <a:rPr lang="en-US" altLang="ru-RU" sz="1800" b="1" i="1" dirty="0" smtClean="0">
+                <a:solidFill>
+                  <a:srgbClr val="000000"/>
+                </a:solidFill>
+                <a:latin typeface="Times New Roman" pitchFamily="16" charset="0"/>
+              </a:rPr>
+              <a:t> O. </a:t>
+            </a:r>
+            <a:r>
+              <a:rPr lang="en-US" altLang="ru-RU" sz="1800" dirty="0" smtClean="0">
+                <a:solidFill>
+                  <a:srgbClr val="000000"/>
+                </a:solidFill>
+                <a:latin typeface="Times New Roman" pitchFamily="16" charset="0"/>
+              </a:rPr>
+              <a:t>in </a:t>
+            </a:r>
+            <a:r>
+              <a:rPr lang="ru-RU" altLang="ru-RU" sz="1800" dirty="0" smtClean="0">
+                <a:solidFill>
+                  <a:srgbClr val="000000"/>
+                </a:solidFill>
+                <a:latin typeface="Times New Roman" pitchFamily="16" charset="0"/>
+              </a:rPr>
+              <a:t>«</a:t>
+            </a:r>
+            <a:r>
+              <a:rPr lang="en-US" altLang="ru-RU" sz="1800" dirty="0" smtClean="0">
+                <a:solidFill>
+                  <a:srgbClr val="000000"/>
+                </a:solidFill>
+                <a:latin typeface="Times New Roman" pitchFamily="16" charset="0"/>
+              </a:rPr>
+              <a:t>Computer Space Plasma Physics</a:t>
+            </a:r>
+            <a:r>
+              <a:rPr lang="ru-RU" altLang="ru-RU" sz="1800" dirty="0" smtClean="0">
+                <a:solidFill>
+                  <a:srgbClr val="000000"/>
+                </a:solidFill>
+                <a:latin typeface="Times New Roman" pitchFamily="16" charset="0"/>
+              </a:rPr>
+              <a:t>»</a:t>
+            </a:r>
+            <a:r>
+              <a:rPr lang="en-US" altLang="ru-RU" sz="1800" dirty="0" smtClean="0">
+                <a:solidFill>
+                  <a:srgbClr val="000000"/>
+                </a:solidFill>
+                <a:latin typeface="Times New Roman" pitchFamily="16" charset="0"/>
+              </a:rPr>
+              <a:t> Terra Scientific Tokyo  p.67 (1993);</a:t>
+            </a:r>
             <a:endParaRPr lang="ru-RU" altLang="ru-RU" sz="1800" dirty="0" smtClean="0">
               <a:solidFill>
                 <a:srgbClr val="000000"/>
@@ -9690,7 +9651,7 @@
               <a:t>»</a:t>
             </a:r>
             <a:r>
-              <a:rPr lang="en-US" altLang="ru-RU" sz="1800" dirty="0">
+              <a:rPr lang="en-US" altLang="ru-RU" sz="1800" dirty="0" smtClean="0">
                 <a:solidFill>
                   <a:schemeClr val="tx1"/>
                 </a:solidFill>
@@ -9707,17 +9668,7 @@
                 <a:latin typeface="Times New Roman" panose="02020603050405020304" pitchFamily="18" charset="0"/>
                 <a:cs typeface="Times New Roman" panose="02020603050405020304" pitchFamily="18" charset="0"/>
               </a:rPr>
-              <a:t>The </a:t>
-            </a:r>
-            <a:r>
-              <a:rPr lang="en-US" sz="1800" dirty="0">
-                <a:solidFill>
-                  <a:schemeClr val="tx1"/>
-                </a:solidFill>
-                <a:latin typeface="Times New Roman" panose="02020603050405020304" pitchFamily="18" charset="0"/>
-                <a:cs typeface="Times New Roman" panose="02020603050405020304" pitchFamily="18" charset="0"/>
-              </a:rPr>
-              <a:t>Astrophysical Journal, Volume 771, Issue 1, article id. 54, 22 pp. (2013)</a:t>
+              <a:t>The Astrophysical Journal, Volume 771, Issue 1, article id. 54, 22 pp. (2013)</a:t>
             </a:r>
             <a:endParaRPr lang="en-US" altLang="ru-RU" sz="1800" b="1" i="1" dirty="0">
               <a:solidFill>
@@ -9729,66 +9680,6 @@
           </a:p>
         </p:txBody>
       </p:sp>
-      <p:pic>
-        <p:nvPicPr>
-          <p:cNvPr id="47" name="Рисунок 46"/>
-          <p:cNvPicPr>
-            <a:picLocks noChangeAspect="1"/>
-          </p:cNvPicPr>
-          <p:nvPr/>
-        </p:nvPicPr>
-        <p:blipFill>
-          <a:blip r:embed="rId21">
-            <a:extLst>
-              <a:ext uri="{28A0092B-C50C-407E-A947-70E740481C1C}">
-                <a14:useLocalDpi xmlns:a14="http://schemas.microsoft.com/office/drawing/2010/main" val="0"/>
-              </a:ext>
-            </a:extLst>
-          </a:blip>
-          <a:stretch>
-            <a:fillRect/>
-          </a:stretch>
-        </p:blipFill>
-        <p:spPr>
-          <a:xfrm>
-            <a:off x="14668541" y="18568011"/>
-            <a:ext cx="6438900" cy="4019550"/>
-          </a:xfrm>
-          <a:prstGeom prst="rect">
-            <a:avLst/>
-          </a:prstGeom>
-        </p:spPr>
-      </p:pic>
-      <p:pic>
-        <p:nvPicPr>
-          <p:cNvPr id="48" name="Рисунок 47"/>
-          <p:cNvPicPr>
-            <a:picLocks noChangeAspect="1"/>
-          </p:cNvPicPr>
-          <p:nvPr/>
-        </p:nvPicPr>
-        <p:blipFill>
-          <a:blip r:embed="rId22">
-            <a:extLst>
-              <a:ext uri="{28A0092B-C50C-407E-A947-70E740481C1C}">
-                <a14:useLocalDpi xmlns:a14="http://schemas.microsoft.com/office/drawing/2010/main" val="0"/>
-              </a:ext>
-            </a:extLst>
-          </a:blip>
-          <a:stretch>
-            <a:fillRect/>
-          </a:stretch>
-        </p:blipFill>
-        <p:spPr>
-          <a:xfrm>
-            <a:off x="14336076" y="13690615"/>
-            <a:ext cx="6438900" cy="4019550"/>
-          </a:xfrm>
-          <a:prstGeom prst="rect">
-            <a:avLst/>
-          </a:prstGeom>
-        </p:spPr>
-      </p:pic>
       <p:cxnSp>
         <p:nvCxnSpPr>
           <p:cNvPr id="12" name="Прямая со стрелкой 11"/>
@@ -9797,7 +9688,7 @@
         </p:nvCxnSpPr>
         <p:spPr>
           <a:xfrm>
-            <a:off x="7727527" y="16131280"/>
+            <a:off x="7959449" y="9917261"/>
             <a:ext cx="4948200" cy="0"/>
           </a:xfrm>
           <a:prstGeom prst="straightConnector1">
@@ -9830,7 +9721,7 @@
         </p:nvCxnSpPr>
         <p:spPr>
           <a:xfrm flipV="1">
-            <a:off x="8387691" y="13951611"/>
+            <a:off x="8619613" y="7737592"/>
             <a:ext cx="0" cy="2179669"/>
           </a:xfrm>
           <a:prstGeom prst="straightConnector1">
@@ -9863,7 +9754,7 @@
         </p:nvCxnSpPr>
         <p:spPr>
           <a:xfrm flipV="1">
-            <a:off x="7908789" y="14979152"/>
+            <a:off x="8140711" y="8765133"/>
             <a:ext cx="1994630" cy="1493652"/>
           </a:xfrm>
           <a:prstGeom prst="straightConnector1">
@@ -9896,7 +9787,7 @@
         </p:nvSpPr>
         <p:spPr>
           <a:xfrm>
-            <a:off x="12675727" y="16014810"/>
+            <a:off x="12907649" y="9800791"/>
             <a:ext cx="338554" cy="461665"/>
           </a:xfrm>
           <a:prstGeom prst="rect">
@@ -9932,7 +9823,7 @@
         </p:nvSpPr>
         <p:spPr>
           <a:xfrm>
-            <a:off x="9877094" y="14883588"/>
+            <a:off x="10109016" y="8669569"/>
             <a:ext cx="248468" cy="461665"/>
           </a:xfrm>
           <a:prstGeom prst="rect">
@@ -9968,7 +9859,7 @@
         </p:nvSpPr>
         <p:spPr>
           <a:xfrm>
-            <a:off x="8419913" y="13768767"/>
+            <a:off x="8651835" y="8103223"/>
             <a:ext cx="160461" cy="461665"/>
           </a:xfrm>
           <a:prstGeom prst="rect">
@@ -10004,7 +9895,7 @@
         </p:nvSpPr>
         <p:spPr>
           <a:xfrm rot="10800000">
-            <a:off x="10919112" y="15345253"/>
+            <a:off x="11151034" y="9131234"/>
             <a:ext cx="1756615" cy="380725"/>
           </a:xfrm>
           <a:prstGeom prst="rightArrow">
@@ -10046,7 +9937,7 @@
             </p:nvSpPr>
             <p:spPr>
               <a:xfrm>
-                <a:off x="11797419" y="14937304"/>
+                <a:off x="12029341" y="8723285"/>
                 <a:ext cx="455701" cy="506421"/>
               </a:xfrm>
               <a:prstGeom prst="rect">
@@ -10060,6 +9951,7 @@
               </a:bodyPr>
               <a:lstStyle/>
               <a:p>
+                <a:pPr/>
                 <a14:m>
                   <m:oMathPara xmlns:m="http://schemas.openxmlformats.org/officeDocument/2006/math">
                     <m:oMathParaPr>
@@ -10103,14 +9995,14 @@
             </p:nvSpPr>
             <p:spPr>
               <a:xfrm>
-                <a:off x="11797419" y="14937304"/>
+                <a:off x="12029341" y="8723285"/>
                 <a:ext cx="455701" cy="506421"/>
               </a:xfrm>
               <a:prstGeom prst="rect">
                 <a:avLst/>
               </a:prstGeom>
               <a:blipFill rotWithShape="1">
-                <a:blip r:embed="rId23"/>
+                <a:blip r:embed="rId13"/>
                 <a:stretch>
                   <a:fillRect/>
                 </a:stretch>
@@ -10139,7 +10031,7 @@
         </p:nvSpPr>
         <p:spPr>
           <a:xfrm rot="18304459">
-            <a:off x="8027796" y="15227078"/>
+            <a:off x="8259718" y="9013059"/>
             <a:ext cx="1756615" cy="380725"/>
           </a:xfrm>
           <a:prstGeom prst="rightArrow">
@@ -10181,7 +10073,7 @@
         </p:nvCxnSpPr>
         <p:spPr>
           <a:xfrm flipH="1">
-            <a:off x="8580374" y="14698627"/>
+            <a:off x="8812296" y="8484608"/>
             <a:ext cx="830439" cy="0"/>
           </a:xfrm>
           <a:prstGeom prst="line">
@@ -10213,7 +10105,7 @@
         </p:nvCxnSpPr>
         <p:spPr>
           <a:xfrm flipV="1">
-            <a:off x="8401395" y="14698627"/>
+            <a:off x="8633317" y="8484608"/>
             <a:ext cx="178979" cy="1437627"/>
           </a:xfrm>
           <a:prstGeom prst="straightConnector1">
@@ -10246,7 +10138,7 @@
         </p:nvSpPr>
         <p:spPr>
           <a:xfrm>
-            <a:off x="8401395" y="15656391"/>
+            <a:off x="8633317" y="9442372"/>
             <a:ext cx="660505" cy="595664"/>
           </a:xfrm>
           <a:prstGeom prst="arc">
@@ -10289,7 +10181,7 @@
             </p:nvSpPr>
             <p:spPr>
               <a:xfrm>
-                <a:off x="9085805" y="15656391"/>
+                <a:off x="9317727" y="9442372"/>
                 <a:ext cx="162504" cy="461665"/>
               </a:xfrm>
               <a:prstGeom prst="rect">
@@ -10303,6 +10195,7 @@
               </a:bodyPr>
               <a:lstStyle/>
               <a:p>
+                <a:pPr/>
                 <a14:m>
                   <m:oMathPara xmlns:m="http://schemas.openxmlformats.org/officeDocument/2006/math">
                     <m:oMathParaPr>
@@ -10335,14 +10228,14 @@
             </p:nvSpPr>
             <p:spPr>
               <a:xfrm>
-                <a:off x="9085805" y="15656391"/>
+                <a:off x="9317727" y="9442372"/>
                 <a:ext cx="162504" cy="461665"/>
               </a:xfrm>
               <a:prstGeom prst="rect">
                 <a:avLst/>
               </a:prstGeom>
               <a:blipFill rotWithShape="1">
-                <a:blip r:embed="rId24"/>
+                <a:blip r:embed="rId14"/>
                 <a:stretch>
                   <a:fillRect l="-14815" r="-118519"/>
                 </a:stretch>
@@ -10371,7 +10264,7 @@
         </p:nvSpPr>
         <p:spPr>
           <a:xfrm>
-            <a:off x="8260419" y="15041122"/>
+            <a:off x="8492341" y="8827103"/>
             <a:ext cx="254544" cy="115023"/>
           </a:xfrm>
           <a:prstGeom prst="arc">
@@ -10411,7 +10304,7 @@
             </p:nvSpPr>
             <p:spPr>
               <a:xfrm>
-                <a:off x="8035736" y="14748319"/>
+                <a:off x="8267658" y="8534300"/>
                 <a:ext cx="468590" cy="461665"/>
               </a:xfrm>
               <a:prstGeom prst="rect">
@@ -10425,6 +10318,7 @@
               </a:bodyPr>
               <a:lstStyle/>
               <a:p>
+                <a:pPr/>
                 <a14:m>
                   <m:oMathPara xmlns:m="http://schemas.openxmlformats.org/officeDocument/2006/math">
                     <m:oMathParaPr>
@@ -10457,14 +10351,14 @@
             </p:nvSpPr>
             <p:spPr>
               <a:xfrm>
-                <a:off x="8035736" y="14748319"/>
+                <a:off x="8267658" y="8534300"/>
                 <a:ext cx="468590" cy="461665"/>
               </a:xfrm>
               <a:prstGeom prst="rect">
                 <a:avLst/>
               </a:prstGeom>
               <a:blipFill rotWithShape="1">
-                <a:blip r:embed="rId25"/>
+                <a:blip r:embed="rId15"/>
                 <a:stretch>
                   <a:fillRect b="-9211"/>
                 </a:stretch>
@@ -10495,7 +10389,7 @@
             </p:nvSpPr>
             <p:spPr>
               <a:xfrm>
-                <a:off x="9203444" y="14192206"/>
+                <a:off x="9435366" y="7978187"/>
                 <a:ext cx="463845" cy="506421"/>
               </a:xfrm>
               <a:prstGeom prst="rect">
@@ -10509,6 +10403,7 @@
               </a:bodyPr>
               <a:lstStyle/>
               <a:p>
+                <a:pPr/>
                 <a14:m>
                   <m:oMathPara xmlns:m="http://schemas.openxmlformats.org/officeDocument/2006/math">
                     <m:oMathParaPr>
@@ -10552,14 +10447,14 @@
             </p:nvSpPr>
             <p:spPr>
               <a:xfrm>
-                <a:off x="9203444" y="14192206"/>
+                <a:off x="9435366" y="7978187"/>
                 <a:ext cx="463845" cy="506421"/>
               </a:xfrm>
               <a:prstGeom prst="rect">
                 <a:avLst/>
               </a:prstGeom>
               <a:blipFill rotWithShape="1">
-                <a:blip r:embed="rId26"/>
+                <a:blip r:embed="rId16"/>
                 <a:stretch>
                   <a:fillRect/>
                 </a:stretch>
@@ -10580,6 +10475,564 @@
           </p:sp>
         </mc:Fallback>
       </mc:AlternateContent>
+      <p:pic>
+        <p:nvPicPr>
+          <p:cNvPr id="8" name="Рисунок 7"/>
+          <p:cNvPicPr>
+            <a:picLocks noChangeAspect="1"/>
+          </p:cNvPicPr>
+          <p:nvPr/>
+        </p:nvPicPr>
+        <p:blipFill>
+          <a:blip r:embed="rId17">
+            <a:extLst>
+              <a:ext uri="{28A0092B-C50C-407E-A947-70E740481C1C}">
+                <a14:useLocalDpi xmlns:a14="http://schemas.microsoft.com/office/drawing/2010/main" val="0"/>
+              </a:ext>
+            </a:extLst>
+          </a:blip>
+          <a:stretch>
+            <a:fillRect/>
+          </a:stretch>
+        </p:blipFill>
+        <p:spPr>
+          <a:xfrm>
+            <a:off x="14388973" y="3653043"/>
+            <a:ext cx="6199552" cy="4044382"/>
+          </a:xfrm>
+          <a:prstGeom prst="rect">
+            <a:avLst/>
+          </a:prstGeom>
+        </p:spPr>
+      </p:pic>
+      <p:pic>
+        <p:nvPicPr>
+          <p:cNvPr id="9" name="Рисунок 8"/>
+          <p:cNvPicPr>
+            <a:picLocks noChangeAspect="1"/>
+          </p:cNvPicPr>
+          <p:nvPr/>
+        </p:nvPicPr>
+        <p:blipFill>
+          <a:blip r:embed="rId18">
+            <a:extLst>
+              <a:ext uri="{28A0092B-C50C-407E-A947-70E740481C1C}">
+                <a14:useLocalDpi xmlns:a14="http://schemas.microsoft.com/office/drawing/2010/main" val="0"/>
+              </a:ext>
+            </a:extLst>
+          </a:blip>
+          <a:stretch>
+            <a:fillRect/>
+          </a:stretch>
+        </p:blipFill>
+        <p:spPr>
+          <a:xfrm>
+            <a:off x="14338765" y="8405399"/>
+            <a:ext cx="6147723" cy="4010571"/>
+          </a:xfrm>
+          <a:prstGeom prst="rect">
+            <a:avLst/>
+          </a:prstGeom>
+        </p:spPr>
+      </p:pic>
+      <p:pic>
+        <p:nvPicPr>
+          <p:cNvPr id="19" name="Рисунок 18"/>
+          <p:cNvPicPr>
+            <a:picLocks noChangeAspect="1"/>
+          </p:cNvPicPr>
+          <p:nvPr/>
+        </p:nvPicPr>
+        <p:blipFill>
+          <a:blip r:embed="rId19">
+            <a:extLst>
+              <a:ext uri="{28A0092B-C50C-407E-A947-70E740481C1C}">
+                <a14:useLocalDpi xmlns:a14="http://schemas.microsoft.com/office/drawing/2010/main" val="0"/>
+              </a:ext>
+            </a:extLst>
+          </a:blip>
+          <a:stretch>
+            <a:fillRect/>
+          </a:stretch>
+        </p:blipFill>
+        <p:spPr>
+          <a:xfrm>
+            <a:off x="14466024" y="13135214"/>
+            <a:ext cx="6327445" cy="4099735"/>
+          </a:xfrm>
+          <a:prstGeom prst="rect">
+            <a:avLst/>
+          </a:prstGeom>
+        </p:spPr>
+      </p:pic>
+      <mc:AlternateContent xmlns:mc="http://schemas.openxmlformats.org/markup-compatibility/2006">
+        <mc:Choice xmlns:a14="http://schemas.microsoft.com/office/drawing/2010/main" Requires="a14">
+          <p:sp>
+            <p:nvSpPr>
+              <p:cNvPr id="46" name="TextBox 45"/>
+              <p:cNvSpPr txBox="1"/>
+              <p:nvPr/>
+            </p:nvSpPr>
+            <p:spPr>
+              <a:xfrm>
+                <a:off x="14417973" y="17279053"/>
+                <a:ext cx="6478770" cy="734240"/>
+              </a:xfrm>
+              <a:prstGeom prst="rect">
+                <a:avLst/>
+              </a:prstGeom>
+              <a:noFill/>
+            </p:spPr>
+            <p:txBody>
+              <a:bodyPr wrap="square" rtlCol="0">
+                <a:spAutoFit/>
+              </a:bodyPr>
+              <a:lstStyle/>
+              <a:p>
+                <a:r>
+                  <a:rPr lang="ru-RU" sz="2000" b="1" i="1" dirty="0" smtClean="0">
+                    <a:latin typeface="Times New Roman" panose="02020603050405020304" pitchFamily="18" charset="0"/>
+                    <a:cs typeface="Times New Roman" panose="02020603050405020304" pitchFamily="18" charset="0"/>
+                  </a:rPr>
+                  <a:t>Рис. 4 </a:t>
+                </a:r>
+                <a:r>
+                  <a:rPr lang="ru-RU" sz="2000" i="1" dirty="0" smtClean="0">
+                    <a:latin typeface="Times New Roman" panose="02020603050405020304" pitchFamily="18" charset="0"/>
+                    <a:cs typeface="Times New Roman" panose="02020603050405020304" pitchFamily="18" charset="0"/>
+                  </a:rPr>
+                  <a:t>Спектр протонов </a:t>
+                </a:r>
+                <a:r>
+                  <a:rPr lang="ru-RU" sz="2000" i="1" dirty="0" smtClean="0">
+                    <a:latin typeface="Times New Roman" panose="02020603050405020304" pitchFamily="18" charset="0"/>
+                    <a:cs typeface="Times New Roman" panose="02020603050405020304" pitchFamily="18" charset="0"/>
+                  </a:rPr>
+                  <a:t>при </a:t>
+                </a:r>
+                <a:r>
+                  <a:rPr lang="ru-RU" sz="2000" i="1" dirty="0" smtClean="0">
+                    <a:latin typeface="Times New Roman" panose="02020603050405020304" pitchFamily="18" charset="0"/>
+                    <a:cs typeface="Times New Roman" panose="02020603050405020304" pitchFamily="18" charset="0"/>
+                  </a:rPr>
+                  <a:t>разных углах </a:t>
+                </a:r>
+                <a:r>
+                  <a:rPr lang="en-US" sz="2000" i="1" dirty="0" smtClean="0">
+                    <a:latin typeface="Times New Roman" panose="02020603050405020304" pitchFamily="18" charset="0"/>
+                    <a:cs typeface="Times New Roman" panose="02020603050405020304" pitchFamily="18" charset="0"/>
+                  </a:rPr>
+                  <a:t> </a:t>
+                </a:r>
+                <a14:m>
+                  <m:oMath xmlns:m="http://schemas.openxmlformats.org/officeDocument/2006/math">
+                    <m:r>
+                      <a:rPr lang="en-US" sz="2000" i="1" smtClean="0">
+                        <a:latin typeface="Cambria Math"/>
+                        <a:ea typeface="Cambria Math"/>
+                        <a:cs typeface="Times New Roman" panose="02020603050405020304" pitchFamily="18" charset="0"/>
+                      </a:rPr>
+                      <m:t>𝜃</m:t>
+                    </m:r>
+                  </m:oMath>
+                </a14:m>
+                <a:r>
+                  <a:rPr lang="en-US" sz="2000" i="1" dirty="0" smtClean="0">
+                    <a:latin typeface="Times New Roman" panose="02020603050405020304" pitchFamily="18" charset="0"/>
+                    <a:cs typeface="Times New Roman" panose="02020603050405020304" pitchFamily="18" charset="0"/>
+                  </a:rPr>
+                  <a:t> </a:t>
+                </a:r>
+                <a:r>
+                  <a:rPr lang="ru-RU" sz="2000" i="1" dirty="0" smtClean="0">
+                    <a:latin typeface="Times New Roman" panose="02020603050405020304" pitchFamily="18" charset="0"/>
+                    <a:cs typeface="Times New Roman" panose="02020603050405020304" pitchFamily="18" charset="0"/>
+                  </a:rPr>
+                  <a:t>наклона </a:t>
+                </a:r>
+                <a:r>
+                  <a:rPr lang="ru-RU" sz="2000" i="1" dirty="0" smtClean="0">
+                    <a:latin typeface="Times New Roman" panose="02020603050405020304" pitchFamily="18" charset="0"/>
+                    <a:cs typeface="Times New Roman" panose="02020603050405020304" pitchFamily="18" charset="0"/>
+                  </a:rPr>
+                  <a:t>магнитного поля </a:t>
+                </a:r>
+                <a:r>
+                  <a:rPr lang="en-US" sz="2000" i="1" dirty="0" smtClean="0">
+                    <a:latin typeface="Times New Roman" panose="02020603050405020304" pitchFamily="18" charset="0"/>
+                    <a:cs typeface="Times New Roman" panose="02020603050405020304" pitchFamily="18" charset="0"/>
+                  </a:rPr>
+                  <a:t> </a:t>
+                </a:r>
+                <a:r>
+                  <a:rPr lang="ru-RU" sz="2000" i="1" dirty="0" smtClean="0">
+                    <a:latin typeface="Times New Roman" panose="02020603050405020304" pitchFamily="18" charset="0"/>
+                    <a:cs typeface="Times New Roman" panose="02020603050405020304" pitchFamily="18" charset="0"/>
+                  </a:rPr>
+                  <a:t>при </a:t>
+                </a:r>
+                <a14:m>
+                  <m:oMath xmlns:m="http://schemas.openxmlformats.org/officeDocument/2006/math">
+                    <m:r>
+                      <a:rPr lang="ru-RU" sz="2000" i="1" smtClean="0">
+                        <a:latin typeface="Cambria Math"/>
+                        <a:ea typeface="Cambria Math"/>
+                        <a:cs typeface="Times New Roman" panose="02020603050405020304" pitchFamily="18" charset="0"/>
+                      </a:rPr>
+                      <m:t>𝜑</m:t>
+                    </m:r>
+                    <m:r>
+                      <a:rPr lang="ru-RU" sz="2000" b="0" i="1" smtClean="0">
+                        <a:latin typeface="Cambria Math"/>
+                        <a:ea typeface="Cambria Math"/>
+                        <a:cs typeface="Times New Roman" panose="02020603050405020304" pitchFamily="18" charset="0"/>
+                      </a:rPr>
+                      <m:t>=</m:t>
+                    </m:r>
+                    <m:sSup>
+                      <m:sSupPr>
+                        <m:ctrlPr>
+                          <a:rPr lang="ru-RU" sz="2000" b="0" i="1" smtClean="0">
+                            <a:latin typeface="Cambria Math"/>
+                            <a:ea typeface="Cambria Math"/>
+                            <a:cs typeface="Times New Roman" panose="02020603050405020304" pitchFamily="18" charset="0"/>
+                          </a:rPr>
+                        </m:ctrlPr>
+                      </m:sSupPr>
+                      <m:e>
+                        <m:r>
+                          <a:rPr lang="ru-RU" sz="2000" b="0" i="1" smtClean="0">
+                            <a:latin typeface="Cambria Math"/>
+                            <a:ea typeface="Cambria Math"/>
+                            <a:cs typeface="Times New Roman" panose="02020603050405020304" pitchFamily="18" charset="0"/>
+                          </a:rPr>
+                          <m:t>90</m:t>
+                        </m:r>
+                      </m:e>
+                      <m:sup>
+                        <m:r>
+                          <a:rPr lang="ru-RU" sz="2000" b="0" i="1" smtClean="0">
+                            <a:latin typeface="Cambria Math"/>
+                            <a:ea typeface="Cambria Math"/>
+                            <a:cs typeface="Times New Roman" panose="02020603050405020304" pitchFamily="18" charset="0"/>
+                          </a:rPr>
+                          <m:t>0</m:t>
+                        </m:r>
+                      </m:sup>
+                    </m:sSup>
+                  </m:oMath>
+                </a14:m>
+                <a:endParaRPr lang="ru-RU" sz="2000" i="1" dirty="0">
+                  <a:latin typeface="Times New Roman" panose="02020603050405020304" pitchFamily="18" charset="0"/>
+                  <a:cs typeface="Times New Roman" panose="02020603050405020304" pitchFamily="18" charset="0"/>
+                </a:endParaRPr>
+              </a:p>
+            </p:txBody>
+          </p:sp>
+        </mc:Choice>
+        <mc:Fallback>
+          <p:sp>
+            <p:nvSpPr>
+              <p:cNvPr id="46" name="TextBox 45"/>
+              <p:cNvSpPr txBox="1">
+                <a:spLocks noRot="1" noChangeAspect="1" noMove="1" noResize="1" noEditPoints="1" noAdjustHandles="1" noChangeArrowheads="1" noChangeShapeType="1" noTextEdit="1"/>
+              </p:cNvSpPr>
+              <p:nvPr/>
+            </p:nvSpPr>
+            <p:spPr>
+              <a:xfrm>
+                <a:off x="14417973" y="17279053"/>
+                <a:ext cx="6478770" cy="734240"/>
+              </a:xfrm>
+              <a:prstGeom prst="rect">
+                <a:avLst/>
+              </a:prstGeom>
+              <a:blipFill rotWithShape="1">
+                <a:blip r:embed="rId20"/>
+                <a:stretch>
+                  <a:fillRect l="-941" t="-4132" b="-9917"/>
+                </a:stretch>
+              </a:blipFill>
+            </p:spPr>
+            <p:txBody>
+              <a:bodyPr/>
+              <a:lstStyle/>
+              <a:p>
+                <a:r>
+                  <a:rPr lang="ru-RU">
+                    <a:noFill/>
+                  </a:rPr>
+                  <a:t> </a:t>
+                </a:r>
+              </a:p>
+            </p:txBody>
+          </p:sp>
+        </mc:Fallback>
+      </mc:AlternateContent>
+      <p:pic>
+        <p:nvPicPr>
+          <p:cNvPr id="25" name="Рисунок 24"/>
+          <p:cNvPicPr>
+            <a:picLocks noChangeAspect="1"/>
+          </p:cNvPicPr>
+          <p:nvPr/>
+        </p:nvPicPr>
+        <p:blipFill>
+          <a:blip r:embed="rId21">
+            <a:extLst>
+              <a:ext uri="{28A0092B-C50C-407E-A947-70E740481C1C}">
+                <a14:useLocalDpi xmlns:a14="http://schemas.microsoft.com/office/drawing/2010/main" val="0"/>
+              </a:ext>
+            </a:extLst>
+          </a:blip>
+          <a:stretch>
+            <a:fillRect/>
+          </a:stretch>
+        </p:blipFill>
+        <p:spPr>
+          <a:xfrm>
+            <a:off x="14363497" y="18155440"/>
+            <a:ext cx="6250503" cy="4049882"/>
+          </a:xfrm>
+          <a:prstGeom prst="rect">
+            <a:avLst/>
+          </a:prstGeom>
+        </p:spPr>
+      </p:pic>
+      <mc:AlternateContent xmlns:mc="http://schemas.openxmlformats.org/markup-compatibility/2006">
+        <mc:Choice xmlns:a14="http://schemas.microsoft.com/office/drawing/2010/main" Requires="a14">
+          <p:sp>
+            <p:nvSpPr>
+              <p:cNvPr id="54" name="TextBox 53"/>
+              <p:cNvSpPr txBox="1"/>
+              <p:nvPr/>
+            </p:nvSpPr>
+            <p:spPr>
+              <a:xfrm>
+                <a:off x="14466370" y="22264082"/>
+                <a:ext cx="6478770" cy="707886"/>
+              </a:xfrm>
+              <a:prstGeom prst="rect">
+                <a:avLst/>
+              </a:prstGeom>
+              <a:noFill/>
+            </p:spPr>
+            <p:txBody>
+              <a:bodyPr wrap="square" rtlCol="0">
+                <a:spAutoFit/>
+              </a:bodyPr>
+              <a:lstStyle/>
+              <a:p>
+                <a:r>
+                  <a:rPr lang="ru-RU" sz="2000" b="1" i="1" dirty="0" smtClean="0">
+                    <a:latin typeface="Times New Roman" panose="02020603050405020304" pitchFamily="18" charset="0"/>
+                    <a:cs typeface="Times New Roman" panose="02020603050405020304" pitchFamily="18" charset="0"/>
+                  </a:rPr>
+                  <a:t>Рис. 5 </a:t>
+                </a:r>
+                <a:r>
+                  <a:rPr lang="ru-RU" sz="2000" i="1" dirty="0" smtClean="0">
+                    <a:latin typeface="Times New Roman" panose="02020603050405020304" pitchFamily="18" charset="0"/>
+                    <a:cs typeface="Times New Roman" panose="02020603050405020304" pitchFamily="18" charset="0"/>
+                  </a:rPr>
+                  <a:t>Спектр электронов </a:t>
+                </a:r>
+                <a:r>
+                  <a:rPr lang="ru-RU" sz="2000" i="1" dirty="0" smtClean="0">
+                    <a:latin typeface="Times New Roman" panose="02020603050405020304" pitchFamily="18" charset="0"/>
+                    <a:cs typeface="Times New Roman" panose="02020603050405020304" pitchFamily="18" charset="0"/>
+                  </a:rPr>
+                  <a:t>при </a:t>
+                </a:r>
+                <a:r>
+                  <a:rPr lang="ru-RU" sz="2000" i="1" dirty="0" smtClean="0">
+                    <a:latin typeface="Times New Roman" panose="02020603050405020304" pitchFamily="18" charset="0"/>
+                    <a:cs typeface="Times New Roman" panose="02020603050405020304" pitchFamily="18" charset="0"/>
+                  </a:rPr>
+                  <a:t>разных углах </a:t>
+                </a:r>
+                <a14:m>
+                  <m:oMath xmlns:m="http://schemas.openxmlformats.org/officeDocument/2006/math">
+                    <m:r>
+                      <a:rPr lang="ru-RU" sz="2000" i="1" smtClean="0">
+                        <a:latin typeface="Cambria Math"/>
+                        <a:ea typeface="Cambria Math"/>
+                        <a:cs typeface="Times New Roman" panose="02020603050405020304" pitchFamily="18" charset="0"/>
+                      </a:rPr>
+                      <m:t>𝜃</m:t>
+                    </m:r>
+                  </m:oMath>
+                </a14:m>
+                <a:r>
+                  <a:rPr lang="en-US" sz="2000" i="1" dirty="0" smtClean="0">
+                    <a:latin typeface="Times New Roman" panose="02020603050405020304" pitchFamily="18" charset="0"/>
+                    <a:cs typeface="Times New Roman" panose="02020603050405020304" pitchFamily="18" charset="0"/>
+                  </a:rPr>
+                  <a:t> </a:t>
+                </a:r>
+                <a:r>
+                  <a:rPr lang="ru-RU" sz="2000" i="1" dirty="0" smtClean="0">
+                    <a:latin typeface="Times New Roman" panose="02020603050405020304" pitchFamily="18" charset="0"/>
+                    <a:cs typeface="Times New Roman" panose="02020603050405020304" pitchFamily="18" charset="0"/>
+                  </a:rPr>
+                  <a:t>наклона </a:t>
+                </a:r>
+                <a:r>
+                  <a:rPr lang="ru-RU" sz="2000" i="1" dirty="0" smtClean="0">
+                    <a:latin typeface="Times New Roman" panose="02020603050405020304" pitchFamily="18" charset="0"/>
+                    <a:cs typeface="Times New Roman" panose="02020603050405020304" pitchFamily="18" charset="0"/>
+                  </a:rPr>
+                  <a:t>магнитного поля </a:t>
+                </a:r>
+                <a:r>
+                  <a:rPr lang="ru-RU" sz="2000" i="1" dirty="0">
+                    <a:latin typeface="Times New Roman" panose="02020603050405020304" pitchFamily="18" charset="0"/>
+                    <a:cs typeface="Times New Roman" panose="02020603050405020304" pitchFamily="18" charset="0"/>
+                  </a:rPr>
+                  <a:t>при </a:t>
+                </a:r>
+                <a14:m>
+                  <m:oMath xmlns:m="http://schemas.openxmlformats.org/officeDocument/2006/math">
+                    <m:r>
+                      <a:rPr lang="ru-RU" sz="2000" i="1">
+                        <a:latin typeface="Cambria Math"/>
+                        <a:ea typeface="Cambria Math"/>
+                        <a:cs typeface="Times New Roman" panose="02020603050405020304" pitchFamily="18" charset="0"/>
+                      </a:rPr>
+                      <m:t>𝜑</m:t>
+                    </m:r>
+                    <m:r>
+                      <a:rPr lang="ru-RU" sz="2000" i="1">
+                        <a:latin typeface="Cambria Math"/>
+                        <a:ea typeface="Cambria Math"/>
+                        <a:cs typeface="Times New Roman" panose="02020603050405020304" pitchFamily="18" charset="0"/>
+                      </a:rPr>
+                      <m:t>=</m:t>
+                    </m:r>
+                    <m:sSup>
+                      <m:sSupPr>
+                        <m:ctrlPr>
+                          <a:rPr lang="ru-RU" sz="2000" i="1">
+                            <a:latin typeface="Cambria Math"/>
+                            <a:ea typeface="Cambria Math"/>
+                            <a:cs typeface="Times New Roman" panose="02020603050405020304" pitchFamily="18" charset="0"/>
+                          </a:rPr>
+                        </m:ctrlPr>
+                      </m:sSupPr>
+                      <m:e>
+                        <m:r>
+                          <a:rPr lang="ru-RU" sz="2000" b="0" i="1" smtClean="0">
+                            <a:latin typeface="Cambria Math"/>
+                            <a:ea typeface="Cambria Math"/>
+                            <a:cs typeface="Times New Roman" panose="02020603050405020304" pitchFamily="18" charset="0"/>
+                          </a:rPr>
+                          <m:t>9</m:t>
+                        </m:r>
+                        <m:r>
+                          <a:rPr lang="ru-RU" sz="2000" i="1">
+                            <a:latin typeface="Cambria Math"/>
+                            <a:ea typeface="Cambria Math"/>
+                            <a:cs typeface="Times New Roman" panose="02020603050405020304" pitchFamily="18" charset="0"/>
+                          </a:rPr>
+                          <m:t>0</m:t>
+                        </m:r>
+                      </m:e>
+                      <m:sup>
+                        <m:r>
+                          <a:rPr lang="ru-RU" sz="2000" i="1">
+                            <a:latin typeface="Cambria Math"/>
+                            <a:ea typeface="Cambria Math"/>
+                            <a:cs typeface="Times New Roman" panose="02020603050405020304" pitchFamily="18" charset="0"/>
+                          </a:rPr>
+                          <m:t>0</m:t>
+                        </m:r>
+                      </m:sup>
+                    </m:sSup>
+                  </m:oMath>
+                </a14:m>
+                <a:endParaRPr lang="ru-RU" sz="2000" i="1" dirty="0">
+                  <a:latin typeface="Times New Roman" panose="02020603050405020304" pitchFamily="18" charset="0"/>
+                  <a:cs typeface="Times New Roman" panose="02020603050405020304" pitchFamily="18" charset="0"/>
+                </a:endParaRPr>
+              </a:p>
+            </p:txBody>
+          </p:sp>
+        </mc:Choice>
+        <mc:Fallback>
+          <p:sp>
+            <p:nvSpPr>
+              <p:cNvPr id="54" name="TextBox 53"/>
+              <p:cNvSpPr txBox="1">
+                <a:spLocks noRot="1" noChangeAspect="1" noMove="1" noResize="1" noEditPoints="1" noAdjustHandles="1" noChangeArrowheads="1" noChangeShapeType="1" noTextEdit="1"/>
+              </p:cNvSpPr>
+              <p:nvPr/>
+            </p:nvSpPr>
+            <p:spPr>
+              <a:xfrm>
+                <a:off x="14466370" y="22264082"/>
+                <a:ext cx="6478770" cy="707886"/>
+              </a:xfrm>
+              <a:prstGeom prst="rect">
+                <a:avLst/>
+              </a:prstGeom>
+              <a:blipFill rotWithShape="1">
+                <a:blip r:embed="rId22"/>
+                <a:stretch>
+                  <a:fillRect l="-941" t="-4310" b="-14655"/>
+                </a:stretch>
+              </a:blipFill>
+            </p:spPr>
+            <p:txBody>
+              <a:bodyPr/>
+              <a:lstStyle/>
+              <a:p>
+                <a:r>
+                  <a:rPr lang="ru-RU">
+                    <a:noFill/>
+                  </a:rPr>
+                  <a:t> </a:t>
+                </a:r>
+              </a:p>
+            </p:txBody>
+          </p:sp>
+        </mc:Fallback>
+      </mc:AlternateContent>
+      <p:sp>
+        <p:nvSpPr>
+          <p:cNvPr id="26" name="TextBox 25"/>
+          <p:cNvSpPr txBox="1"/>
+          <p:nvPr/>
+        </p:nvSpPr>
+        <p:spPr>
+          <a:xfrm>
+            <a:off x="14417973" y="23192294"/>
+            <a:ext cx="6527167" cy="830997"/>
+          </a:xfrm>
+          <a:prstGeom prst="rect">
+            <a:avLst/>
+          </a:prstGeom>
+          <a:noFill/>
+        </p:spPr>
+        <p:txBody>
+          <a:bodyPr wrap="square" rtlCol="0">
+            <a:spAutoFit/>
+          </a:bodyPr>
+          <a:lstStyle/>
+          <a:p>
+            <a:r>
+              <a:rPr lang="ru-RU" sz="2400" dirty="0" smtClean="0">
+                <a:latin typeface="Times New Roman" panose="02020603050405020304" pitchFamily="18" charset="0"/>
+                <a:cs typeface="Times New Roman" panose="02020603050405020304" pitchFamily="18" charset="0"/>
+              </a:rPr>
+              <a:t>Зависимость ускорения от углов наклона магнитного поля имеет сложный характер</a:t>
+            </a:r>
+            <a:endParaRPr lang="ru-RU" sz="2400" dirty="0">
+              <a:latin typeface="Times New Roman" panose="02020603050405020304" pitchFamily="18" charset="0"/>
+              <a:cs typeface="Times New Roman" panose="02020603050405020304" pitchFamily="18" charset="0"/>
+            </a:endParaRPr>
+          </a:p>
+        </p:txBody>
+      </p:sp>
     </p:spTree>
     <p:extLst>
       <p:ext uri="{BB962C8B-B14F-4D97-AF65-F5344CB8AC3E}">

--- a/posters/Romansky_Physica_2018.pptx
+++ b/posters/Romansky_Physica_2018.pptx
@@ -288,7 +288,7 @@
           <a:p>
             <a:fld id="{F515D3A2-22C3-4007-B598-9B555F861680}" type="datetimeFigureOut">
               <a:rPr lang="ru-RU" smtClean="0"/>
-              <a:t>23.10.2018</a:t>
+              <a:t>24.10.2018</a:t>
             </a:fld>
             <a:endParaRPr lang="ru-RU"/>
           </a:p>
@@ -458,7 +458,7 @@
           <a:p>
             <a:fld id="{F515D3A2-22C3-4007-B598-9B555F861680}" type="datetimeFigureOut">
               <a:rPr lang="ru-RU" smtClean="0"/>
-              <a:t>23.10.2018</a:t>
+              <a:t>24.10.2018</a:t>
             </a:fld>
             <a:endParaRPr lang="ru-RU"/>
           </a:p>
@@ -638,7 +638,7 @@
           <a:p>
             <a:fld id="{F515D3A2-22C3-4007-B598-9B555F861680}" type="datetimeFigureOut">
               <a:rPr lang="ru-RU" smtClean="0"/>
-              <a:t>23.10.2018</a:t>
+              <a:t>24.10.2018</a:t>
             </a:fld>
             <a:endParaRPr lang="ru-RU"/>
           </a:p>
@@ -808,7 +808,7 @@
           <a:p>
             <a:fld id="{F515D3A2-22C3-4007-B598-9B555F861680}" type="datetimeFigureOut">
               <a:rPr lang="ru-RU" smtClean="0"/>
-              <a:t>23.10.2018</a:t>
+              <a:t>24.10.2018</a:t>
             </a:fld>
             <a:endParaRPr lang="ru-RU"/>
           </a:p>
@@ -1054,7 +1054,7 @@
           <a:p>
             <a:fld id="{F515D3A2-22C3-4007-B598-9B555F861680}" type="datetimeFigureOut">
               <a:rPr lang="ru-RU" smtClean="0"/>
-              <a:t>23.10.2018</a:t>
+              <a:t>24.10.2018</a:t>
             </a:fld>
             <a:endParaRPr lang="ru-RU"/>
           </a:p>
@@ -1342,7 +1342,7 @@
           <a:p>
             <a:fld id="{F515D3A2-22C3-4007-B598-9B555F861680}" type="datetimeFigureOut">
               <a:rPr lang="ru-RU" smtClean="0"/>
-              <a:t>23.10.2018</a:t>
+              <a:t>24.10.2018</a:t>
             </a:fld>
             <a:endParaRPr lang="ru-RU"/>
           </a:p>
@@ -1764,7 +1764,7 @@
           <a:p>
             <a:fld id="{F515D3A2-22C3-4007-B598-9B555F861680}" type="datetimeFigureOut">
               <a:rPr lang="ru-RU" smtClean="0"/>
-              <a:t>23.10.2018</a:t>
+              <a:t>24.10.2018</a:t>
             </a:fld>
             <a:endParaRPr lang="ru-RU"/>
           </a:p>
@@ -1882,7 +1882,7 @@
           <a:p>
             <a:fld id="{F515D3A2-22C3-4007-B598-9B555F861680}" type="datetimeFigureOut">
               <a:rPr lang="ru-RU" smtClean="0"/>
-              <a:t>23.10.2018</a:t>
+              <a:t>24.10.2018</a:t>
             </a:fld>
             <a:endParaRPr lang="ru-RU"/>
           </a:p>
@@ -1977,7 +1977,7 @@
           <a:p>
             <a:fld id="{F515D3A2-22C3-4007-B598-9B555F861680}" type="datetimeFigureOut">
               <a:rPr lang="ru-RU" smtClean="0"/>
-              <a:t>23.10.2018</a:t>
+              <a:t>24.10.2018</a:t>
             </a:fld>
             <a:endParaRPr lang="ru-RU"/>
           </a:p>
@@ -2254,7 +2254,7 @@
           <a:p>
             <a:fld id="{F515D3A2-22C3-4007-B598-9B555F861680}" type="datetimeFigureOut">
               <a:rPr lang="ru-RU" smtClean="0"/>
-              <a:t>23.10.2018</a:t>
+              <a:t>24.10.2018</a:t>
             </a:fld>
             <a:endParaRPr lang="ru-RU"/>
           </a:p>
@@ -2507,7 +2507,7 @@
           <a:p>
             <a:fld id="{F515D3A2-22C3-4007-B598-9B555F861680}" type="datetimeFigureOut">
               <a:rPr lang="ru-RU" smtClean="0"/>
-              <a:t>23.10.2018</a:t>
+              <a:t>24.10.2018</a:t>
             </a:fld>
             <a:endParaRPr lang="ru-RU"/>
           </a:p>
@@ -2720,7 +2720,7 @@
           <a:p>
             <a:fld id="{F515D3A2-22C3-4007-B598-9B555F861680}" type="datetimeFigureOut">
               <a:rPr lang="ru-RU" smtClean="0"/>
-              <a:t>23.10.2018</a:t>
+              <a:t>24.10.2018</a:t>
             </a:fld>
             <a:endParaRPr lang="ru-RU"/>
           </a:p>
@@ -5408,8 +5408,8 @@
           </a:extLst>
         </p:spPr>
       </p:pic>
-      <mc:AlternateContent xmlns:mc="http://schemas.openxmlformats.org/markup-compatibility/2006">
-        <mc:Choice xmlns:a14="http://schemas.microsoft.com/office/drawing/2010/main" Requires="a14">
+      <mc:AlternateContent xmlns:mc="http://schemas.openxmlformats.org/markup-compatibility/2006" xmlns:a14="http://schemas.microsoft.com/office/drawing/2010/main">
+        <mc:Choice Requires="a14">
           <p:sp>
             <p:nvSpPr>
               <p:cNvPr id="3" name="TextBox 2"/>
@@ -5657,7 +5657,7 @@
             </p:txBody>
           </p:sp>
         </mc:Choice>
-        <mc:Fallback>
+        <mc:Fallback xmlns="">
           <p:sp>
             <p:nvSpPr>
               <p:cNvPr id="3" name="TextBox 2"/>
@@ -6219,8 +6219,8 @@
           </a:p>
         </p:txBody>
       </p:sp>
-      <mc:AlternateContent xmlns:mc="http://schemas.openxmlformats.org/markup-compatibility/2006">
-        <mc:Choice xmlns:a14="http://schemas.microsoft.com/office/drawing/2010/main" Requires="a14">
+      <mc:AlternateContent xmlns:mc="http://schemas.openxmlformats.org/markup-compatibility/2006" xmlns:a14="http://schemas.microsoft.com/office/drawing/2010/main">
+        <mc:Choice Requires="a14">
           <p:sp>
             <p:nvSpPr>
               <p:cNvPr id="18" name="TextBox 17"/>
@@ -6977,7 +6977,7 @@
             </p:txBody>
           </p:sp>
         </mc:Choice>
-        <mc:Fallback>
+        <mc:Fallback xmlns="">
           <p:sp>
             <p:nvSpPr>
               <p:cNvPr id="18" name="TextBox 17"/>
@@ -7091,8 +7091,8 @@
           </a:p>
         </p:txBody>
       </p:sp>
-      <mc:AlternateContent xmlns:mc="http://schemas.openxmlformats.org/markup-compatibility/2006">
-        <mc:Choice xmlns:a14="http://schemas.microsoft.com/office/drawing/2010/main" Requires="a14">
+      <mc:AlternateContent xmlns:mc="http://schemas.openxmlformats.org/markup-compatibility/2006" xmlns:a14="http://schemas.microsoft.com/office/drawing/2010/main">
+        <mc:Choice Requires="a14">
           <p:sp>
             <p:nvSpPr>
               <p:cNvPr id="37" name="TextBox 36"/>
@@ -7120,35 +7120,21 @@
                     <a:latin typeface="Times New Roman" panose="02020603050405020304" pitchFamily="18" charset="0"/>
                     <a:cs typeface="Times New Roman" panose="02020603050405020304" pitchFamily="18" charset="0"/>
                   </a:rPr>
-                  <a:t>  Мы рассматривали </a:t>
+                  <a:t>  Мы рассматривали двумерные </a:t>
+                </a:r>
+                <a:r>
+                  <a:rPr lang="ru-RU" sz="2400" dirty="0" err="1" smtClean="0">
+                    <a:latin typeface="Times New Roman" panose="02020603050405020304" pitchFamily="18" charset="0"/>
+                    <a:cs typeface="Times New Roman" panose="02020603050405020304" pitchFamily="18" charset="0"/>
+                  </a:rPr>
+                  <a:t>субрелятивистские</a:t>
                 </a:r>
                 <a:r>
                   <a:rPr lang="ru-RU" sz="2400" dirty="0" smtClean="0">
                     <a:latin typeface="Times New Roman" panose="02020603050405020304" pitchFamily="18" charset="0"/>
                     <a:cs typeface="Times New Roman" panose="02020603050405020304" pitchFamily="18" charset="0"/>
                   </a:rPr>
-                  <a:t>двумерные </a:t>
-                </a:r>
-                <a:r>
-                  <a:rPr lang="ru-RU" sz="2400" dirty="0" err="1" smtClean="0">
-                    <a:latin typeface="Times New Roman" panose="02020603050405020304" pitchFamily="18" charset="0"/>
-                    <a:cs typeface="Times New Roman" panose="02020603050405020304" pitchFamily="18" charset="0"/>
-                  </a:rPr>
-                  <a:t>субрелятивистские</a:t>
-                </a:r>
-                <a:r>
-                  <a:rPr lang="ru-RU" sz="2400" dirty="0" smtClean="0">
-                    <a:latin typeface="Times New Roman" panose="02020603050405020304" pitchFamily="18" charset="0"/>
-                    <a:cs typeface="Times New Roman" panose="02020603050405020304" pitchFamily="18" charset="0"/>
-                  </a:rPr>
-                  <a:t> </a:t>
-                </a:r>
-                <a:r>
-                  <a:rPr lang="ru-RU" sz="2400" dirty="0" smtClean="0">
-                    <a:latin typeface="Times New Roman" panose="02020603050405020304" pitchFamily="18" charset="0"/>
-                    <a:cs typeface="Times New Roman" panose="02020603050405020304" pitchFamily="18" charset="0"/>
-                  </a:rPr>
-                  <a:t>потоки плазмы с </a:t>
+                  <a:t> потоки плазмы с </a:t>
                 </a:r>
                 <a:r>
                   <a:rPr lang="ru-RU" sz="2400" dirty="0" err="1" smtClean="0">
@@ -7754,7 +7740,7 @@
             </p:txBody>
           </p:sp>
         </mc:Choice>
-        <mc:Fallback>
+        <mc:Fallback xmlns="">
           <p:sp>
             <p:nvSpPr>
               <p:cNvPr id="37" name="TextBox 36"/>
@@ -7873,8 +7859,8 @@
         </p:blipFill>
         <p:spPr>
           <a:xfrm>
-            <a:off x="7439524" y="18286404"/>
-            <a:ext cx="6356715" cy="4661591"/>
+            <a:off x="7449049" y="18196915"/>
+            <a:ext cx="6268688" cy="4307647"/>
           </a:xfrm>
           <a:prstGeom prst="rect">
             <a:avLst/>
@@ -7891,8 +7877,8 @@
             </p:nvSpPr>
             <p:spPr>
               <a:xfrm>
-                <a:off x="7320870" y="23846711"/>
-                <a:ext cx="7005441" cy="5262979"/>
+                <a:off x="7292303" y="23383161"/>
+                <a:ext cx="7005441" cy="6370975"/>
               </a:xfrm>
               <a:prstGeom prst="rect">
                 <a:avLst/>
@@ -7928,56 +7914,21 @@
                     <a:latin typeface="Times New Roman" panose="02020603050405020304" pitchFamily="18" charset="0"/>
                     <a:cs typeface="Times New Roman" panose="02020603050405020304" pitchFamily="18" charset="0"/>
                   </a:rPr>
-                  <a:t>В  работе исследовано влияние </a:t>
+                  <a:t>В  работе исследовано влияние углов наклона магнитного поля на эффективность ускорения частиц. </a:t>
                 </a:r>
                 <a:r>
                   <a:rPr lang="ru-RU" sz="2400" dirty="0" smtClean="0">
                     <a:latin typeface="Times New Roman" panose="02020603050405020304" pitchFamily="18" charset="0"/>
                     <a:cs typeface="Times New Roman" panose="02020603050405020304" pitchFamily="18" charset="0"/>
                   </a:rPr>
-                  <a:t>углов </a:t>
-                </a:r>
-                <a:r>
-                  <a:rPr lang="ru-RU" sz="2400" dirty="0" smtClean="0">
-                    <a:latin typeface="Times New Roman" panose="02020603050405020304" pitchFamily="18" charset="0"/>
-                    <a:cs typeface="Times New Roman" panose="02020603050405020304" pitchFamily="18" charset="0"/>
-                  </a:rPr>
-                  <a:t>наклона магнитного поля на эффективность ускорения частиц</a:t>
-                </a:r>
-                <a:r>
-                  <a:rPr lang="ru-RU" sz="2400" dirty="0" smtClean="0">
-                    <a:latin typeface="Times New Roman" panose="02020603050405020304" pitchFamily="18" charset="0"/>
-                    <a:cs typeface="Times New Roman" panose="02020603050405020304" pitchFamily="18" charset="0"/>
-                  </a:rPr>
-                  <a:t>. </a:t>
-                </a:r>
-                <a:r>
-                  <a:rPr lang="ru-RU" sz="2400" dirty="0" smtClean="0">
-                    <a:latin typeface="Times New Roman" panose="02020603050405020304" pitchFamily="18" charset="0"/>
-                    <a:cs typeface="Times New Roman" panose="02020603050405020304" pitchFamily="18" charset="0"/>
-                  </a:rPr>
-                  <a:t>В </a:t>
+                  <a:t>При </a:t>
                 </a:r>
                 <a:r>
                   <a:rPr lang="ru-RU" sz="2400" dirty="0">
                     <a:latin typeface="Times New Roman" panose="02020603050405020304" pitchFamily="18" charset="0"/>
                     <a:cs typeface="Times New Roman" panose="02020603050405020304" pitchFamily="18" charset="0"/>
                   </a:rPr>
-                  <a:t>случае, когда магнитное поле лежит в плоскости </a:t>
-                </a:r>
-                <a:r>
-                  <a:rPr lang="en-US" sz="2400" dirty="0">
-                    <a:latin typeface="Times New Roman" panose="02020603050405020304" pitchFamily="18" charset="0"/>
-                    <a:cs typeface="Times New Roman" panose="02020603050405020304" pitchFamily="18" charset="0"/>
-                  </a:rPr>
-                  <a:t>x-z, </a:t>
-                </a:r>
-                <a:r>
-                  <a:rPr lang="ru-RU" sz="2400" dirty="0">
-                    <a:latin typeface="Times New Roman" panose="02020603050405020304" pitchFamily="18" charset="0"/>
-                    <a:cs typeface="Times New Roman" panose="02020603050405020304" pitchFamily="18" charset="0"/>
-                  </a:rPr>
-                  <a:t>при углах </a:t>
+                  <a:t>углах </a:t>
                 </a:r>
                 <a14:m>
                   <m:oMath xmlns:m="http://schemas.openxmlformats.org/officeDocument/2006/math">
@@ -8132,7 +8083,21 @@
                     <a:latin typeface="Times New Roman" panose="02020603050405020304" pitchFamily="18" charset="0"/>
                     <a:cs typeface="Times New Roman" panose="02020603050405020304" pitchFamily="18" charset="0"/>
                   </a:rPr>
-                  <a:t>в системе покоя набегающего потока ускорение прекращается, что находится в согласии с аналогичными работами для ультрарелятивистских волн (</a:t>
+                  <a:t>в системе покоя набегающего потока </a:t>
+                </a:r>
+                <a:r>
+                  <a:rPr lang="ru-RU" sz="2400" dirty="0" smtClean="0">
+                    <a:latin typeface="Times New Roman" panose="02020603050405020304" pitchFamily="18" charset="0"/>
+                    <a:cs typeface="Times New Roman" panose="02020603050405020304" pitchFamily="18" charset="0"/>
+                  </a:rPr>
+                  <a:t>ускорение протонов прекращается для обоих случаев ориентации магнитного поля, </a:t>
+                </a:r>
+                <a:r>
+                  <a:rPr lang="ru-RU" sz="2400" dirty="0">
+                    <a:latin typeface="Times New Roman" panose="02020603050405020304" pitchFamily="18" charset="0"/>
+                    <a:cs typeface="Times New Roman" panose="02020603050405020304" pitchFamily="18" charset="0"/>
+                  </a:rPr>
+                  <a:t>что находится в согласии с аналогичными работами для ультрарелятивистских волн (</a:t>
                 </a:r>
                 <a:r>
                   <a:rPr lang="en-US" sz="2400" dirty="0" err="1">
@@ -8153,29 +8118,43 @@
                     <a:latin typeface="Times New Roman" panose="02020603050405020304" pitchFamily="18" charset="0"/>
                     <a:cs typeface="Times New Roman" panose="02020603050405020304" pitchFamily="18" charset="0"/>
                   </a:rPr>
-                  <a:t>. В случае же, когда поле лежит в плоскости </a:t>
-                </a:r>
-                <a:r>
-                  <a:rPr lang="en-US" sz="2400" dirty="0">
+                  <a:t>. </a:t>
+                </a:r>
+                <a:r>
+                  <a:rPr lang="ru-RU" sz="2400" dirty="0" smtClean="0">
                     <a:latin typeface="Times New Roman" panose="02020603050405020304" pitchFamily="18" charset="0"/>
                     <a:cs typeface="Times New Roman" panose="02020603050405020304" pitchFamily="18" charset="0"/>
                   </a:rPr>
-                  <a:t>x-y</a:t>
-                </a:r>
-                <a:r>
-                  <a:rPr lang="ru-RU" sz="2400" dirty="0">
+                  <a:t> В тепловой компоненте же имеются значительные отличия, связанные, как мы полагаем, с генерацией волн в </a:t>
+                </a:r>
+                <a:r>
+                  <a:rPr lang="ru-RU" sz="2400" dirty="0" err="1" smtClean="0">
                     <a:latin typeface="Times New Roman" panose="02020603050405020304" pitchFamily="18" charset="0"/>
                     <a:cs typeface="Times New Roman" panose="02020603050405020304" pitchFamily="18" charset="0"/>
                   </a:rPr>
-                  <a:t>, ситуация сложнее и при переходе через критический угол меняется режим ускорения.</a:t>
-                </a:r>
-                <a:endParaRPr lang="ru-RU" sz="2400" dirty="0">
-                  <a:latin typeface="Times New Roman" panose="02020603050405020304" pitchFamily="18" charset="0"/>
-                  <a:cs typeface="Times New Roman" panose="02020603050405020304" pitchFamily="18" charset="0"/>
-                </a:endParaRPr>
-              </a:p>
-              <a:p>
-                <a:pPr algn="just"/>
+                  <a:t>предфронте</a:t>
+                </a:r>
+                <a:r>
+                  <a:rPr lang="ru-RU" sz="2400" dirty="0" smtClean="0">
+                    <a:latin typeface="Times New Roman" panose="02020603050405020304" pitchFamily="18" charset="0"/>
+                    <a:cs typeface="Times New Roman" panose="02020603050405020304" pitchFamily="18" charset="0"/>
+                  </a:rPr>
+                  <a:t> и нагревом ими плазмы. У электронов же появляется ускоренная компонента при ориентации поля в плоскости </a:t>
+                </a:r>
+                <a:r>
+                  <a:rPr lang="en-US" sz="2400" dirty="0" smtClean="0">
+                    <a:latin typeface="Times New Roman" panose="02020603050405020304" pitchFamily="18" charset="0"/>
+                    <a:cs typeface="Times New Roman" panose="02020603050405020304" pitchFamily="18" charset="0"/>
+                  </a:rPr>
+                  <a:t>x-y</a:t>
+                </a:r>
+                <a:r>
+                  <a:rPr lang="ru-RU" sz="2400" dirty="0" smtClean="0">
+                    <a:latin typeface="Times New Roman" panose="02020603050405020304" pitchFamily="18" charset="0"/>
+                    <a:cs typeface="Times New Roman" panose="02020603050405020304" pitchFamily="18" charset="0"/>
+                  </a:rPr>
+                  <a:t> даже при углах больших критического, природа ее до конца не ясна.</a:t>
+                </a:r>
                 <a:endParaRPr lang="ru-RU" sz="2400" b="1" dirty="0">
                   <a:latin typeface="Times New Roman" panose="02020603050405020304" pitchFamily="18" charset="0"/>
                   <a:cs typeface="Times New Roman" panose="02020603050405020304" pitchFamily="18" charset="0"/>
@@ -8195,8 +8174,8 @@
             </p:nvSpPr>
             <p:spPr>
               <a:xfrm>
-                <a:off x="7320870" y="23846711"/>
-                <a:ext cx="7005441" cy="5262979"/>
+                <a:off x="7292303" y="23383161"/>
+                <a:ext cx="7005441" cy="6370975"/>
               </a:xfrm>
               <a:prstGeom prst="rect">
                 <a:avLst/>
@@ -8204,7 +8183,7 @@
               <a:blipFill rotWithShape="1">
                 <a:blip r:embed="rId9"/>
                 <a:stretch>
-                  <a:fillRect l="-1393" t="-927" r="-1305"/>
+                  <a:fillRect l="-1305" t="-766" r="-1393" b="-1244"/>
                 </a:stretch>
               </a:blipFill>
             </p:spPr>
@@ -8233,7 +8212,7 @@
             </p:nvSpPr>
             <p:spPr>
               <a:xfrm>
-                <a:off x="7378497" y="23016041"/>
+                <a:off x="7364683" y="22648921"/>
                 <a:ext cx="6478770" cy="734240"/>
               </a:xfrm>
               <a:prstGeom prst="rect">
@@ -8401,7 +8380,7 @@
             </p:nvSpPr>
             <p:spPr>
               <a:xfrm>
-                <a:off x="7378497" y="23016041"/>
+                <a:off x="7364683" y="22648921"/>
                 <a:ext cx="6478770" cy="734240"/>
               </a:xfrm>
               <a:prstGeom prst="rect">
@@ -8410,7 +8389,7 @@
               <a:blipFill rotWithShape="1">
                 <a:blip r:embed="rId10"/>
                 <a:stretch>
-                  <a:fillRect l="-941" t="-4167" r="-282" b="-10833"/>
+                  <a:fillRect l="-941" t="-4132" r="-282" b="-9917"/>
                 </a:stretch>
               </a:blipFill>
             </p:spPr>
@@ -8439,7 +8418,7 @@
             </p:nvSpPr>
             <p:spPr>
               <a:xfrm>
-                <a:off x="14403894" y="7712920"/>
+                <a:off x="14437562" y="7567347"/>
                 <a:ext cx="6478770" cy="734240"/>
               </a:xfrm>
               <a:prstGeom prst="rect">
@@ -8479,21 +8458,7 @@
                     <a:latin typeface="Times New Roman" panose="02020603050405020304" pitchFamily="18" charset="0"/>
                     <a:cs typeface="Times New Roman" panose="02020603050405020304" pitchFamily="18" charset="0"/>
                   </a:rPr>
-                  <a:t>Спектр протонов </a:t>
-                </a:r>
-                <a:r>
-                  <a:rPr lang="ru-RU" sz="2000" i="1" dirty="0" smtClean="0">
-                    <a:latin typeface="Times New Roman" panose="02020603050405020304" pitchFamily="18" charset="0"/>
-                    <a:cs typeface="Times New Roman" panose="02020603050405020304" pitchFamily="18" charset="0"/>
-                  </a:rPr>
-                  <a:t>при </a:t>
-                </a:r>
-                <a:r>
-                  <a:rPr lang="ru-RU" sz="2000" i="1" dirty="0" smtClean="0">
-                    <a:latin typeface="Times New Roman" panose="02020603050405020304" pitchFamily="18" charset="0"/>
-                    <a:cs typeface="Times New Roman" panose="02020603050405020304" pitchFamily="18" charset="0"/>
-                  </a:rPr>
-                  <a:t>разных углах </a:t>
+                  <a:t>Спектр протонов при разных углах </a:t>
                 </a:r>
                 <a:r>
                   <a:rPr lang="en-US" sz="2000" i="1" dirty="0" smtClean="0">
@@ -8526,14 +8491,7 @@
                     <a:latin typeface="Times New Roman" panose="02020603050405020304" pitchFamily="18" charset="0"/>
                     <a:cs typeface="Times New Roman" panose="02020603050405020304" pitchFamily="18" charset="0"/>
                   </a:rPr>
-                  <a:t>наклона </a:t>
-                </a:r>
-                <a:r>
-                  <a:rPr lang="ru-RU" sz="2000" i="1" dirty="0" smtClean="0">
-                    <a:latin typeface="Times New Roman" panose="02020603050405020304" pitchFamily="18" charset="0"/>
-                    <a:cs typeface="Times New Roman" panose="02020603050405020304" pitchFamily="18" charset="0"/>
-                  </a:rPr>
-                  <a:t>магнитного поля </a:t>
+                  <a:t>наклона магнитного поля </a:t>
                 </a:r>
                 <a:r>
                   <a:rPr lang="en-US" sz="2000" i="1" dirty="0" smtClean="0">
@@ -8619,7 +8577,7 @@
             </p:nvSpPr>
             <p:spPr>
               <a:xfrm>
-                <a:off x="14403894" y="7712920"/>
+                <a:off x="14437562" y="7567347"/>
                 <a:ext cx="6478770" cy="734240"/>
               </a:xfrm>
               <a:prstGeom prst="rect">
@@ -8628,7 +8586,7 @@
               <a:blipFill rotWithShape="1">
                 <a:blip r:embed="rId11"/>
                 <a:stretch>
-                  <a:fillRect l="-1035" t="-4132" b="-9917"/>
+                  <a:fillRect l="-941" t="-4132" b="-9917"/>
                 </a:stretch>
               </a:blipFill>
             </p:spPr>
@@ -8647,8 +8605,8 @@
           </p:sp>
         </mc:Fallback>
       </mc:AlternateContent>
-      <mc:AlternateContent xmlns:mc="http://schemas.openxmlformats.org/markup-compatibility/2006">
-        <mc:Choice xmlns:a14="http://schemas.microsoft.com/office/drawing/2010/main" Requires="a14">
+      <mc:AlternateContent xmlns:mc="http://schemas.openxmlformats.org/markup-compatibility/2006" xmlns:a14="http://schemas.microsoft.com/office/drawing/2010/main">
+        <mc:Choice Requires="a14">
           <p:sp>
             <p:nvSpPr>
               <p:cNvPr id="43" name="TextBox 42"/>
@@ -8676,35 +8634,14 @@
                     <a:latin typeface="Times New Roman" panose="02020603050405020304" pitchFamily="18" charset="0"/>
                     <a:cs typeface="Times New Roman" panose="02020603050405020304" pitchFamily="18" charset="0"/>
                   </a:rPr>
-                  <a:t>Рис. </a:t>
-                </a:r>
-                <a:r>
-                  <a:rPr lang="ru-RU" sz="2000" b="1" i="1" dirty="0" smtClean="0">
-                    <a:latin typeface="Times New Roman" panose="02020603050405020304" pitchFamily="18" charset="0"/>
-                    <a:cs typeface="Times New Roman" panose="02020603050405020304" pitchFamily="18" charset="0"/>
-                  </a:rPr>
-                  <a:t>3 </a:t>
+                  <a:t>Рис. 3 </a:t>
                 </a:r>
                 <a:r>
                   <a:rPr lang="ru-RU" sz="2000" i="1" dirty="0" smtClean="0">
                     <a:latin typeface="Times New Roman" panose="02020603050405020304" pitchFamily="18" charset="0"/>
                     <a:cs typeface="Times New Roman" panose="02020603050405020304" pitchFamily="18" charset="0"/>
                   </a:rPr>
-                  <a:t>Спектр электронов </a:t>
-                </a:r>
-                <a:r>
-                  <a:rPr lang="ru-RU" sz="2000" i="1" dirty="0" smtClean="0">
-                    <a:latin typeface="Times New Roman" panose="02020603050405020304" pitchFamily="18" charset="0"/>
-                    <a:cs typeface="Times New Roman" panose="02020603050405020304" pitchFamily="18" charset="0"/>
-                  </a:rPr>
-                  <a:t>при </a:t>
-                </a:r>
-                <a:r>
-                  <a:rPr lang="ru-RU" sz="2000" i="1" dirty="0" smtClean="0">
-                    <a:latin typeface="Times New Roman" panose="02020603050405020304" pitchFamily="18" charset="0"/>
-                    <a:cs typeface="Times New Roman" panose="02020603050405020304" pitchFamily="18" charset="0"/>
-                  </a:rPr>
-                  <a:t>разных углах </a:t>
+                  <a:t>Спектр электронов при разных углах </a:t>
                 </a:r>
                 <a14:m>
                   <m:oMath xmlns:m="http://schemas.openxmlformats.org/officeDocument/2006/math">
@@ -8730,14 +8667,7 @@
                     <a:latin typeface="Times New Roman" panose="02020603050405020304" pitchFamily="18" charset="0"/>
                     <a:cs typeface="Times New Roman" panose="02020603050405020304" pitchFamily="18" charset="0"/>
                   </a:rPr>
-                  <a:t>наклона </a:t>
-                </a:r>
-                <a:r>
-                  <a:rPr lang="ru-RU" sz="2000" i="1" dirty="0" smtClean="0">
-                    <a:latin typeface="Times New Roman" panose="02020603050405020304" pitchFamily="18" charset="0"/>
-                    <a:cs typeface="Times New Roman" panose="02020603050405020304" pitchFamily="18" charset="0"/>
-                  </a:rPr>
-                  <a:t>магнитного поля </a:t>
+                  <a:t>наклона магнитного поля </a:t>
                 </a:r>
                 <a:r>
                   <a:rPr lang="ru-RU" sz="2000" i="1" dirty="0">
@@ -8805,7 +8735,7 @@
             </p:txBody>
           </p:sp>
         </mc:Choice>
-        <mc:Fallback>
+        <mc:Fallback xmlns="">
           <p:sp>
             <p:nvSpPr>
               <p:cNvPr id="43" name="TextBox 42"/>
@@ -8854,7 +8784,7 @@
         </p:nvSpPr>
         <p:spPr bwMode="auto">
           <a:xfrm>
-            <a:off x="14326312" y="25416371"/>
+            <a:off x="14326312" y="25653155"/>
             <a:ext cx="6494769" cy="3695500"/>
           </a:xfrm>
           <a:prstGeom prst="rect">
@@ -9927,8 +9857,8 @@
           </a:p>
         </p:txBody>
       </p:sp>
-      <mc:AlternateContent xmlns:mc="http://schemas.openxmlformats.org/markup-compatibility/2006">
-        <mc:Choice xmlns:a14="http://schemas.microsoft.com/office/drawing/2010/main" Requires="a14">
+      <mc:AlternateContent xmlns:mc="http://schemas.openxmlformats.org/markup-compatibility/2006" xmlns:a14="http://schemas.microsoft.com/office/drawing/2010/main">
+        <mc:Choice Requires="a14">
           <p:sp>
             <p:nvSpPr>
               <p:cNvPr id="58" name="TextBox 57"/>
@@ -9984,7 +9914,7 @@
             </p:txBody>
           </p:sp>
         </mc:Choice>
-        <mc:Fallback>
+        <mc:Fallback xmlns="">
           <p:sp>
             <p:nvSpPr>
               <p:cNvPr id="58" name="TextBox 57"/>
@@ -10171,8 +10101,8 @@
           </a:p>
         </p:txBody>
       </p:sp>
-      <mc:AlternateContent xmlns:mc="http://schemas.openxmlformats.org/markup-compatibility/2006">
-        <mc:Choice xmlns:a14="http://schemas.microsoft.com/office/drawing/2010/main" Requires="a14">
+      <mc:AlternateContent xmlns:mc="http://schemas.openxmlformats.org/markup-compatibility/2006" xmlns:a14="http://schemas.microsoft.com/office/drawing/2010/main">
+        <mc:Choice Requires="a14">
           <p:sp>
             <p:nvSpPr>
               <p:cNvPr id="74" name="TextBox 73"/>
@@ -10217,7 +10147,7 @@
             </p:txBody>
           </p:sp>
         </mc:Choice>
-        <mc:Fallback>
+        <mc:Fallback xmlns="">
           <p:sp>
             <p:nvSpPr>
               <p:cNvPr id="74" name="TextBox 73"/>
@@ -10294,8 +10224,8 @@
           </a:p>
         </p:txBody>
       </p:sp>
-      <mc:AlternateContent xmlns:mc="http://schemas.openxmlformats.org/markup-compatibility/2006">
-        <mc:Choice xmlns:a14="http://schemas.microsoft.com/office/drawing/2010/main" Requires="a14">
+      <mc:AlternateContent xmlns:mc="http://schemas.openxmlformats.org/markup-compatibility/2006" xmlns:a14="http://schemas.microsoft.com/office/drawing/2010/main">
+        <mc:Choice Requires="a14">
           <p:sp>
             <p:nvSpPr>
               <p:cNvPr id="76" name="TextBox 75"/>
@@ -10340,7 +10270,7 @@
             </p:txBody>
           </p:sp>
         </mc:Choice>
-        <mc:Fallback>
+        <mc:Fallback xmlns="">
           <p:sp>
             <p:nvSpPr>
               <p:cNvPr id="76" name="TextBox 75"/>
@@ -10379,8 +10309,8 @@
           </p:sp>
         </mc:Fallback>
       </mc:AlternateContent>
-      <mc:AlternateContent xmlns:mc="http://schemas.openxmlformats.org/markup-compatibility/2006">
-        <mc:Choice xmlns:a14="http://schemas.microsoft.com/office/drawing/2010/main" Requires="a14">
+      <mc:AlternateContent xmlns:mc="http://schemas.openxmlformats.org/markup-compatibility/2006" xmlns:a14="http://schemas.microsoft.com/office/drawing/2010/main">
+        <mc:Choice Requires="a14">
           <p:sp>
             <p:nvSpPr>
               <p:cNvPr id="77" name="TextBox 76"/>
@@ -10436,7 +10366,7 @@
             </p:txBody>
           </p:sp>
         </mc:Choice>
-        <mc:Fallback>
+        <mc:Fallback xmlns="">
           <p:sp>
             <p:nvSpPr>
               <p:cNvPr id="77" name="TextBox 76"/>
@@ -10475,98 +10405,8 @@
           </p:sp>
         </mc:Fallback>
       </mc:AlternateContent>
-      <p:pic>
-        <p:nvPicPr>
-          <p:cNvPr id="8" name="Рисунок 7"/>
-          <p:cNvPicPr>
-            <a:picLocks noChangeAspect="1"/>
-          </p:cNvPicPr>
-          <p:nvPr/>
-        </p:nvPicPr>
-        <p:blipFill>
-          <a:blip r:embed="rId17">
-            <a:extLst>
-              <a:ext uri="{28A0092B-C50C-407E-A947-70E740481C1C}">
-                <a14:useLocalDpi xmlns:a14="http://schemas.microsoft.com/office/drawing/2010/main" val="0"/>
-              </a:ext>
-            </a:extLst>
-          </a:blip>
-          <a:stretch>
-            <a:fillRect/>
-          </a:stretch>
-        </p:blipFill>
-        <p:spPr>
-          <a:xfrm>
-            <a:off x="14388973" y="3653043"/>
-            <a:ext cx="6199552" cy="4044382"/>
-          </a:xfrm>
-          <a:prstGeom prst="rect">
-            <a:avLst/>
-          </a:prstGeom>
-        </p:spPr>
-      </p:pic>
-      <p:pic>
-        <p:nvPicPr>
-          <p:cNvPr id="9" name="Рисунок 8"/>
-          <p:cNvPicPr>
-            <a:picLocks noChangeAspect="1"/>
-          </p:cNvPicPr>
-          <p:nvPr/>
-        </p:nvPicPr>
-        <p:blipFill>
-          <a:blip r:embed="rId18">
-            <a:extLst>
-              <a:ext uri="{28A0092B-C50C-407E-A947-70E740481C1C}">
-                <a14:useLocalDpi xmlns:a14="http://schemas.microsoft.com/office/drawing/2010/main" val="0"/>
-              </a:ext>
-            </a:extLst>
-          </a:blip>
-          <a:stretch>
-            <a:fillRect/>
-          </a:stretch>
-        </p:blipFill>
-        <p:spPr>
-          <a:xfrm>
-            <a:off x="14338765" y="8405399"/>
-            <a:ext cx="6147723" cy="4010571"/>
-          </a:xfrm>
-          <a:prstGeom prst="rect">
-            <a:avLst/>
-          </a:prstGeom>
-        </p:spPr>
-      </p:pic>
-      <p:pic>
-        <p:nvPicPr>
-          <p:cNvPr id="19" name="Рисунок 18"/>
-          <p:cNvPicPr>
-            <a:picLocks noChangeAspect="1"/>
-          </p:cNvPicPr>
-          <p:nvPr/>
-        </p:nvPicPr>
-        <p:blipFill>
-          <a:blip r:embed="rId19">
-            <a:extLst>
-              <a:ext uri="{28A0092B-C50C-407E-A947-70E740481C1C}">
-                <a14:useLocalDpi xmlns:a14="http://schemas.microsoft.com/office/drawing/2010/main" val="0"/>
-              </a:ext>
-            </a:extLst>
-          </a:blip>
-          <a:stretch>
-            <a:fillRect/>
-          </a:stretch>
-        </p:blipFill>
-        <p:spPr>
-          <a:xfrm>
-            <a:off x="14466024" y="13135214"/>
-            <a:ext cx="6327445" cy="4099735"/>
-          </a:xfrm>
-          <a:prstGeom prst="rect">
-            <a:avLst/>
-          </a:prstGeom>
-        </p:spPr>
-      </p:pic>
-      <mc:AlternateContent xmlns:mc="http://schemas.openxmlformats.org/markup-compatibility/2006">
-        <mc:Choice xmlns:a14="http://schemas.microsoft.com/office/drawing/2010/main" Requires="a14">
+      <mc:AlternateContent xmlns:mc="http://schemas.openxmlformats.org/markup-compatibility/2006" xmlns:a14="http://schemas.microsoft.com/office/drawing/2010/main">
+        <mc:Choice Requires="a14">
           <p:sp>
             <p:nvSpPr>
               <p:cNvPr id="46" name="TextBox 45"/>
@@ -10601,21 +10441,7 @@
                     <a:latin typeface="Times New Roman" panose="02020603050405020304" pitchFamily="18" charset="0"/>
                     <a:cs typeface="Times New Roman" panose="02020603050405020304" pitchFamily="18" charset="0"/>
                   </a:rPr>
-                  <a:t>Спектр протонов </a:t>
-                </a:r>
-                <a:r>
-                  <a:rPr lang="ru-RU" sz="2000" i="1" dirty="0" smtClean="0">
-                    <a:latin typeface="Times New Roman" panose="02020603050405020304" pitchFamily="18" charset="0"/>
-                    <a:cs typeface="Times New Roman" panose="02020603050405020304" pitchFamily="18" charset="0"/>
-                  </a:rPr>
-                  <a:t>при </a:t>
-                </a:r>
-                <a:r>
-                  <a:rPr lang="ru-RU" sz="2000" i="1" dirty="0" smtClean="0">
-                    <a:latin typeface="Times New Roman" panose="02020603050405020304" pitchFamily="18" charset="0"/>
-                    <a:cs typeface="Times New Roman" panose="02020603050405020304" pitchFamily="18" charset="0"/>
-                  </a:rPr>
-                  <a:t>разных углах </a:t>
+                  <a:t>Спектр протонов при разных углах </a:t>
                 </a:r>
                 <a:r>
                   <a:rPr lang="en-US" sz="2000" i="1" dirty="0" smtClean="0">
@@ -10648,14 +10474,7 @@
                     <a:latin typeface="Times New Roman" panose="02020603050405020304" pitchFamily="18" charset="0"/>
                     <a:cs typeface="Times New Roman" panose="02020603050405020304" pitchFamily="18" charset="0"/>
                   </a:rPr>
-                  <a:t>наклона </a:t>
-                </a:r>
-                <a:r>
-                  <a:rPr lang="ru-RU" sz="2000" i="1" dirty="0" smtClean="0">
-                    <a:latin typeface="Times New Roman" panose="02020603050405020304" pitchFamily="18" charset="0"/>
-                    <a:cs typeface="Times New Roman" panose="02020603050405020304" pitchFamily="18" charset="0"/>
-                  </a:rPr>
-                  <a:t>магнитного поля </a:t>
+                  <a:t>наклона магнитного поля </a:t>
                 </a:r>
                 <a:r>
                   <a:rPr lang="en-US" sz="2000" i="1" dirty="0" smtClean="0">
@@ -10730,7 +10549,7 @@
             </p:txBody>
           </p:sp>
         </mc:Choice>
-        <mc:Fallback>
+        <mc:Fallback xmlns="">
           <p:sp>
             <p:nvSpPr>
               <p:cNvPr id="46" name="TextBox 45"/>
@@ -10769,36 +10588,6 @@
           </p:sp>
         </mc:Fallback>
       </mc:AlternateContent>
-      <p:pic>
-        <p:nvPicPr>
-          <p:cNvPr id="25" name="Рисунок 24"/>
-          <p:cNvPicPr>
-            <a:picLocks noChangeAspect="1"/>
-          </p:cNvPicPr>
-          <p:nvPr/>
-        </p:nvPicPr>
-        <p:blipFill>
-          <a:blip r:embed="rId21">
-            <a:extLst>
-              <a:ext uri="{28A0092B-C50C-407E-A947-70E740481C1C}">
-                <a14:useLocalDpi xmlns:a14="http://schemas.microsoft.com/office/drawing/2010/main" val="0"/>
-              </a:ext>
-            </a:extLst>
-          </a:blip>
-          <a:stretch>
-            <a:fillRect/>
-          </a:stretch>
-        </p:blipFill>
-        <p:spPr>
-          <a:xfrm>
-            <a:off x="14363497" y="18155440"/>
-            <a:ext cx="6250503" cy="4049882"/>
-          </a:xfrm>
-          <a:prstGeom prst="rect">
-            <a:avLst/>
-          </a:prstGeom>
-        </p:spPr>
-      </p:pic>
       <mc:AlternateContent xmlns:mc="http://schemas.openxmlformats.org/markup-compatibility/2006">
         <mc:Choice xmlns:a14="http://schemas.microsoft.com/office/drawing/2010/main" Requires="a14">
           <p:sp>
@@ -10809,7 +10598,7 @@
             </p:nvSpPr>
             <p:spPr>
               <a:xfrm>
-                <a:off x="14466370" y="22264082"/>
+                <a:off x="14437908" y="22294978"/>
                 <a:ext cx="6478770" cy="707886"/>
               </a:xfrm>
               <a:prstGeom prst="rect">
@@ -10835,21 +10624,7 @@
                     <a:latin typeface="Times New Roman" panose="02020603050405020304" pitchFamily="18" charset="0"/>
                     <a:cs typeface="Times New Roman" panose="02020603050405020304" pitchFamily="18" charset="0"/>
                   </a:rPr>
-                  <a:t>Спектр электронов </a:t>
-                </a:r>
-                <a:r>
-                  <a:rPr lang="ru-RU" sz="2000" i="1" dirty="0" smtClean="0">
-                    <a:latin typeface="Times New Roman" panose="02020603050405020304" pitchFamily="18" charset="0"/>
-                    <a:cs typeface="Times New Roman" panose="02020603050405020304" pitchFamily="18" charset="0"/>
-                  </a:rPr>
-                  <a:t>при </a:t>
-                </a:r>
-                <a:r>
-                  <a:rPr lang="ru-RU" sz="2000" i="1" dirty="0" smtClean="0">
-                    <a:latin typeface="Times New Roman" panose="02020603050405020304" pitchFamily="18" charset="0"/>
-                    <a:cs typeface="Times New Roman" panose="02020603050405020304" pitchFamily="18" charset="0"/>
-                  </a:rPr>
-                  <a:t>разных углах </a:t>
+                  <a:t>Спектр электронов при разных углах </a:t>
                 </a:r>
                 <a14:m>
                   <m:oMath xmlns:m="http://schemas.openxmlformats.org/officeDocument/2006/math">
@@ -10875,14 +10650,7 @@
                     <a:latin typeface="Times New Roman" panose="02020603050405020304" pitchFamily="18" charset="0"/>
                     <a:cs typeface="Times New Roman" panose="02020603050405020304" pitchFamily="18" charset="0"/>
                   </a:rPr>
-                  <a:t>наклона </a:t>
-                </a:r>
-                <a:r>
-                  <a:rPr lang="ru-RU" sz="2000" i="1" dirty="0" smtClean="0">
-                    <a:latin typeface="Times New Roman" panose="02020603050405020304" pitchFamily="18" charset="0"/>
-                    <a:cs typeface="Times New Roman" panose="02020603050405020304" pitchFamily="18" charset="0"/>
-                  </a:rPr>
-                  <a:t>магнитного поля </a:t>
+                  <a:t>наклона магнитного поля </a:t>
                 </a:r>
                 <a:r>
                   <a:rPr lang="ru-RU" sz="2000" i="1" dirty="0">
@@ -10969,14 +10737,14 @@
             </p:nvSpPr>
             <p:spPr>
               <a:xfrm>
-                <a:off x="14466370" y="22264082"/>
+                <a:off x="14437908" y="22294978"/>
                 <a:ext cx="6478770" cy="707886"/>
               </a:xfrm>
               <a:prstGeom prst="rect">
                 <a:avLst/>
               </a:prstGeom>
               <a:blipFill rotWithShape="1">
-                <a:blip r:embed="rId22"/>
+                <a:blip r:embed="rId21"/>
                 <a:stretch>
                   <a:fillRect l="-941" t="-4310" b="-14655"/>
                 </a:stretch>
@@ -11005,8 +10773,8 @@
         </p:nvSpPr>
         <p:spPr>
           <a:xfrm>
-            <a:off x="14417973" y="23192294"/>
-            <a:ext cx="6527167" cy="830997"/>
+            <a:off x="14369576" y="23092896"/>
+            <a:ext cx="6527167" cy="2308324"/>
           </a:xfrm>
           <a:prstGeom prst="rect">
             <a:avLst/>
@@ -11024,7 +10792,35 @@
                 <a:latin typeface="Times New Roman" panose="02020603050405020304" pitchFamily="18" charset="0"/>
                 <a:cs typeface="Times New Roman" panose="02020603050405020304" pitchFamily="18" charset="0"/>
               </a:rPr>
-              <a:t>Зависимость ускорения от углов наклона магнитного поля имеет сложный характер</a:t>
+              <a:t>В работе показано, что </a:t>
+            </a:r>
+            <a:r>
+              <a:rPr lang="ru-RU" sz="2400" dirty="0" err="1" smtClean="0">
+                <a:latin typeface="Times New Roman" panose="02020603050405020304" pitchFamily="18" charset="0"/>
+                <a:cs typeface="Times New Roman" panose="02020603050405020304" pitchFamily="18" charset="0"/>
+              </a:rPr>
+              <a:t>квазипродольные</a:t>
+            </a:r>
+            <a:r>
+              <a:rPr lang="ru-RU" sz="2400" dirty="0" smtClean="0">
+                <a:latin typeface="Times New Roman" panose="02020603050405020304" pitchFamily="18" charset="0"/>
+                <a:cs typeface="Times New Roman" panose="02020603050405020304" pitchFamily="18" charset="0"/>
+              </a:rPr>
+              <a:t> </a:t>
+            </a:r>
+            <a:r>
+              <a:rPr lang="ru-RU" sz="2400" dirty="0" err="1" smtClean="0">
+                <a:latin typeface="Times New Roman" panose="02020603050405020304" pitchFamily="18" charset="0"/>
+                <a:cs typeface="Times New Roman" panose="02020603050405020304" pitchFamily="18" charset="0"/>
+              </a:rPr>
+              <a:t>субрелятивистские</a:t>
+            </a:r>
+            <a:r>
+              <a:rPr lang="ru-RU" sz="2400" dirty="0" smtClean="0">
+                <a:latin typeface="Times New Roman" panose="02020603050405020304" pitchFamily="18" charset="0"/>
+                <a:cs typeface="Times New Roman" panose="02020603050405020304" pitchFamily="18" charset="0"/>
+              </a:rPr>
+              <a:t> ударные волны могут эффективно ускорять космические лучи. Схожесть результатов для различных двумерных случаев указывает на то, что они применимы и в общем, трех-мерном случае</a:t>
             </a:r>
             <a:endParaRPr lang="ru-RU" sz="2400" dirty="0">
               <a:latin typeface="Times New Roman" panose="02020603050405020304" pitchFamily="18" charset="0"/>
@@ -11033,6 +10829,126 @@
           </a:p>
         </p:txBody>
       </p:sp>
+      <p:pic>
+        <p:nvPicPr>
+          <p:cNvPr id="15" name="Рисунок 14"/>
+          <p:cNvPicPr>
+            <a:picLocks noChangeAspect="1"/>
+          </p:cNvPicPr>
+          <p:nvPr/>
+        </p:nvPicPr>
+        <p:blipFill>
+          <a:blip r:embed="rId22">
+            <a:extLst>
+              <a:ext uri="{28A0092B-C50C-407E-A947-70E740481C1C}">
+                <a14:useLocalDpi xmlns:a14="http://schemas.microsoft.com/office/drawing/2010/main" val="0"/>
+              </a:ext>
+            </a:extLst>
+          </a:blip>
+          <a:stretch>
+            <a:fillRect/>
+          </a:stretch>
+        </p:blipFill>
+        <p:spPr>
+          <a:xfrm>
+            <a:off x="14302847" y="3471597"/>
+            <a:ext cx="6438900" cy="4095750"/>
+          </a:xfrm>
+          <a:prstGeom prst="rect">
+            <a:avLst/>
+          </a:prstGeom>
+        </p:spPr>
+      </p:pic>
+      <p:pic>
+        <p:nvPicPr>
+          <p:cNvPr id="16" name="Рисунок 15"/>
+          <p:cNvPicPr>
+            <a:picLocks noChangeAspect="1"/>
+          </p:cNvPicPr>
+          <p:nvPr/>
+        </p:nvPicPr>
+        <p:blipFill>
+          <a:blip r:embed="rId23">
+            <a:extLst>
+              <a:ext uri="{28A0092B-C50C-407E-A947-70E740481C1C}">
+                <a14:useLocalDpi xmlns:a14="http://schemas.microsoft.com/office/drawing/2010/main" val="0"/>
+              </a:ext>
+            </a:extLst>
+          </a:blip>
+          <a:stretch>
+            <a:fillRect/>
+          </a:stretch>
+        </p:blipFill>
+        <p:spPr>
+          <a:xfrm>
+            <a:off x="14302847" y="8210910"/>
+            <a:ext cx="6438900" cy="4095750"/>
+          </a:xfrm>
+          <a:prstGeom prst="rect">
+            <a:avLst/>
+          </a:prstGeom>
+        </p:spPr>
+      </p:pic>
+      <p:pic>
+        <p:nvPicPr>
+          <p:cNvPr id="17" name="Рисунок 16"/>
+          <p:cNvPicPr>
+            <a:picLocks noChangeAspect="1"/>
+          </p:cNvPicPr>
+          <p:nvPr/>
+        </p:nvPicPr>
+        <p:blipFill>
+          <a:blip r:embed="rId24">
+            <a:extLst>
+              <a:ext uri="{28A0092B-C50C-407E-A947-70E740481C1C}">
+                <a14:useLocalDpi xmlns:a14="http://schemas.microsoft.com/office/drawing/2010/main" val="0"/>
+              </a:ext>
+            </a:extLst>
+          </a:blip>
+          <a:stretch>
+            <a:fillRect/>
+          </a:stretch>
+        </p:blipFill>
+        <p:spPr>
+          <a:xfrm>
+            <a:off x="14457843" y="13129031"/>
+            <a:ext cx="6438900" cy="4124325"/>
+          </a:xfrm>
+          <a:prstGeom prst="rect">
+            <a:avLst/>
+          </a:prstGeom>
+        </p:spPr>
+      </p:pic>
+      <p:pic>
+        <p:nvPicPr>
+          <p:cNvPr id="20" name="Рисунок 19"/>
+          <p:cNvPicPr>
+            <a:picLocks noChangeAspect="1"/>
+          </p:cNvPicPr>
+          <p:nvPr/>
+        </p:nvPicPr>
+        <p:blipFill>
+          <a:blip r:embed="rId25">
+            <a:extLst>
+              <a:ext uri="{28A0092B-C50C-407E-A947-70E740481C1C}">
+                <a14:useLocalDpi xmlns:a14="http://schemas.microsoft.com/office/drawing/2010/main" val="0"/>
+              </a:ext>
+            </a:extLst>
+          </a:blip>
+          <a:stretch>
+            <a:fillRect/>
+          </a:stretch>
+        </p:blipFill>
+        <p:spPr>
+          <a:xfrm>
+            <a:off x="14457843" y="17953458"/>
+            <a:ext cx="6438900" cy="4124325"/>
+          </a:xfrm>
+          <a:prstGeom prst="rect">
+            <a:avLst/>
+          </a:prstGeom>
+        </p:spPr>
+      </p:pic>
     </p:spTree>
     <p:extLst>
       <p:ext uri="{BB962C8B-B14F-4D97-AF65-F5344CB8AC3E}">
